--- a/figures/ops/figures.pptx
+++ b/figures/ops/figures.pptx
@@ -5,7 +5,7 @@
     <p:sldMasterId id="2147483648" r:id="rId1"/>
   </p:sldMasterIdLst>
   <p:notesMasterIdLst>
-    <p:notesMasterId r:id="rId11"/>
+    <p:notesMasterId r:id="rId12"/>
   </p:notesMasterIdLst>
   <p:sldIdLst>
     <p:sldId id="308" r:id="rId2"/>
@@ -17,6 +17,7 @@
     <p:sldId id="333" r:id="rId8"/>
     <p:sldId id="334" r:id="rId9"/>
     <p:sldId id="345" r:id="rId10"/>
+    <p:sldId id="347" r:id="rId11"/>
   </p:sldIdLst>
   <p:sldSz cx="9144000" cy="5143500" type="screen16x9"/>
   <p:notesSz cx="6858000" cy="9144000"/>
@@ -2471,6 +2472,123 @@
 </p:notes>
 </file>
 
+<file path=ppt/notesSlides/notesSlide7.xml><?xml version="1.0" encoding="utf-8"?>
+<p:notes xmlns:a="http://schemas.openxmlformats.org/drawingml/2006/main" xmlns:r="http://schemas.openxmlformats.org/officeDocument/2006/relationships" xmlns:p="http://schemas.openxmlformats.org/presentationml/2006/main">
+  <p:cSld>
+    <p:spTree>
+      <p:nvGrpSpPr>
+        <p:cNvPr id="1" name=""/>
+        <p:cNvGrpSpPr/>
+        <p:nvPr/>
+      </p:nvGrpSpPr>
+      <p:grpSpPr>
+        <a:xfrm>
+          <a:off x="0" y="0"/>
+          <a:ext cx="0" cy="0"/>
+          <a:chOff x="0" y="0"/>
+          <a:chExt cx="0" cy="0"/>
+        </a:xfrm>
+      </p:grpSpPr>
+      <p:sp>
+        <p:nvSpPr>
+          <p:cNvPr id="2" name="Slide Image Placeholder 1"/>
+          <p:cNvSpPr>
+            <a:spLocks noGrp="1" noRot="1" noChangeAspect="1"/>
+          </p:cNvSpPr>
+          <p:nvPr>
+            <p:ph type="sldImg"/>
+          </p:nvPr>
+        </p:nvSpPr>
+        <p:spPr/>
+      </p:sp>
+      <p:sp>
+        <p:nvSpPr>
+          <p:cNvPr id="3" name="Notes Placeholder 2"/>
+          <p:cNvSpPr>
+            <a:spLocks noGrp="1"/>
+          </p:cNvSpPr>
+          <p:nvPr>
+            <p:ph type="body" idx="1"/>
+          </p:nvPr>
+        </p:nvSpPr>
+        <p:spPr/>
+        <p:txBody>
+          <a:bodyPr/>
+          <a:lstStyle/>
+          <a:p>
+            <a:endParaRPr lang="en-US" dirty="0"/>
+          </a:p>
+        </p:txBody>
+      </p:sp>
+      <p:sp>
+        <p:nvSpPr>
+          <p:cNvPr id="4" name="Slide Number Placeholder 3"/>
+          <p:cNvSpPr>
+            <a:spLocks noGrp="1"/>
+          </p:cNvSpPr>
+          <p:nvPr>
+            <p:ph type="sldNum" idx="10"/>
+          </p:nvPr>
+        </p:nvSpPr>
+        <p:spPr/>
+        <p:txBody>
+          <a:bodyPr/>
+          <a:lstStyle/>
+          <a:p>
+            <a:pPr marL="0" marR="0" lvl="0" indent="0" algn="r" rtl="0">
+              <a:lnSpc>
+                <a:spcPct val="100000"/>
+              </a:lnSpc>
+              <a:spcBef>
+                <a:spcPts val="0"/>
+              </a:spcBef>
+              <a:spcAft>
+                <a:spcPts val="0"/>
+              </a:spcAft>
+              <a:buClr>
+                <a:srgbClr val="000000"/>
+              </a:buClr>
+              <a:buSzPts val="1200"/>
+              <a:buFont typeface="Arial"/>
+              <a:buNone/>
+            </a:pPr>
+            <a:fld id="{00000000-1234-1234-1234-123412341234}" type="slidenum">
+              <a:rPr lang="uk-UA" sz="1200" b="0" i="0" u="none" strike="noStrike" cap="none" smtClean="0">
+                <a:solidFill>
+                  <a:schemeClr val="dk1"/>
+                </a:solidFill>
+                <a:latin typeface="Corbel"/>
+                <a:ea typeface="Corbel"/>
+                <a:cs typeface="Corbel"/>
+                <a:sym typeface="Corbel"/>
+              </a:rPr>
+              <a:t>10</a:t>
+            </a:fld>
+            <a:endParaRPr lang="uk-UA" sz="1200" b="0" i="0" u="none" strike="noStrike" cap="none">
+              <a:solidFill>
+                <a:schemeClr val="dk1"/>
+              </a:solidFill>
+              <a:latin typeface="Corbel"/>
+              <a:ea typeface="Corbel"/>
+              <a:cs typeface="Corbel"/>
+              <a:sym typeface="Corbel"/>
+            </a:endParaRPr>
+          </a:p>
+        </p:txBody>
+      </p:sp>
+    </p:spTree>
+    <p:extLst>
+      <p:ext uri="{BB962C8B-B14F-4D97-AF65-F5344CB8AC3E}">
+        <p14:creationId xmlns:p14="http://schemas.microsoft.com/office/powerpoint/2010/main" val="3579712632"/>
+      </p:ext>
+    </p:extLst>
+  </p:cSld>
+  <p:clrMapOvr>
+    <a:masterClrMapping/>
+  </p:clrMapOvr>
+</p:notes>
+</file>
+
 <file path=ppt/slideLayouts/slideLayout1.xml><?xml version="1.0" encoding="utf-8"?>
 <p:sldLayout xmlns:a="http://schemas.openxmlformats.org/drawingml/2006/main" xmlns:r="http://schemas.openxmlformats.org/officeDocument/2006/relationships" xmlns:p="http://schemas.openxmlformats.org/presentationml/2006/main" userDrawn="1">
   <p:cSld name="2_Title and Subtitle Only">
@@ -2682,7 +2800,7 @@
           <a:p>
             <a:fld id="{BF4F8DC3-0006-B147-AA6D-FF436E850004}" type="datetimeFigureOut">
               <a:rPr lang="en-US" smtClean="0"/>
-              <a:t>2/11/22</a:t>
+              <a:t>2/25/22</a:t>
             </a:fld>
             <a:endParaRPr lang="en-US"/>
           </a:p>
@@ -7710,6 +7828,424 @@
     <p:extLst>
       <p:ext uri="{BB962C8B-B14F-4D97-AF65-F5344CB8AC3E}">
         <p14:creationId xmlns:p14="http://schemas.microsoft.com/office/powerpoint/2010/main" val="226417657"/>
+      </p:ext>
+    </p:extLst>
+  </p:cSld>
+  <p:clrMapOvr>
+    <a:masterClrMapping/>
+  </p:clrMapOvr>
+</p:sld>
+</file>
+
+<file path=ppt/slides/slide10.xml><?xml version="1.0" encoding="utf-8"?>
+<p:sld xmlns:a="http://schemas.openxmlformats.org/drawingml/2006/main" xmlns:r="http://schemas.openxmlformats.org/officeDocument/2006/relationships" xmlns:p="http://schemas.openxmlformats.org/presentationml/2006/main">
+  <p:cSld>
+    <p:spTree>
+      <p:nvGrpSpPr>
+        <p:cNvPr id="1" name=""/>
+        <p:cNvGrpSpPr/>
+        <p:nvPr/>
+      </p:nvGrpSpPr>
+      <p:grpSpPr>
+        <a:xfrm>
+          <a:off x="0" y="0"/>
+          <a:ext cx="0" cy="0"/>
+          <a:chOff x="0" y="0"/>
+          <a:chExt cx="0" cy="0"/>
+        </a:xfrm>
+      </p:grpSpPr>
+      <p:sp>
+        <p:nvSpPr>
+          <p:cNvPr id="22" name="Rounded Rectangle 21">
+            <a:extLst>
+              <a:ext uri="{FF2B5EF4-FFF2-40B4-BE49-F238E27FC236}">
+                <a16:creationId xmlns:a16="http://schemas.microsoft.com/office/drawing/2014/main" id="{75A42FB1-DBD3-244F-AEE7-624D9AE212FD}"/>
+              </a:ext>
+            </a:extLst>
+          </p:cNvPr>
+          <p:cNvSpPr/>
+          <p:nvPr/>
+        </p:nvSpPr>
+        <p:spPr>
+          <a:xfrm>
+            <a:off x="2170268" y="2104581"/>
+            <a:ext cx="4301067" cy="675001"/>
+          </a:xfrm>
+          <a:prstGeom prst="roundRect">
+            <a:avLst/>
+          </a:prstGeom>
+          <a:solidFill>
+            <a:schemeClr val="bg1">
+              <a:lumMod val="65000"/>
+            </a:schemeClr>
+          </a:solidFill>
+          <a:ln>
+            <a:solidFill>
+              <a:srgbClr val="4472C4"/>
+            </a:solidFill>
+          </a:ln>
+        </p:spPr>
+        <p:style>
+          <a:lnRef idx="3">
+            <a:schemeClr val="lt1"/>
+          </a:lnRef>
+          <a:fillRef idx="1">
+            <a:schemeClr val="accent4"/>
+          </a:fillRef>
+          <a:effectRef idx="1">
+            <a:schemeClr val="accent4"/>
+          </a:effectRef>
+          <a:fontRef idx="minor">
+            <a:schemeClr val="lt1"/>
+          </a:fontRef>
+        </p:style>
+        <p:txBody>
+          <a:bodyPr rtlCol="0" anchor="ctr"/>
+          <a:lstStyle/>
+          <a:p>
+            <a:pPr algn="ctr">
+              <a:lnSpc>
+                <a:spcPct val="90000"/>
+              </a:lnSpc>
+            </a:pPr>
+            <a:r>
+              <a:rPr lang="en-US" sz="1600">
+                <a:latin typeface="Calibri" panose="020F0502020204030204" pitchFamily="34" charset="0"/>
+                <a:ea typeface="Calibri" charset="0"/>
+                <a:cs typeface="Calibri" panose="020F0502020204030204" pitchFamily="34" charset="0"/>
+              </a:rPr>
+              <a:t>Management </a:t>
+            </a:r>
+            <a:r>
+              <a:rPr lang="en-US" sz="1600" dirty="0">
+                <a:latin typeface="Calibri" panose="020F0502020204030204" pitchFamily="34" charset="0"/>
+                <a:ea typeface="Calibri" charset="0"/>
+                <a:cs typeface="Calibri" panose="020F0502020204030204" pitchFamily="34" charset="0"/>
+              </a:rPr>
+              <a:t>Layer</a:t>
+            </a:r>
+          </a:p>
+        </p:txBody>
+      </p:sp>
+      <p:cxnSp>
+        <p:nvCxnSpPr>
+          <p:cNvPr id="57" name="Straight Arrow Connector 56">
+            <a:extLst>
+              <a:ext uri="{FF2B5EF4-FFF2-40B4-BE49-F238E27FC236}">
+                <a16:creationId xmlns:a16="http://schemas.microsoft.com/office/drawing/2014/main" id="{F8C51C38-DC60-054F-A22B-3607E1C6544F}"/>
+              </a:ext>
+            </a:extLst>
+          </p:cNvPr>
+          <p:cNvCxnSpPr>
+            <a:cxnSpLocks/>
+            <a:stCxn id="5" idx="4"/>
+            <a:endCxn id="22" idx="0"/>
+          </p:cNvCxnSpPr>
+          <p:nvPr/>
+        </p:nvCxnSpPr>
+        <p:spPr>
+          <a:xfrm>
+            <a:off x="4320799" y="1567542"/>
+            <a:ext cx="3" cy="537039"/>
+          </a:xfrm>
+          <a:prstGeom prst="straightConnector1">
+            <a:avLst/>
+          </a:prstGeom>
+          <a:ln w="28575">
+            <a:solidFill>
+              <a:schemeClr val="accent1"/>
+            </a:solidFill>
+            <a:tailEnd type="triangle"/>
+          </a:ln>
+        </p:spPr>
+        <p:style>
+          <a:lnRef idx="1">
+            <a:schemeClr val="accent1"/>
+          </a:lnRef>
+          <a:fillRef idx="0">
+            <a:schemeClr val="accent1"/>
+          </a:fillRef>
+          <a:effectRef idx="0">
+            <a:schemeClr val="accent1"/>
+          </a:effectRef>
+          <a:fontRef idx="minor">
+            <a:schemeClr val="tx1"/>
+          </a:fontRef>
+        </p:style>
+      </p:cxnSp>
+      <p:cxnSp>
+        <p:nvCxnSpPr>
+          <p:cNvPr id="19" name="Straight Arrow Connector 18">
+            <a:extLst>
+              <a:ext uri="{FF2B5EF4-FFF2-40B4-BE49-F238E27FC236}">
+                <a16:creationId xmlns:a16="http://schemas.microsoft.com/office/drawing/2014/main" id="{972AA149-C673-1D46-A639-92B16EF60146}"/>
+              </a:ext>
+            </a:extLst>
+          </p:cNvPr>
+          <p:cNvCxnSpPr>
+            <a:cxnSpLocks/>
+            <a:stCxn id="22" idx="2"/>
+            <a:endCxn id="25" idx="0"/>
+          </p:cNvCxnSpPr>
+          <p:nvPr/>
+        </p:nvCxnSpPr>
+        <p:spPr>
+          <a:xfrm>
+            <a:off x="4320802" y="2779582"/>
+            <a:ext cx="0" cy="537039"/>
+          </a:xfrm>
+          <a:prstGeom prst="straightConnector1">
+            <a:avLst/>
+          </a:prstGeom>
+          <a:ln w="28575">
+            <a:solidFill>
+              <a:schemeClr val="accent1"/>
+            </a:solidFill>
+            <a:tailEnd type="triangle"/>
+          </a:ln>
+        </p:spPr>
+        <p:style>
+          <a:lnRef idx="1">
+            <a:schemeClr val="accent1"/>
+          </a:lnRef>
+          <a:fillRef idx="0">
+            <a:schemeClr val="accent1"/>
+          </a:fillRef>
+          <a:effectRef idx="0">
+            <a:schemeClr val="accent1"/>
+          </a:effectRef>
+          <a:fontRef idx="minor">
+            <a:schemeClr val="tx1"/>
+          </a:fontRef>
+        </p:style>
+      </p:cxnSp>
+      <p:sp>
+        <p:nvSpPr>
+          <p:cNvPr id="5" name="Oval 4">
+            <a:extLst>
+              <a:ext uri="{FF2B5EF4-FFF2-40B4-BE49-F238E27FC236}">
+                <a16:creationId xmlns:a16="http://schemas.microsoft.com/office/drawing/2014/main" id="{882C2A3E-B88F-F944-965B-346086872B7D}"/>
+              </a:ext>
+            </a:extLst>
+          </p:cNvPr>
+          <p:cNvSpPr/>
+          <p:nvPr/>
+        </p:nvSpPr>
+        <p:spPr>
+          <a:xfrm>
+            <a:off x="3094341" y="1015861"/>
+            <a:ext cx="2452915" cy="551681"/>
+          </a:xfrm>
+          <a:prstGeom prst="ellipse">
+            <a:avLst/>
+          </a:prstGeom>
+          <a:solidFill>
+            <a:schemeClr val="bg1"/>
+          </a:solidFill>
+        </p:spPr>
+        <p:style>
+          <a:lnRef idx="2">
+            <a:schemeClr val="accent1">
+              <a:shade val="50000"/>
+            </a:schemeClr>
+          </a:lnRef>
+          <a:fillRef idx="1">
+            <a:schemeClr val="accent1"/>
+          </a:fillRef>
+          <a:effectRef idx="0">
+            <a:schemeClr val="accent1"/>
+          </a:effectRef>
+          <a:fontRef idx="minor">
+            <a:schemeClr val="lt1"/>
+          </a:fontRef>
+        </p:style>
+        <p:txBody>
+          <a:bodyPr rtlCol="0" anchor="ctr"/>
+          <a:lstStyle/>
+          <a:p>
+            <a:pPr algn="ctr"/>
+            <a:r>
+              <a:rPr lang="en-US" sz="1600" dirty="0">
+                <a:solidFill>
+                  <a:schemeClr val="tx1">
+                    <a:lumMod val="50000"/>
+                  </a:schemeClr>
+                </a:solidFill>
+                <a:latin typeface="Calibri" panose="020F0502020204030204" pitchFamily="34" charset="0"/>
+                <a:cs typeface="Calibri" panose="020F0502020204030204" pitchFamily="34" charset="0"/>
+              </a:rPr>
+              <a:t>Human Operators</a:t>
+            </a:r>
+          </a:p>
+        </p:txBody>
+      </p:sp>
+      <p:sp>
+        <p:nvSpPr>
+          <p:cNvPr id="25" name="Oval 24">
+            <a:extLst>
+              <a:ext uri="{FF2B5EF4-FFF2-40B4-BE49-F238E27FC236}">
+                <a16:creationId xmlns:a16="http://schemas.microsoft.com/office/drawing/2014/main" id="{918BA166-BA8F-5441-936C-9E469D5D47EC}"/>
+              </a:ext>
+            </a:extLst>
+          </p:cNvPr>
+          <p:cNvSpPr/>
+          <p:nvPr/>
+        </p:nvSpPr>
+        <p:spPr>
+          <a:xfrm>
+            <a:off x="2170268" y="3316621"/>
+            <a:ext cx="4301067" cy="811018"/>
+          </a:xfrm>
+          <a:prstGeom prst="ellipse">
+            <a:avLst/>
+          </a:prstGeom>
+          <a:solidFill>
+            <a:schemeClr val="bg1"/>
+          </a:solidFill>
+        </p:spPr>
+        <p:style>
+          <a:lnRef idx="2">
+            <a:schemeClr val="accent1">
+              <a:shade val="50000"/>
+            </a:schemeClr>
+          </a:lnRef>
+          <a:fillRef idx="1">
+            <a:schemeClr val="accent1"/>
+          </a:fillRef>
+          <a:effectRef idx="0">
+            <a:schemeClr val="accent1"/>
+          </a:effectRef>
+          <a:fontRef idx="minor">
+            <a:schemeClr val="lt1"/>
+          </a:fontRef>
+        </p:style>
+        <p:txBody>
+          <a:bodyPr rtlCol="0" anchor="ctr"/>
+          <a:lstStyle/>
+          <a:p>
+            <a:pPr algn="ctr"/>
+            <a:r>
+              <a:rPr lang="en-US" sz="1600">
+                <a:solidFill>
+                  <a:schemeClr val="tx1">
+                    <a:lumMod val="50000"/>
+                  </a:schemeClr>
+                </a:solidFill>
+                <a:latin typeface="Calibri" panose="020F0502020204030204" pitchFamily="34" charset="0"/>
+                <a:cs typeface="Calibri" panose="020F0502020204030204" pitchFamily="34" charset="0"/>
+              </a:rPr>
+              <a:t>Deployed Network </a:t>
+            </a:r>
+            <a:r>
+              <a:rPr lang="en-US" sz="1600" dirty="0">
+                <a:solidFill>
+                  <a:schemeClr val="tx1">
+                    <a:lumMod val="50000"/>
+                  </a:schemeClr>
+                </a:solidFill>
+                <a:latin typeface="Calibri" panose="020F0502020204030204" pitchFamily="34" charset="0"/>
+                <a:cs typeface="Calibri" panose="020F0502020204030204" pitchFamily="34" charset="0"/>
+              </a:rPr>
+              <a:t>Elements</a:t>
+            </a:r>
+          </a:p>
+          <a:p>
+            <a:pPr algn="ctr"/>
+            <a:r>
+              <a:rPr lang="en-US" sz="1600" dirty="0">
+                <a:solidFill>
+                  <a:schemeClr val="tx1">
+                    <a:lumMod val="50000"/>
+                  </a:schemeClr>
+                </a:solidFill>
+                <a:latin typeface="Calibri" panose="020F0502020204030204" pitchFamily="34" charset="0"/>
+                <a:cs typeface="Calibri" panose="020F0502020204030204" pitchFamily="34" charset="0"/>
+              </a:rPr>
+              <a:t>(Hardware &amp; Software)</a:t>
+            </a:r>
+          </a:p>
+        </p:txBody>
+      </p:sp>
+      <p:sp>
+        <p:nvSpPr>
+          <p:cNvPr id="17" name="TextBox 16">
+            <a:extLst>
+              <a:ext uri="{FF2B5EF4-FFF2-40B4-BE49-F238E27FC236}">
+                <a16:creationId xmlns:a16="http://schemas.microsoft.com/office/drawing/2014/main" id="{9836F31A-41DC-A441-8438-BA81EFD691A9}"/>
+              </a:ext>
+            </a:extLst>
+          </p:cNvPr>
+          <p:cNvSpPr txBox="1"/>
+          <p:nvPr/>
+        </p:nvSpPr>
+        <p:spPr>
+          <a:xfrm>
+            <a:off x="4320798" y="1666784"/>
+            <a:ext cx="763351" cy="338554"/>
+          </a:xfrm>
+          <a:prstGeom prst="rect">
+            <a:avLst/>
+          </a:prstGeom>
+          <a:noFill/>
+        </p:spPr>
+        <p:txBody>
+          <a:bodyPr wrap="none" rtlCol="0">
+            <a:spAutoFit/>
+          </a:bodyPr>
+          <a:lstStyle/>
+          <a:p>
+            <a:r>
+              <a:rPr lang="en-US" sz="1600" i="1" dirty="0">
+                <a:latin typeface="Calibri" panose="020F0502020204030204" pitchFamily="34" charset="0"/>
+                <a:cs typeface="Calibri" panose="020F0502020204030204" pitchFamily="34" charset="0"/>
+              </a:rPr>
+              <a:t>Intents</a:t>
+            </a:r>
+          </a:p>
+        </p:txBody>
+      </p:sp>
+      <p:sp>
+        <p:nvSpPr>
+          <p:cNvPr id="32" name="TextBox 31">
+            <a:extLst>
+              <a:ext uri="{FF2B5EF4-FFF2-40B4-BE49-F238E27FC236}">
+                <a16:creationId xmlns:a16="http://schemas.microsoft.com/office/drawing/2014/main" id="{668699B3-3826-F541-B0C9-0E5F58644304}"/>
+              </a:ext>
+            </a:extLst>
+          </p:cNvPr>
+          <p:cNvSpPr txBox="1"/>
+          <p:nvPr/>
+        </p:nvSpPr>
+        <p:spPr>
+          <a:xfrm>
+            <a:off x="4320798" y="2878824"/>
+            <a:ext cx="795411" cy="338554"/>
+          </a:xfrm>
+          <a:prstGeom prst="rect">
+            <a:avLst/>
+          </a:prstGeom>
+          <a:noFill/>
+        </p:spPr>
+        <p:txBody>
+          <a:bodyPr wrap="none" rtlCol="0">
+            <a:spAutoFit/>
+          </a:bodyPr>
+          <a:lstStyle/>
+          <a:p>
+            <a:r>
+              <a:rPr lang="en-US" sz="1600" i="1" dirty="0">
+                <a:latin typeface="Calibri" panose="020F0502020204030204" pitchFamily="34" charset="0"/>
+                <a:cs typeface="Calibri" panose="020F0502020204030204" pitchFamily="34" charset="0"/>
+              </a:rPr>
+              <a:t>Actions</a:t>
+            </a:r>
+          </a:p>
+        </p:txBody>
+      </p:sp>
+    </p:spTree>
+    <p:extLst>
+      <p:ext uri="{BB962C8B-B14F-4D97-AF65-F5344CB8AC3E}">
+        <p14:creationId xmlns:p14="http://schemas.microsoft.com/office/powerpoint/2010/main" val="1608014393"/>
       </p:ext>
     </p:extLst>
   </p:cSld>

--- a/figures/ops/figures.pptx
+++ b/figures/ops/figures.pptx
@@ -9,7 +9,7 @@
   </p:notesMasterIdLst>
   <p:sldIdLst>
     <p:sldId id="308" r:id="rId2"/>
-    <p:sldId id="346" r:id="rId3"/>
+    <p:sldId id="355" r:id="rId3"/>
     <p:sldId id="330" r:id="rId4"/>
     <p:sldId id="331" r:id="rId5"/>
     <p:sldId id="332" r:id="rId6"/>
@@ -17,7 +17,7 @@
     <p:sldId id="333" r:id="rId8"/>
     <p:sldId id="334" r:id="rId9"/>
     <p:sldId id="345" r:id="rId10"/>
-    <p:sldId id="347" r:id="rId11"/>
+    <p:sldId id="348" r:id="rId11"/>
   </p:sldIdLst>
   <p:sldSz cx="9144000" cy="5143500" type="screen16x9"/>
   <p:notesSz cx="6858000" cy="9144000"/>
@@ -306,7 +306,7 @@
       </p15:sldGuideLst>
     </p:ext>
     <p:ext uri="http://customooxmlschemas.google.com/">
-      <go:slidesCustomData xmlns:go="http://customooxmlschemas.google.com/" xmlns:p15="http://schemas.microsoft.com/office/powerpoint/2012/main" xmlns:p14="http://schemas.microsoft.com/office/powerpoint/2010/main" xmlns:com="http://schemas.openxmlformats.org/drawingml/2006/compatibility" xmlns:pvml="urn:schemas-microsoft-com:office:powerpoint" xmlns:v="urn:schemas-microsoft-com:vml" xmlns:o="urn:schemas-microsoft-com:office:office" xmlns:dgm="http://schemas.openxmlformats.org/drawingml/2006/diagram" xmlns:c="http://schemas.openxmlformats.org/drawingml/2006/chart" xmlns:mv="urn:schemas-microsoft-com:mac:vml" xmlns:mc="http://schemas.openxmlformats.org/markup-compatibility/2006" xmlns="" r:id="rId29" roundtripDataSignature="AMtx7mjYSJr9dBhpBi3R8tFsPF3I3gzuVA=="/>
+      <go:slidesCustomData xmlns:go="http://customooxmlschemas.google.com/" xmlns:p15="http://schemas.microsoft.com/office/powerpoint/2012/main" xmlns:p14="http://schemas.microsoft.com/office/powerpoint/2010/main" xmlns:com="http://schemas.openxmlformats.org/drawingml/2006/compatibility" xmlns:pvml="urn:schemas-microsoft-com:office:powerpoint" xmlns:v="urn:schemas-microsoft-com:vml" xmlns:o="urn:schemas-microsoft-com:office:office" xmlns:dgm="http://schemas.openxmlformats.org/drawingml/2006/diagram" xmlns:c="http://schemas.openxmlformats.org/drawingml/2006/chart" xmlns:mv="urn:schemas-microsoft-com:mac:vml" xmlns:mc="http://schemas.openxmlformats.org/markup-compatibility/2006" xmlns="" r:id="rId30" roundtripDataSignature="AMtx7mjYSJr9dBhpBi3R8tFsPF3I3gzuVA=="/>
     </p:ext>
   </p:extLst>
 </p:presentation>
@@ -2579,7 +2579,7 @@
     </p:spTree>
     <p:extLst>
       <p:ext uri="{BB962C8B-B14F-4D97-AF65-F5344CB8AC3E}">
-        <p14:creationId xmlns:p14="http://schemas.microsoft.com/office/powerpoint/2010/main" val="3579712632"/>
+        <p14:creationId xmlns:p14="http://schemas.microsoft.com/office/powerpoint/2010/main" val="3717575959"/>
       </p:ext>
     </p:extLst>
   </p:cSld>
@@ -2800,7 +2800,7 @@
           <a:p>
             <a:fld id="{BF4F8DC3-0006-B147-AA6D-FF436E850004}" type="datetimeFigureOut">
               <a:rPr lang="en-US" smtClean="0"/>
-              <a:t>2/25/22</a:t>
+              <a:t>7/15/22</a:t>
             </a:fld>
             <a:endParaRPr lang="en-US"/>
           </a:p>
@@ -4414,6 +4414,19 @@
 <file path=ppt/slides/slide1.xml><?xml version="1.0" encoding="utf-8"?>
 <p:sld xmlns:a="http://schemas.openxmlformats.org/drawingml/2006/main" xmlns:r="http://schemas.openxmlformats.org/officeDocument/2006/relationships" xmlns:p="http://schemas.openxmlformats.org/presentationml/2006/main">
   <p:cSld>
+    <p:bg>
+      <p:bgPr>
+        <a:pattFill prst="pct5">
+          <a:fgClr>
+            <a:schemeClr val="lt1"/>
+          </a:fgClr>
+          <a:bgClr>
+            <a:schemeClr val="bg1"/>
+          </a:bgClr>
+        </a:pattFill>
+        <a:effectLst/>
+      </p:bgPr>
+    </p:bg>
     <p:spTree>
       <p:nvGrpSpPr>
         <p:cNvPr id="1" name=""/>
@@ -6672,15 +6685,19 @@
           <a:prstGeom prst="roundRect">
             <a:avLst/>
           </a:prstGeom>
-          <a:solidFill>
-            <a:schemeClr val="accent2">
-              <a:lumMod val="40000"/>
-              <a:lumOff val="60000"/>
-            </a:schemeClr>
-          </a:solidFill>
+          <a:pattFill prst="smCheck">
+            <a:fgClr>
+              <a:srgbClr val="C2D6EC"/>
+            </a:fgClr>
+            <a:bgClr>
+              <a:schemeClr val="bg1"/>
+            </a:bgClr>
+          </a:pattFill>
           <a:ln>
             <a:solidFill>
-              <a:schemeClr val="accent2"/>
+              <a:schemeClr val="bg1">
+                <a:lumMod val="50000"/>
+              </a:schemeClr>
             </a:solidFill>
           </a:ln>
         </p:spPr>
@@ -6739,16 +6756,20 @@
           <a:prstGeom prst="roundRect">
             <a:avLst/>
           </a:prstGeom>
-          <a:solidFill>
-            <a:schemeClr val="accent3">
-              <a:lumMod val="40000"/>
-              <a:lumOff val="60000"/>
-            </a:schemeClr>
-          </a:solidFill>
+          <a:pattFill prst="trellis">
+            <a:fgClr>
+              <a:schemeClr val="bg1">
+                <a:lumMod val="75000"/>
+              </a:schemeClr>
+            </a:fgClr>
+            <a:bgClr>
+              <a:schemeClr val="bg1"/>
+            </a:bgClr>
+          </a:pattFill>
           <a:ln>
             <a:solidFill>
-              <a:schemeClr val="accent3">
-                <a:lumMod val="75000"/>
+              <a:schemeClr val="bg1">
+                <a:lumMod val="50000"/>
               </a:schemeClr>
             </a:solidFill>
           </a:ln>
@@ -6982,8 +7003,8 @@
         </p:nvSpPr>
         <p:spPr>
           <a:xfrm>
-            <a:off x="3619667" y="2179026"/>
-            <a:ext cx="918841" cy="246221"/>
+            <a:off x="3587427" y="2215075"/>
+            <a:ext cx="918842" cy="246221"/>
           </a:xfrm>
           <a:prstGeom prst="rect">
             <a:avLst/>
@@ -6996,7 +7017,7 @@
           </a:bodyPr>
           <a:lstStyle/>
           <a:p>
-            <a:pPr defTabSz="457178">
+            <a:pPr algn="r" defTabSz="457178">
               <a:defRPr/>
             </a:pPr>
             <a:r>
@@ -7151,12 +7172,19 @@
           <a:prstGeom prst="roundRect">
             <a:avLst/>
           </a:prstGeom>
-          <a:solidFill>
-            <a:srgbClr val="C2D6EC"/>
-          </a:solidFill>
+          <a:pattFill prst="pct75">
+            <a:fgClr>
+              <a:srgbClr val="C2D6EC"/>
+            </a:fgClr>
+            <a:bgClr>
+              <a:schemeClr val="bg1"/>
+            </a:bgClr>
+          </a:pattFill>
           <a:ln>
             <a:solidFill>
-              <a:srgbClr val="6A99D0"/>
+              <a:schemeClr val="bg1">
+                <a:lumMod val="50000"/>
+              </a:schemeClr>
             </a:solidFill>
           </a:ln>
         </p:spPr>
@@ -7209,8 +7237,8 @@
         </p:nvSpPr>
         <p:spPr>
           <a:xfrm>
-            <a:off x="5779237" y="3038115"/>
-            <a:ext cx="888384" cy="400110"/>
+            <a:off x="5780039" y="3038115"/>
+            <a:ext cx="886781" cy="400110"/>
           </a:xfrm>
           <a:prstGeom prst="rect">
             <a:avLst/>
@@ -7270,7 +7298,7 @@
         </p:nvSpPr>
         <p:spPr>
           <a:xfrm>
-            <a:off x="6512618" y="3606451"/>
+            <a:off x="6512619" y="3606451"/>
             <a:ext cx="747320" cy="400110"/>
           </a:xfrm>
           <a:prstGeom prst="rect">
@@ -7312,7 +7340,7 @@
                 </a:solidFill>
                 <a:latin typeface="Calibri" panose="020F0502020204030204"/>
               </a:rPr>
-              <a:t>Plane </a:t>
+              <a:t>Plane</a:t>
             </a:r>
           </a:p>
         </p:txBody>
@@ -7382,13 +7410,23 @@
           <a:prstGeom prst="roundRect">
             <a:avLst/>
           </a:prstGeom>
-          <a:solidFill>
-            <a:schemeClr val="accent3">
-              <a:lumMod val="40000"/>
-              <a:lumOff val="60000"/>
-            </a:schemeClr>
-          </a:solidFill>
-          <a:ln/>
+          <a:pattFill prst="trellis">
+            <a:fgClr>
+              <a:schemeClr val="bg1">
+                <a:lumMod val="75000"/>
+              </a:schemeClr>
+            </a:fgClr>
+            <a:bgClr>
+              <a:schemeClr val="bg1"/>
+            </a:bgClr>
+          </a:pattFill>
+          <a:ln>
+            <a:solidFill>
+              <a:schemeClr val="bg1">
+                <a:lumMod val="50000"/>
+              </a:schemeClr>
+            </a:solidFill>
+          </a:ln>
         </p:spPr>
         <p:style>
           <a:lnRef idx="2">
@@ -7490,16 +7528,20 @@
           <a:prstGeom prst="roundRect">
             <a:avLst/>
           </a:prstGeom>
-          <a:solidFill>
-            <a:schemeClr val="accent3">
-              <a:lumMod val="40000"/>
-              <a:lumOff val="60000"/>
-            </a:schemeClr>
-          </a:solidFill>
+          <a:pattFill prst="trellis">
+            <a:fgClr>
+              <a:schemeClr val="bg1">
+                <a:lumMod val="75000"/>
+              </a:schemeClr>
+            </a:fgClr>
+            <a:bgClr>
+              <a:schemeClr val="bg1"/>
+            </a:bgClr>
+          </a:pattFill>
           <a:ln>
             <a:solidFill>
-              <a:schemeClr val="accent3">
-                <a:lumMod val="75000"/>
+              <a:schemeClr val="bg1">
+                <a:lumMod val="50000"/>
               </a:schemeClr>
             </a:solidFill>
           </a:ln>
@@ -7559,16 +7601,20 @@
           <a:prstGeom prst="roundRect">
             <a:avLst/>
           </a:prstGeom>
-          <a:solidFill>
-            <a:schemeClr val="accent3">
-              <a:lumMod val="40000"/>
-              <a:lumOff val="60000"/>
-            </a:schemeClr>
-          </a:solidFill>
+          <a:pattFill prst="trellis">
+            <a:fgClr>
+              <a:schemeClr val="bg1">
+                <a:lumMod val="75000"/>
+              </a:schemeClr>
+            </a:fgClr>
+            <a:bgClr>
+              <a:schemeClr val="bg1"/>
+            </a:bgClr>
+          </a:pattFill>
           <a:ln>
             <a:solidFill>
-              <a:schemeClr val="accent3">
-                <a:lumMod val="75000"/>
+              <a:schemeClr val="bg1">
+                <a:lumMod val="50000"/>
               </a:schemeClr>
             </a:solidFill>
           </a:ln>
@@ -7628,13 +7674,23 @@
           <a:prstGeom prst="roundRect">
             <a:avLst/>
           </a:prstGeom>
-          <a:solidFill>
-            <a:schemeClr val="accent3">
-              <a:lumMod val="40000"/>
-              <a:lumOff val="60000"/>
-            </a:schemeClr>
-          </a:solidFill>
-          <a:ln/>
+          <a:pattFill prst="trellis">
+            <a:fgClr>
+              <a:schemeClr val="bg1">
+                <a:lumMod val="75000"/>
+              </a:schemeClr>
+            </a:fgClr>
+            <a:bgClr>
+              <a:schemeClr val="bg1"/>
+            </a:bgClr>
+          </a:pattFill>
+          <a:ln>
+            <a:solidFill>
+              <a:schemeClr val="bg1">
+                <a:lumMod val="50000"/>
+              </a:schemeClr>
+            </a:solidFill>
+          </a:ln>
         </p:spPr>
         <p:style>
           <a:lnRef idx="2">
@@ -7691,13 +7747,23 @@
           <a:prstGeom prst="roundRect">
             <a:avLst/>
           </a:prstGeom>
-          <a:solidFill>
-            <a:schemeClr val="accent3">
-              <a:lumMod val="40000"/>
-              <a:lumOff val="60000"/>
-            </a:schemeClr>
-          </a:solidFill>
-          <a:ln/>
+          <a:pattFill prst="trellis">
+            <a:fgClr>
+              <a:schemeClr val="bg1">
+                <a:lumMod val="75000"/>
+              </a:schemeClr>
+            </a:fgClr>
+            <a:bgClr>
+              <a:schemeClr val="bg1"/>
+            </a:bgClr>
+          </a:pattFill>
+          <a:ln>
+            <a:solidFill>
+              <a:schemeClr val="bg1">
+                <a:lumMod val="50000"/>
+              </a:schemeClr>
+            </a:solidFill>
+          </a:ln>
         </p:spPr>
         <p:style>
           <a:lnRef idx="2">
@@ -8245,7 +8311,7 @@
     </p:spTree>
     <p:extLst>
       <p:ext uri="{BB962C8B-B14F-4D97-AF65-F5344CB8AC3E}">
-        <p14:creationId xmlns:p14="http://schemas.microsoft.com/office/powerpoint/2010/main" val="1608014393"/>
+        <p14:creationId xmlns:p14="http://schemas.microsoft.com/office/powerpoint/2010/main" val="3558938502"/>
       </p:ext>
     </p:extLst>
   </p:cSld>
@@ -10516,15 +10582,19 @@
           <a:prstGeom prst="roundRect">
             <a:avLst/>
           </a:prstGeom>
-          <a:solidFill>
-            <a:schemeClr val="accent2">
-              <a:lumMod val="40000"/>
-              <a:lumOff val="60000"/>
-            </a:schemeClr>
-          </a:solidFill>
+          <a:pattFill prst="smCheck">
+            <a:fgClr>
+              <a:srgbClr val="C2D6EC"/>
+            </a:fgClr>
+            <a:bgClr>
+              <a:schemeClr val="bg1"/>
+            </a:bgClr>
+          </a:pattFill>
           <a:ln>
             <a:solidFill>
-              <a:schemeClr val="accent2"/>
+              <a:schemeClr val="bg1">
+                <a:lumMod val="50000"/>
+              </a:schemeClr>
             </a:solidFill>
           </a:ln>
         </p:spPr>
@@ -10583,12 +10653,19 @@
           <a:prstGeom prst="roundRect">
             <a:avLst/>
           </a:prstGeom>
-          <a:solidFill>
-            <a:srgbClr val="C2D6EC"/>
-          </a:solidFill>
+          <a:pattFill prst="pct70">
+            <a:fgClr>
+              <a:srgbClr val="C2D6EC"/>
+            </a:fgClr>
+            <a:bgClr>
+              <a:schemeClr val="bg1"/>
+            </a:bgClr>
+          </a:pattFill>
           <a:ln>
             <a:solidFill>
-              <a:srgbClr val="6A99D0"/>
+              <a:schemeClr val="bg1">
+                <a:lumMod val="50000"/>
+              </a:schemeClr>
             </a:solidFill>
           </a:ln>
         </p:spPr>
@@ -10647,16 +10724,20 @@
           <a:prstGeom prst="roundRect">
             <a:avLst/>
           </a:prstGeom>
-          <a:solidFill>
-            <a:schemeClr val="accent3">
-              <a:lumMod val="40000"/>
-              <a:lumOff val="60000"/>
-            </a:schemeClr>
-          </a:solidFill>
+          <a:pattFill prst="trellis">
+            <a:fgClr>
+              <a:schemeClr val="bg1">
+                <a:lumMod val="75000"/>
+              </a:schemeClr>
+            </a:fgClr>
+            <a:bgClr>
+              <a:schemeClr val="bg1"/>
+            </a:bgClr>
+          </a:pattFill>
           <a:ln>
             <a:solidFill>
-              <a:schemeClr val="accent3">
-                <a:lumMod val="75000"/>
+              <a:schemeClr val="bg1">
+                <a:lumMod val="50000"/>
               </a:schemeClr>
             </a:solidFill>
           </a:ln>
@@ -11120,12 +11201,19 @@
           <a:prstGeom prst="roundRect">
             <a:avLst/>
           </a:prstGeom>
-          <a:solidFill>
-            <a:srgbClr val="C2D6EC"/>
-          </a:solidFill>
+          <a:pattFill prst="pct75">
+            <a:fgClr>
+              <a:srgbClr val="C2D6EC"/>
+            </a:fgClr>
+            <a:bgClr>
+              <a:schemeClr val="bg1"/>
+            </a:bgClr>
+          </a:pattFill>
           <a:ln>
             <a:solidFill>
-              <a:srgbClr val="6A99D0"/>
+              <a:schemeClr val="bg1">
+                <a:lumMod val="50000"/>
+              </a:schemeClr>
             </a:solidFill>
           </a:ln>
         </p:spPr>
@@ -11367,13 +11455,23 @@
           <a:prstGeom prst="roundRect">
             <a:avLst/>
           </a:prstGeom>
-          <a:solidFill>
-            <a:schemeClr val="accent3">
-              <a:lumMod val="40000"/>
-              <a:lumOff val="60000"/>
-            </a:schemeClr>
-          </a:solidFill>
-          <a:ln/>
+          <a:pattFill prst="trellis">
+            <a:fgClr>
+              <a:schemeClr val="bg1">
+                <a:lumMod val="75000"/>
+              </a:schemeClr>
+            </a:fgClr>
+            <a:bgClr>
+              <a:schemeClr val="bg1"/>
+            </a:bgClr>
+          </a:pattFill>
+          <a:ln>
+            <a:solidFill>
+              <a:schemeClr val="bg1">
+                <a:lumMod val="50000"/>
+              </a:schemeClr>
+            </a:solidFill>
+          </a:ln>
         </p:spPr>
         <p:style>
           <a:lnRef idx="2">
@@ -11475,16 +11573,20 @@
           <a:prstGeom prst="roundRect">
             <a:avLst/>
           </a:prstGeom>
-          <a:solidFill>
-            <a:schemeClr val="accent3">
-              <a:lumMod val="40000"/>
-              <a:lumOff val="60000"/>
-            </a:schemeClr>
-          </a:solidFill>
+          <a:pattFill prst="trellis">
+            <a:fgClr>
+              <a:schemeClr val="bg1">
+                <a:lumMod val="75000"/>
+              </a:schemeClr>
+            </a:fgClr>
+            <a:bgClr>
+              <a:schemeClr val="bg1"/>
+            </a:bgClr>
+          </a:pattFill>
           <a:ln>
             <a:solidFill>
-              <a:schemeClr val="accent3">
-                <a:lumMod val="75000"/>
+              <a:schemeClr val="bg1">
+                <a:lumMod val="50000"/>
               </a:schemeClr>
             </a:solidFill>
           </a:ln>
@@ -11544,16 +11646,20 @@
           <a:prstGeom prst="roundRect">
             <a:avLst/>
           </a:prstGeom>
-          <a:solidFill>
-            <a:schemeClr val="accent3">
-              <a:lumMod val="40000"/>
-              <a:lumOff val="60000"/>
-            </a:schemeClr>
-          </a:solidFill>
+          <a:pattFill prst="trellis">
+            <a:fgClr>
+              <a:schemeClr val="bg1">
+                <a:lumMod val="75000"/>
+              </a:schemeClr>
+            </a:fgClr>
+            <a:bgClr>
+              <a:schemeClr val="bg1"/>
+            </a:bgClr>
+          </a:pattFill>
           <a:ln>
             <a:solidFill>
-              <a:schemeClr val="accent3">
-                <a:lumMod val="75000"/>
+              <a:schemeClr val="bg1">
+                <a:lumMod val="50000"/>
               </a:schemeClr>
             </a:solidFill>
           </a:ln>
@@ -11613,13 +11719,23 @@
           <a:prstGeom prst="roundRect">
             <a:avLst/>
           </a:prstGeom>
-          <a:solidFill>
-            <a:schemeClr val="accent3">
-              <a:lumMod val="40000"/>
-              <a:lumOff val="60000"/>
-            </a:schemeClr>
-          </a:solidFill>
-          <a:ln/>
+          <a:pattFill prst="trellis">
+            <a:fgClr>
+              <a:schemeClr val="bg1">
+                <a:lumMod val="75000"/>
+              </a:schemeClr>
+            </a:fgClr>
+            <a:bgClr>
+              <a:schemeClr val="bg1"/>
+            </a:bgClr>
+          </a:pattFill>
+          <a:ln>
+            <a:solidFill>
+              <a:schemeClr val="bg1">
+                <a:lumMod val="50000"/>
+              </a:schemeClr>
+            </a:solidFill>
+          </a:ln>
         </p:spPr>
         <p:style>
           <a:lnRef idx="2">
@@ -11676,13 +11792,23 @@
           <a:prstGeom prst="roundRect">
             <a:avLst/>
           </a:prstGeom>
-          <a:solidFill>
-            <a:schemeClr val="accent3">
-              <a:lumMod val="40000"/>
-              <a:lumOff val="60000"/>
-            </a:schemeClr>
-          </a:solidFill>
-          <a:ln/>
+          <a:pattFill prst="trellis">
+            <a:fgClr>
+              <a:schemeClr val="bg1">
+                <a:lumMod val="75000"/>
+              </a:schemeClr>
+            </a:fgClr>
+            <a:bgClr>
+              <a:schemeClr val="bg1"/>
+            </a:bgClr>
+          </a:pattFill>
+          <a:ln>
+            <a:solidFill>
+              <a:schemeClr val="bg1">
+                <a:lumMod val="50000"/>
+              </a:schemeClr>
+            </a:solidFill>
+          </a:ln>
         </p:spPr>
         <p:style>
           <a:lnRef idx="2">
@@ -11812,7 +11938,7 @@
     </p:spTree>
     <p:extLst>
       <p:ext uri="{BB962C8B-B14F-4D97-AF65-F5344CB8AC3E}">
-        <p14:creationId xmlns:p14="http://schemas.microsoft.com/office/powerpoint/2010/main" val="2704723152"/>
+        <p14:creationId xmlns:p14="http://schemas.microsoft.com/office/powerpoint/2010/main" val="2118653353"/>
       </p:ext>
     </p:extLst>
   </p:cSld>
@@ -11857,8 +11983,8 @@
         </p:nvCxnSpPr>
         <p:spPr>
           <a:xfrm flipV="1">
-            <a:off x="3109785" y="2189389"/>
-            <a:ext cx="1637" cy="162598"/>
+            <a:off x="3104358" y="2189389"/>
+            <a:ext cx="7064" cy="160283"/>
           </a:xfrm>
           <a:prstGeom prst="line">
             <a:avLst/>
@@ -11894,7 +12020,7 @@
         <p:spPr>
           <a:xfrm flipH="1" flipV="1">
             <a:off x="3116317" y="2948752"/>
-            <a:ext cx="795806" cy="324165"/>
+            <a:ext cx="796159" cy="324165"/>
           </a:xfrm>
           <a:prstGeom prst="line">
             <a:avLst/>
@@ -11930,7 +12056,7 @@
         <p:spPr>
           <a:xfrm flipH="1" flipV="1">
             <a:off x="3760064" y="2959637"/>
-            <a:ext cx="152059" cy="313280"/>
+            <a:ext cx="152412" cy="313280"/>
           </a:xfrm>
           <a:prstGeom prst="line">
             <a:avLst/>
@@ -12121,8 +12247,8 @@
         </p:nvCxnSpPr>
         <p:spPr>
           <a:xfrm flipH="1">
-            <a:off x="3109785" y="1720843"/>
-            <a:ext cx="317533" cy="631144"/>
+            <a:off x="3104358" y="1720843"/>
+            <a:ext cx="322960" cy="628829"/>
           </a:xfrm>
           <a:prstGeom prst="straightConnector1">
             <a:avLst/>
@@ -12130,7 +12256,9 @@
           <a:noFill/>
           <a:ln w="12700" cap="flat" cmpd="sng" algn="ctr">
             <a:solidFill>
-              <a:srgbClr val="ED7D31"/>
+              <a:schemeClr val="bg1">
+                <a:lumMod val="50000"/>
+              </a:schemeClr>
             </a:solidFill>
             <a:prstDash val="sysDot"/>
             <a:miter lim="800000"/>
@@ -12164,7 +12292,7 @@
         <p:spPr>
           <a:xfrm>
             <a:off x="3427318" y="1720843"/>
-            <a:ext cx="957242" cy="620258"/>
+            <a:ext cx="963773" cy="620257"/>
           </a:xfrm>
           <a:prstGeom prst="straightConnector1">
             <a:avLst/>
@@ -12172,7 +12300,9 @@
           <a:noFill/>
           <a:ln w="12700" cap="flat" cmpd="sng" algn="ctr">
             <a:solidFill>
-              <a:srgbClr val="ED7D31"/>
+              <a:schemeClr val="bg1">
+                <a:lumMod val="50000"/>
+              </a:schemeClr>
             </a:solidFill>
             <a:prstDash val="sysDot"/>
             <a:miter lim="800000"/>
@@ -12208,14 +12338,13 @@
             <a:avLst/>
           </a:prstGeom>
           <a:solidFill>
-            <a:schemeClr val="accent6">
-              <a:lumMod val="40000"/>
-              <a:lumOff val="60000"/>
-            </a:schemeClr>
+            <a:srgbClr val="C2D6EC"/>
           </a:solidFill>
           <a:ln>
             <a:solidFill>
-              <a:srgbClr val="F99149"/>
+              <a:schemeClr val="bg1">
+                <a:lumMod val="50000"/>
+              </a:schemeClr>
             </a:solidFill>
           </a:ln>
         </p:spPr>
@@ -12318,7 +12447,16 @@
               <a:gd name="adj" fmla="val 22527"/>
             </a:avLst>
           </a:prstGeom>
-          <a:ln/>
+          <a:solidFill>
+            <a:srgbClr val="C2D6EC"/>
+          </a:solidFill>
+          <a:ln>
+            <a:solidFill>
+              <a:schemeClr val="bg1">
+                <a:lumMod val="50000"/>
+              </a:schemeClr>
+            </a:solidFill>
+          </a:ln>
         </p:spPr>
         <p:style>
           <a:lnRef idx="1">
@@ -12375,10 +12513,10 @@
         </p:nvGrpSpPr>
         <p:grpSpPr>
           <a:xfrm>
-            <a:off x="4097462" y="2341101"/>
-            <a:ext cx="574196" cy="596765"/>
-            <a:chOff x="5138136" y="2395529"/>
-            <a:chExt cx="574196" cy="596765"/>
+            <a:off x="4103993" y="2341100"/>
+            <a:ext cx="574196" cy="596766"/>
+            <a:chOff x="5144667" y="2395528"/>
+            <a:chExt cx="574196" cy="596766"/>
           </a:xfrm>
         </p:grpSpPr>
         <p:pic>
@@ -12428,9 +12566,9 @@
           </p:nvGrpSpPr>
           <p:grpSpPr>
             <a:xfrm>
-              <a:off x="5138136" y="2395529"/>
+              <a:off x="5144667" y="2395528"/>
               <a:ext cx="574196" cy="215444"/>
-              <a:chOff x="5138136" y="2376073"/>
+              <a:chOff x="5144667" y="2376072"/>
               <a:chExt cx="574196" cy="215444"/>
             </a:xfrm>
           </p:grpSpPr>
@@ -12443,11 +12581,14 @@
             <p:spPr>
               <a:xfrm>
                 <a:off x="5213269" y="2412459"/>
-                <a:ext cx="423931" cy="142672"/>
+                <a:ext cx="427389" cy="142672"/>
               </a:xfrm>
               <a:prstGeom prst="roundRect">
                 <a:avLst/>
               </a:prstGeom>
+              <a:solidFill>
+                <a:srgbClr val="C2D6EC"/>
+              </a:solidFill>
               <a:ln>
                 <a:noFill/>
               </a:ln>
@@ -12490,7 +12631,7 @@
             </p:nvSpPr>
             <p:spPr>
               <a:xfrm>
-                <a:off x="5138136" y="2376073"/>
+                <a:off x="5144667" y="2376072"/>
                 <a:ext cx="574196" cy="215444"/>
               </a:xfrm>
               <a:prstGeom prst="rect">
@@ -12531,10 +12672,10 @@
         </p:nvGrpSpPr>
         <p:grpSpPr>
           <a:xfrm>
-            <a:off x="2822687" y="2351987"/>
-            <a:ext cx="574196" cy="596765"/>
-            <a:chOff x="5138136" y="2395529"/>
-            <a:chExt cx="574196" cy="596765"/>
+            <a:off x="2817260" y="2349672"/>
+            <a:ext cx="574196" cy="599080"/>
+            <a:chOff x="5132709" y="2393214"/>
+            <a:chExt cx="574196" cy="599080"/>
           </a:xfrm>
         </p:grpSpPr>
         <p:pic>
@@ -12584,9 +12725,9 @@
           </p:nvGrpSpPr>
           <p:grpSpPr>
             <a:xfrm>
-              <a:off x="5138136" y="2395529"/>
+              <a:off x="5132709" y="2393214"/>
               <a:ext cx="574196" cy="215444"/>
-              <a:chOff x="5138136" y="2376073"/>
+              <a:chOff x="5132709" y="2373758"/>
               <a:chExt cx="574196" cy="215444"/>
             </a:xfrm>
           </p:grpSpPr>
@@ -12604,6 +12745,9 @@
               <a:prstGeom prst="roundRect">
                 <a:avLst/>
               </a:prstGeom>
+              <a:solidFill>
+                <a:srgbClr val="C2D6EC"/>
+              </a:solidFill>
               <a:ln>
                 <a:noFill/>
               </a:ln>
@@ -12646,7 +12790,7 @@
             </p:nvSpPr>
             <p:spPr>
               <a:xfrm>
-                <a:off x="5138136" y="2376073"/>
+                <a:off x="5132709" y="2373758"/>
                 <a:ext cx="574196" cy="215444"/>
               </a:xfrm>
               <a:prstGeom prst="rect">
@@ -12687,10 +12831,10 @@
         </p:nvGrpSpPr>
         <p:grpSpPr>
           <a:xfrm>
-            <a:off x="2189941" y="2341100"/>
-            <a:ext cx="574196" cy="596765"/>
-            <a:chOff x="5138136" y="2395529"/>
-            <a:chExt cx="574196" cy="596765"/>
+            <a:off x="2188990" y="2346707"/>
+            <a:ext cx="574196" cy="591158"/>
+            <a:chOff x="5137185" y="2401136"/>
+            <a:chExt cx="574196" cy="591158"/>
           </a:xfrm>
         </p:grpSpPr>
         <p:pic>
@@ -12740,9 +12884,9 @@
           </p:nvGrpSpPr>
           <p:grpSpPr>
             <a:xfrm>
-              <a:off x="5138136" y="2395529"/>
+              <a:off x="5137185" y="2401136"/>
               <a:ext cx="574196" cy="215444"/>
-              <a:chOff x="5138136" y="2376073"/>
+              <a:chOff x="5137185" y="2381680"/>
               <a:chExt cx="574196" cy="215444"/>
             </a:xfrm>
           </p:grpSpPr>
@@ -12760,6 +12904,9 @@
               <a:prstGeom prst="roundRect">
                 <a:avLst/>
               </a:prstGeom>
+              <a:solidFill>
+                <a:srgbClr val="C2D6EC"/>
+              </a:solidFill>
               <a:ln>
                 <a:noFill/>
               </a:ln>
@@ -12802,7 +12949,7 @@
             </p:nvSpPr>
             <p:spPr>
               <a:xfrm>
-                <a:off x="5138136" y="2376073"/>
+                <a:off x="5137185" y="2381680"/>
                 <a:ext cx="574196" cy="215444"/>
               </a:xfrm>
               <a:prstGeom prst="rect">
@@ -12843,9 +12990,9 @@
         </p:nvGrpSpPr>
         <p:grpSpPr>
           <a:xfrm>
-            <a:off x="2507344" y="3270740"/>
+            <a:off x="2508512" y="3270740"/>
             <a:ext cx="574196" cy="596765"/>
-            <a:chOff x="5138136" y="2395529"/>
+            <a:chOff x="5139304" y="2395529"/>
             <a:chExt cx="574196" cy="596765"/>
           </a:xfrm>
         </p:grpSpPr>
@@ -12896,9 +13043,9 @@
           </p:nvGrpSpPr>
           <p:grpSpPr>
             <a:xfrm>
-              <a:off x="5138136" y="2395529"/>
+              <a:off x="5139304" y="2395529"/>
               <a:ext cx="574196" cy="215444"/>
-              <a:chOff x="5138136" y="2376073"/>
+              <a:chOff x="5139304" y="2376073"/>
               <a:chExt cx="574196" cy="215444"/>
             </a:xfrm>
           </p:grpSpPr>
@@ -12916,6 +13063,9 @@
               <a:prstGeom prst="roundRect">
                 <a:avLst/>
               </a:prstGeom>
+              <a:solidFill>
+                <a:srgbClr val="C2D6EC"/>
+              </a:solidFill>
               <a:ln>
                 <a:noFill/>
               </a:ln>
@@ -12958,7 +13108,7 @@
             </p:nvSpPr>
             <p:spPr>
               <a:xfrm>
-                <a:off x="5138136" y="2376073"/>
+                <a:off x="5139304" y="2376073"/>
                 <a:ext cx="574196" cy="215444"/>
               </a:xfrm>
               <a:prstGeom prst="rect">
@@ -12999,9 +13149,9 @@
         </p:nvGrpSpPr>
         <p:grpSpPr>
           <a:xfrm>
-            <a:off x="3625025" y="3272917"/>
+            <a:off x="3625378" y="3272917"/>
             <a:ext cx="574196" cy="596765"/>
-            <a:chOff x="5138136" y="2395529"/>
+            <a:chOff x="5138489" y="2395529"/>
             <a:chExt cx="574196" cy="596765"/>
           </a:xfrm>
         </p:grpSpPr>
@@ -13052,9 +13202,9 @@
           </p:nvGrpSpPr>
           <p:grpSpPr>
             <a:xfrm>
-              <a:off x="5138136" y="2395529"/>
+              <a:off x="5138489" y="2395529"/>
               <a:ext cx="574196" cy="215444"/>
-              <a:chOff x="5138136" y="2376073"/>
+              <a:chOff x="5138489" y="2376073"/>
               <a:chExt cx="574196" cy="215444"/>
             </a:xfrm>
           </p:grpSpPr>
@@ -13072,6 +13222,9 @@
               <a:prstGeom prst="roundRect">
                 <a:avLst/>
               </a:prstGeom>
+              <a:solidFill>
+                <a:srgbClr val="C2D6EC"/>
+              </a:solidFill>
               <a:ln>
                 <a:noFill/>
               </a:ln>
@@ -13114,7 +13267,7 @@
             </p:nvSpPr>
             <p:spPr>
               <a:xfrm>
-                <a:off x="5138136" y="2376073"/>
+                <a:off x="5138489" y="2376073"/>
                 <a:ext cx="574196" cy="215444"/>
               </a:xfrm>
               <a:prstGeom prst="rect">
@@ -13166,7 +13319,7 @@
         <p:spPr>
           <a:xfrm flipH="1" flipV="1">
             <a:off x="2483571" y="2937865"/>
-            <a:ext cx="1428552" cy="335052"/>
+            <a:ext cx="1428905" cy="335052"/>
           </a:xfrm>
           <a:prstGeom prst="line">
             <a:avLst/>
@@ -13201,8 +13354,8 @@
         </p:nvCxnSpPr>
         <p:spPr>
           <a:xfrm flipV="1">
-            <a:off x="3912123" y="2937866"/>
-            <a:ext cx="478969" cy="335051"/>
+            <a:off x="3912476" y="2937866"/>
+            <a:ext cx="478616" cy="335051"/>
           </a:xfrm>
           <a:prstGeom prst="line">
             <a:avLst/>
@@ -13300,6 +13453,9 @@
               <a:prstGeom prst="roundRect">
                 <a:avLst/>
               </a:prstGeom>
+              <a:solidFill>
+                <a:srgbClr val="C2D6EC"/>
+              </a:solidFill>
               <a:ln>
                 <a:noFill/>
               </a:ln>
@@ -13393,8 +13549,8 @@
         </p:nvCxnSpPr>
         <p:spPr>
           <a:xfrm flipV="1">
-            <a:off x="2794442" y="2937866"/>
-            <a:ext cx="1596650" cy="332874"/>
+            <a:off x="2795610" y="2937866"/>
+            <a:ext cx="1595482" cy="332874"/>
           </a:xfrm>
           <a:prstGeom prst="line">
             <a:avLst/>
@@ -13429,8 +13585,8 @@
         </p:nvCxnSpPr>
         <p:spPr>
           <a:xfrm flipV="1">
-            <a:off x="2794442" y="2959637"/>
-            <a:ext cx="965622" cy="311103"/>
+            <a:off x="2795610" y="2959637"/>
+            <a:ext cx="964454" cy="311103"/>
           </a:xfrm>
           <a:prstGeom prst="line">
             <a:avLst/>
@@ -13465,8 +13621,8 @@
         </p:nvCxnSpPr>
         <p:spPr>
           <a:xfrm flipV="1">
-            <a:off x="2794442" y="2948752"/>
-            <a:ext cx="321875" cy="321988"/>
+            <a:off x="2795610" y="2948752"/>
+            <a:ext cx="320707" cy="321988"/>
           </a:xfrm>
           <a:prstGeom prst="line">
             <a:avLst/>
@@ -13502,7 +13658,7 @@
         <p:spPr>
           <a:xfrm flipH="1" flipV="1">
             <a:off x="2483571" y="2937865"/>
-            <a:ext cx="310871" cy="332875"/>
+            <a:ext cx="312039" cy="332875"/>
           </a:xfrm>
           <a:prstGeom prst="line">
             <a:avLst/>
@@ -13546,7 +13702,9 @@
           <a:noFill/>
           <a:ln w="12700" cap="flat" cmpd="sng" algn="ctr">
             <a:solidFill>
-              <a:srgbClr val="ED7D31"/>
+              <a:schemeClr val="bg1">
+                <a:lumMod val="50000"/>
+              </a:schemeClr>
             </a:solidFill>
             <a:prstDash val="sysDot"/>
             <a:miter lim="800000"/>
@@ -13579,8 +13737,8 @@
         </p:nvCxnSpPr>
         <p:spPr>
           <a:xfrm flipH="1">
-            <a:off x="2477039" y="1720843"/>
-            <a:ext cx="950279" cy="620257"/>
+            <a:off x="2476088" y="1720843"/>
+            <a:ext cx="951230" cy="625864"/>
           </a:xfrm>
           <a:prstGeom prst="straightConnector1">
             <a:avLst/>
@@ -13588,7 +13746,9 @@
           <a:noFill/>
           <a:ln w="12700" cap="flat" cmpd="sng" algn="ctr">
             <a:solidFill>
-              <a:srgbClr val="ED7D31"/>
+              <a:schemeClr val="bg1">
+                <a:lumMod val="50000"/>
+              </a:schemeClr>
             </a:solidFill>
             <a:prstDash val="sysDot"/>
             <a:miter lim="800000"/>
@@ -13621,8 +13781,8 @@
         </p:nvCxnSpPr>
         <p:spPr>
           <a:xfrm flipH="1">
-            <a:off x="2794442" y="1720843"/>
-            <a:ext cx="632876" cy="1549897"/>
+            <a:off x="2795610" y="1720843"/>
+            <a:ext cx="631708" cy="1549897"/>
           </a:xfrm>
           <a:prstGeom prst="straightConnector1">
             <a:avLst/>
@@ -13630,7 +13790,9 @@
           <a:noFill/>
           <a:ln w="12700" cap="flat" cmpd="sng" algn="ctr">
             <a:solidFill>
-              <a:srgbClr val="ED7D31"/>
+              <a:schemeClr val="bg1">
+                <a:lumMod val="50000"/>
+              </a:schemeClr>
             </a:solidFill>
             <a:prstDash val="sysDot"/>
             <a:miter lim="800000"/>
@@ -13664,7 +13826,7 @@
         <p:spPr>
           <a:xfrm flipH="1" flipV="1">
             <a:off x="2476009" y="2189389"/>
-            <a:ext cx="1030" cy="151711"/>
+            <a:ext cx="79" cy="157318"/>
           </a:xfrm>
           <a:prstGeom prst="line">
             <a:avLst/>
@@ -13736,7 +13898,7 @@
         <p:spPr>
           <a:xfrm flipH="1" flipV="1">
             <a:off x="4382244" y="2200474"/>
-            <a:ext cx="2316" cy="140627"/>
+            <a:ext cx="8847" cy="140626"/>
           </a:xfrm>
           <a:prstGeom prst="line">
             <a:avLst/>
@@ -13744,9 +13906,10 @@
           <a:noFill/>
           <a:ln w="19050" cap="flat" cmpd="sng" algn="ctr">
             <a:solidFill>
-              <a:srgbClr val="000000">
+              <a:schemeClr val="tx1">
+                <a:lumMod val="50000"/>
                 <a:alpha val="50000"/>
-              </a:srgbClr>
+              </a:schemeClr>
             </a:solidFill>
             <a:prstDash val="solid"/>
           </a:ln>
@@ -13772,7 +13935,7 @@
         <p:spPr>
           <a:xfrm>
             <a:off x="3427318" y="1720843"/>
-            <a:ext cx="484805" cy="1552074"/>
+            <a:ext cx="485158" cy="1552074"/>
           </a:xfrm>
           <a:prstGeom prst="straightConnector1">
             <a:avLst/>
@@ -13780,7 +13943,9 @@
           <a:noFill/>
           <a:ln w="12700" cap="flat" cmpd="sng" algn="ctr">
             <a:solidFill>
-              <a:srgbClr val="ED7D31"/>
+              <a:schemeClr val="bg1">
+                <a:lumMod val="50000"/>
+              </a:schemeClr>
             </a:solidFill>
             <a:prstDash val="sysDot"/>
             <a:miter lim="800000"/>
@@ -13815,12 +13980,19 @@
           <a:prstGeom prst="roundRect">
             <a:avLst/>
           </a:prstGeom>
-          <a:solidFill>
-            <a:srgbClr val="C2D6EC"/>
-          </a:solidFill>
+          <a:pattFill prst="pct75">
+            <a:fgClr>
+              <a:srgbClr val="C2D6EC"/>
+            </a:fgClr>
+            <a:bgClr>
+              <a:schemeClr val="bg1"/>
+            </a:bgClr>
+          </a:pattFill>
           <a:ln>
             <a:solidFill>
-              <a:srgbClr val="6A99D0"/>
+              <a:schemeClr val="bg1">
+                <a:lumMod val="50000"/>
+              </a:schemeClr>
             </a:solidFill>
           </a:ln>
         </p:spPr>
@@ -13891,13 +14063,21 @@
           <a:prstGeom prst="roundRect">
             <a:avLst/>
           </a:prstGeom>
-          <a:solidFill>
-            <a:schemeClr val="accent2">
-              <a:lumMod val="40000"/>
-              <a:lumOff val="60000"/>
-            </a:schemeClr>
-          </a:solidFill>
-          <a:ln/>
+          <a:pattFill prst="smCheck">
+            <a:fgClr>
+              <a:srgbClr val="C2D6EC"/>
+            </a:fgClr>
+            <a:bgClr>
+              <a:schemeClr val="bg1"/>
+            </a:bgClr>
+          </a:pattFill>
+          <a:ln>
+            <a:solidFill>
+              <a:schemeClr val="bg1">
+                <a:lumMod val="50000"/>
+              </a:schemeClr>
+            </a:solidFill>
+          </a:ln>
         </p:spPr>
         <p:style>
           <a:lnRef idx="2">
@@ -14109,7 +14289,9 @@
           </a:prstGeom>
           <a:ln>
             <a:solidFill>
-              <a:schemeClr val="accent2"/>
+              <a:schemeClr val="bg1">
+                <a:lumMod val="50000"/>
+              </a:schemeClr>
             </a:solidFill>
             <a:prstDash val="sysDot"/>
             <a:tailEnd type="triangle"/>
@@ -14156,7 +14338,9 @@
           </a:prstGeom>
           <a:ln>
             <a:solidFill>
-              <a:schemeClr val="accent2"/>
+              <a:schemeClr val="bg1">
+                <a:lumMod val="50000"/>
+              </a:schemeClr>
             </a:solidFill>
             <a:prstDash val="sysDot"/>
             <a:tailEnd type="triangle"/>
@@ -14855,14 +15039,13 @@
                 <a:avLst/>
               </a:prstGeom>
               <a:solidFill>
-                <a:schemeClr val="accent6">
-                  <a:lumMod val="40000"/>
-                  <a:lumOff val="60000"/>
-                </a:schemeClr>
+                <a:srgbClr val="C2D6EC"/>
               </a:solidFill>
               <a:ln>
                 <a:solidFill>
-                  <a:srgbClr val="F99149"/>
+                  <a:schemeClr val="bg1">
+                    <a:lumMod val="50000"/>
+                  </a:schemeClr>
                 </a:solidFill>
               </a:ln>
             </p:spPr>
@@ -14979,10 +15162,7 @@
                     <a:avLst/>
                   </a:prstGeom>
                   <a:solidFill>
-                    <a:schemeClr val="accent6">
-                      <a:lumMod val="40000"/>
-                      <a:lumOff val="60000"/>
-                    </a:schemeClr>
+                    <a:srgbClr val="C2D6EC"/>
                   </a:solidFill>
                   <a:ln>
                     <a:noFill/>
@@ -15132,10 +15312,7 @@
                     <a:avLst/>
                   </a:prstGeom>
                   <a:solidFill>
-                    <a:schemeClr val="accent6">
-                      <a:lumMod val="40000"/>
-                      <a:lumOff val="60000"/>
-                    </a:schemeClr>
+                    <a:srgbClr val="C2D6EC"/>
                   </a:solidFill>
                   <a:ln>
                     <a:noFill/>
@@ -15285,10 +15462,7 @@
                     <a:avLst/>
                   </a:prstGeom>
                   <a:solidFill>
-                    <a:schemeClr val="accent6">
-                      <a:lumMod val="40000"/>
-                      <a:lumOff val="60000"/>
-                    </a:schemeClr>
+                    <a:srgbClr val="C2D6EC"/>
                   </a:solidFill>
                   <a:ln>
                     <a:noFill/>
@@ -15438,10 +15612,7 @@
                     <a:avLst/>
                   </a:prstGeom>
                   <a:solidFill>
-                    <a:schemeClr val="accent6">
-                      <a:lumMod val="40000"/>
-                      <a:lumOff val="60000"/>
-                    </a:schemeClr>
+                    <a:srgbClr val="C2D6EC"/>
                   </a:solidFill>
                   <a:ln>
                     <a:noFill/>
@@ -15591,10 +15762,7 @@
                     <a:avLst/>
                   </a:prstGeom>
                   <a:solidFill>
-                    <a:schemeClr val="accent6">
-                      <a:lumMod val="40000"/>
-                      <a:lumOff val="60000"/>
-                    </a:schemeClr>
+                    <a:srgbClr val="C2D6EC"/>
                   </a:solidFill>
                   <a:ln>
                     <a:noFill/>
@@ -15812,10 +15980,7 @@
                     <a:avLst/>
                   </a:prstGeom>
                   <a:solidFill>
-                    <a:schemeClr val="accent6">
-                      <a:lumMod val="40000"/>
-                      <a:lumOff val="60000"/>
-                    </a:schemeClr>
+                    <a:srgbClr val="C2D6EC"/>
                   </a:solidFill>
                   <a:ln>
                     <a:noFill/>
@@ -16143,12 +16308,19 @@
               <a:prstGeom prst="roundRect">
                 <a:avLst/>
               </a:prstGeom>
-              <a:solidFill>
-                <a:srgbClr val="C2D6EC"/>
-              </a:solidFill>
+              <a:pattFill prst="pct80">
+                <a:fgClr>
+                  <a:srgbClr val="C2D6EC"/>
+                </a:fgClr>
+                <a:bgClr>
+                  <a:schemeClr val="bg1"/>
+                </a:bgClr>
+              </a:pattFill>
               <a:ln>
                 <a:solidFill>
-                  <a:srgbClr val="6A99D0"/>
+                  <a:schemeClr val="bg1">
+                    <a:lumMod val="50000"/>
+                  </a:schemeClr>
                 </a:solidFill>
               </a:ln>
             </p:spPr>
@@ -16203,16 +16375,18 @@
               <a:prstGeom prst="roundRect">
                 <a:avLst/>
               </a:prstGeom>
-              <a:solidFill>
-                <a:schemeClr val="accent2">
-                  <a:lumMod val="40000"/>
-                  <a:lumOff val="60000"/>
-                </a:schemeClr>
-              </a:solidFill>
+              <a:pattFill prst="smCheck">
+                <a:fgClr>
+                  <a:srgbClr val="C2D6EC"/>
+                </a:fgClr>
+                <a:bgClr>
+                  <a:schemeClr val="bg1"/>
+                </a:bgClr>
+              </a:pattFill>
               <a:ln>
                 <a:solidFill>
-                  <a:schemeClr val="accent2">
-                    <a:lumMod val="75000"/>
+                  <a:schemeClr val="bg1">
+                    <a:lumMod val="50000"/>
                   </a:schemeClr>
                 </a:solidFill>
               </a:ln>
@@ -16418,12 +16592,19 @@
           <a:prstGeom prst="roundRect">
             <a:avLst/>
           </a:prstGeom>
-          <a:solidFill>
-            <a:srgbClr val="C2D6EC"/>
-          </a:solidFill>
+          <a:pattFill prst="pct80">
+            <a:fgClr>
+              <a:srgbClr val="C2D6EC"/>
+            </a:fgClr>
+            <a:bgClr>
+              <a:schemeClr val="bg1"/>
+            </a:bgClr>
+          </a:pattFill>
           <a:ln>
             <a:solidFill>
-              <a:srgbClr val="4472C4"/>
+              <a:schemeClr val="bg1">
+                <a:lumMod val="50000"/>
+              </a:schemeClr>
             </a:solidFill>
           </a:ln>
         </p:spPr>
@@ -16494,12 +16675,19 @@
           <a:prstGeom prst="roundRect">
             <a:avLst/>
           </a:prstGeom>
-          <a:solidFill>
-            <a:srgbClr val="C2D6EC"/>
-          </a:solidFill>
+          <a:pattFill prst="pct80">
+            <a:fgClr>
+              <a:srgbClr val="C2D6EC"/>
+            </a:fgClr>
+            <a:bgClr>
+              <a:schemeClr val="bg1"/>
+            </a:bgClr>
+          </a:pattFill>
           <a:ln>
             <a:solidFill>
-              <a:srgbClr val="4472C4"/>
+              <a:schemeClr val="bg1">
+                <a:lumMod val="50000"/>
+              </a:schemeClr>
             </a:solidFill>
           </a:ln>
         </p:spPr>
@@ -16570,12 +16758,19 @@
           <a:prstGeom prst="roundRect">
             <a:avLst/>
           </a:prstGeom>
-          <a:solidFill>
-            <a:srgbClr val="C2D6EC"/>
-          </a:solidFill>
+          <a:pattFill prst="pct80">
+            <a:fgClr>
+              <a:srgbClr val="C2D6EC"/>
+            </a:fgClr>
+            <a:bgClr>
+              <a:schemeClr val="bg1"/>
+            </a:bgClr>
+          </a:pattFill>
           <a:ln>
             <a:solidFill>
-              <a:srgbClr val="4472C4"/>
+              <a:schemeClr val="bg1">
+                <a:lumMod val="50000"/>
+              </a:schemeClr>
             </a:solidFill>
           </a:ln>
         </p:spPr>
@@ -17099,12 +17294,19 @@
           <a:prstGeom prst="roundRect">
             <a:avLst/>
           </a:prstGeom>
-          <a:solidFill>
-            <a:srgbClr val="C2D6EC"/>
-          </a:solidFill>
+          <a:pattFill prst="pct80">
+            <a:fgClr>
+              <a:srgbClr val="C2D6EC"/>
+            </a:fgClr>
+            <a:bgClr>
+              <a:schemeClr val="bg1"/>
+            </a:bgClr>
+          </a:pattFill>
           <a:ln>
             <a:solidFill>
-              <a:srgbClr val="6A99D0"/>
+              <a:schemeClr val="bg1">
+                <a:lumMod val="50000"/>
+              </a:schemeClr>
             </a:solidFill>
           </a:ln>
         </p:spPr>
@@ -17178,12 +17380,19 @@
           <a:prstGeom prst="roundRect">
             <a:avLst/>
           </a:prstGeom>
-          <a:solidFill>
-            <a:srgbClr val="C2D6EC"/>
-          </a:solidFill>
+          <a:pattFill prst="pct80">
+            <a:fgClr>
+              <a:srgbClr val="C2D6EC"/>
+            </a:fgClr>
+            <a:bgClr>
+              <a:schemeClr val="bg1"/>
+            </a:bgClr>
+          </a:pattFill>
           <a:ln>
             <a:solidFill>
-              <a:srgbClr val="6A99D0"/>
+              <a:schemeClr val="bg1">
+                <a:lumMod val="50000"/>
+              </a:schemeClr>
             </a:solidFill>
           </a:ln>
         </p:spPr>
@@ -17257,12 +17466,19 @@
           <a:prstGeom prst="roundRect">
             <a:avLst/>
           </a:prstGeom>
-          <a:solidFill>
-            <a:srgbClr val="C2D6EC"/>
-          </a:solidFill>
+          <a:pattFill prst="pct80">
+            <a:fgClr>
+              <a:srgbClr val="C2D6EC"/>
+            </a:fgClr>
+            <a:bgClr>
+              <a:schemeClr val="bg1"/>
+            </a:bgClr>
+          </a:pattFill>
           <a:ln>
             <a:solidFill>
-              <a:srgbClr val="6A99D0"/>
+              <a:schemeClr val="bg1">
+                <a:lumMod val="50000"/>
+              </a:schemeClr>
             </a:solidFill>
           </a:ln>
         </p:spPr>
@@ -17825,7 +18041,7 @@
                   <a:ea typeface="Calibri" charset="0"/>
                   <a:cs typeface="Calibri" charset="0"/>
                 </a:rPr>
-                <a:t>&amp; Logging</a:t>
+                <a:t>&amp; Telemetry</a:t>
               </a:r>
             </a:p>
           </p:txBody>
@@ -18375,14 +18591,13 @@
                 <a:avLst/>
               </a:prstGeom>
               <a:solidFill>
-                <a:schemeClr val="accent6">
-                  <a:lumMod val="40000"/>
-                  <a:lumOff val="60000"/>
-                </a:schemeClr>
+                <a:srgbClr val="C2D6EC"/>
               </a:solidFill>
               <a:ln>
                 <a:solidFill>
-                  <a:srgbClr val="F99149"/>
+                  <a:schemeClr val="bg1">
+                    <a:lumMod val="50000"/>
+                  </a:schemeClr>
                 </a:solidFill>
               </a:ln>
             </p:spPr>
@@ -18499,10 +18714,7 @@
                     <a:avLst/>
                   </a:prstGeom>
                   <a:solidFill>
-                    <a:schemeClr val="accent6">
-                      <a:lumMod val="40000"/>
-                      <a:lumOff val="60000"/>
-                    </a:schemeClr>
+                    <a:srgbClr val="C2D6EC"/>
                   </a:solidFill>
                   <a:ln>
                     <a:noFill/>
@@ -18652,10 +18864,7 @@
                     <a:avLst/>
                   </a:prstGeom>
                   <a:solidFill>
-                    <a:schemeClr val="accent6">
-                      <a:lumMod val="40000"/>
-                      <a:lumOff val="60000"/>
-                    </a:schemeClr>
+                    <a:srgbClr val="C2D6EC"/>
                   </a:solidFill>
                   <a:ln>
                     <a:noFill/>
@@ -18805,10 +19014,7 @@
                     <a:avLst/>
                   </a:prstGeom>
                   <a:solidFill>
-                    <a:schemeClr val="accent6">
-                      <a:lumMod val="40000"/>
-                      <a:lumOff val="60000"/>
-                    </a:schemeClr>
+                    <a:srgbClr val="C2D6EC"/>
                   </a:solidFill>
                   <a:ln>
                     <a:noFill/>
@@ -18958,10 +19164,7 @@
                     <a:avLst/>
                   </a:prstGeom>
                   <a:solidFill>
-                    <a:schemeClr val="accent6">
-                      <a:lumMod val="40000"/>
-                      <a:lumOff val="60000"/>
-                    </a:schemeClr>
+                    <a:srgbClr val="C2D6EC"/>
                   </a:solidFill>
                   <a:ln>
                     <a:noFill/>
@@ -19111,10 +19314,7 @@
                     <a:avLst/>
                   </a:prstGeom>
                   <a:solidFill>
-                    <a:schemeClr val="accent6">
-                      <a:lumMod val="40000"/>
-                      <a:lumOff val="60000"/>
-                    </a:schemeClr>
+                    <a:srgbClr val="C2D6EC"/>
                   </a:solidFill>
                   <a:ln>
                     <a:noFill/>
@@ -19332,10 +19532,7 @@
                     <a:avLst/>
                   </a:prstGeom>
                   <a:solidFill>
-                    <a:schemeClr val="accent6">
-                      <a:lumMod val="40000"/>
-                      <a:lumOff val="60000"/>
-                    </a:schemeClr>
+                    <a:srgbClr val="C2D6EC"/>
                   </a:solidFill>
                   <a:ln>
                     <a:noFill/>
@@ -19661,12 +19858,19 @@
               <a:prstGeom prst="roundRect">
                 <a:avLst/>
               </a:prstGeom>
-              <a:solidFill>
-                <a:srgbClr val="C2D6EC"/>
-              </a:solidFill>
+              <a:pattFill prst="pct80">
+                <a:fgClr>
+                  <a:srgbClr val="C2D6EC"/>
+                </a:fgClr>
+                <a:bgClr>
+                  <a:schemeClr val="bg1"/>
+                </a:bgClr>
+              </a:pattFill>
               <a:ln>
                 <a:solidFill>
-                  <a:srgbClr val="6A99D0"/>
+                  <a:schemeClr val="bg1">
+                    <a:lumMod val="50000"/>
+                  </a:schemeClr>
                 </a:solidFill>
               </a:ln>
             </p:spPr>
@@ -19721,15 +19925,19 @@
               <a:prstGeom prst="roundRect">
                 <a:avLst/>
               </a:prstGeom>
-              <a:solidFill>
-                <a:schemeClr val="accent2">
-                  <a:lumMod val="40000"/>
-                  <a:lumOff val="60000"/>
-                </a:schemeClr>
-              </a:solidFill>
+              <a:pattFill prst="smCheck">
+                <a:fgClr>
+                  <a:srgbClr val="C2D6EC"/>
+                </a:fgClr>
+                <a:bgClr>
+                  <a:schemeClr val="bg1"/>
+                </a:bgClr>
+              </a:pattFill>
               <a:ln>
                 <a:solidFill>
-                  <a:srgbClr val="C00000"/>
+                  <a:schemeClr val="bg1">
+                    <a:lumMod val="50000"/>
+                  </a:schemeClr>
                 </a:solidFill>
               </a:ln>
             </p:spPr>
@@ -21690,14 +21898,13 @@
             <a:avLst/>
           </a:prstGeom>
           <a:solidFill>
-            <a:schemeClr val="accent6">
-              <a:lumMod val="40000"/>
-              <a:lumOff val="60000"/>
-            </a:schemeClr>
+            <a:srgbClr val="C2D6EC"/>
           </a:solidFill>
           <a:ln>
             <a:solidFill>
-              <a:srgbClr val="F99149"/>
+              <a:schemeClr val="bg1">
+                <a:lumMod val="50000"/>
+              </a:schemeClr>
             </a:solidFill>
           </a:ln>
         </p:spPr>
@@ -21757,7 +21964,16 @@
               <a:gd name="adj" fmla="val 22527"/>
             </a:avLst>
           </a:prstGeom>
-          <a:ln/>
+          <a:solidFill>
+            <a:srgbClr val="C2D6EC"/>
+          </a:solidFill>
+          <a:ln>
+            <a:solidFill>
+              <a:schemeClr val="bg1">
+                <a:lumMod val="50000"/>
+              </a:schemeClr>
+            </a:solidFill>
+          </a:ln>
         </p:spPr>
         <p:style>
           <a:lnRef idx="1">
@@ -21826,12 +22042,19 @@
           <a:prstGeom prst="roundRect">
             <a:avLst/>
           </a:prstGeom>
-          <a:solidFill>
-            <a:srgbClr val="C2D6EC"/>
-          </a:solidFill>
+          <a:pattFill prst="pct80">
+            <a:fgClr>
+              <a:srgbClr val="C2D6EC"/>
+            </a:fgClr>
+            <a:bgClr>
+              <a:schemeClr val="bg1"/>
+            </a:bgClr>
+          </a:pattFill>
           <a:ln>
             <a:solidFill>
-              <a:srgbClr val="6A99D0"/>
+              <a:schemeClr val="bg1">
+                <a:lumMod val="50000"/>
+              </a:schemeClr>
             </a:solidFill>
           </a:ln>
         </p:spPr>
@@ -21902,13 +22125,21 @@
           <a:prstGeom prst="roundRect">
             <a:avLst/>
           </a:prstGeom>
-          <a:solidFill>
-            <a:schemeClr val="accent2">
-              <a:lumMod val="40000"/>
-              <a:lumOff val="60000"/>
-            </a:schemeClr>
-          </a:solidFill>
-          <a:ln/>
+          <a:pattFill prst="smCheck">
+            <a:fgClr>
+              <a:srgbClr val="C2D6EC"/>
+            </a:fgClr>
+            <a:bgClr>
+              <a:schemeClr val="bg1"/>
+            </a:bgClr>
+          </a:pattFill>
+          <a:ln>
+            <a:solidFill>
+              <a:schemeClr val="bg1">
+                <a:lumMod val="50000"/>
+              </a:schemeClr>
+            </a:solidFill>
+          </a:ln>
         </p:spPr>
         <p:style>
           <a:lnRef idx="2">
@@ -21964,12 +22195,19 @@
           <a:prstGeom prst="roundRect">
             <a:avLst/>
           </a:prstGeom>
-          <a:solidFill>
-            <a:srgbClr val="C2D6EC"/>
-          </a:solidFill>
+          <a:pattFill prst="pct80">
+            <a:fgClr>
+              <a:srgbClr val="C2D6EC"/>
+            </a:fgClr>
+            <a:bgClr>
+              <a:schemeClr val="bg1"/>
+            </a:bgClr>
+          </a:pattFill>
           <a:ln>
             <a:solidFill>
-              <a:srgbClr val="6A99D0"/>
+              <a:schemeClr val="bg1">
+                <a:lumMod val="50000"/>
+              </a:schemeClr>
             </a:solidFill>
           </a:ln>
         </p:spPr>
@@ -22565,6 +22803,11 @@
             <a:avLst/>
           </a:prstGeom>
           <a:ln>
+            <a:solidFill>
+              <a:schemeClr val="bg1">
+                <a:lumMod val="50000"/>
+              </a:schemeClr>
+            </a:solidFill>
             <a:prstDash val="sysDot"/>
             <a:tailEnd type="triangle"/>
           </a:ln>

--- a/figures/ops/figures.pptx
+++ b/figures/ops/figures.pptx
@@ -8241,8 +8241,8 @@
         </p:nvSpPr>
         <p:spPr>
           <a:xfrm>
-            <a:off x="2442167" y="557754"/>
-            <a:ext cx="1084318" cy="502279"/>
+            <a:off x="2180187" y="568199"/>
+            <a:ext cx="988416" cy="502279"/>
           </a:xfrm>
           <a:prstGeom prst="ellipse">
             <a:avLst/>
@@ -8268,7 +8268,10 @@
           <a:p>
             <a:pPr algn="ctr"/>
             <a:r>
-              <a:rPr lang="en-US" dirty="0"/>
+              <a:rPr lang="en-US" sz="1300" dirty="0">
+                <a:latin typeface="Calibri" panose="020F0502020204030204" pitchFamily="34" charset="0"/>
+                <a:cs typeface="Calibri" panose="020F0502020204030204" pitchFamily="34" charset="0"/>
+              </a:rPr>
               <a:t>Users</a:t>
             </a:r>
           </a:p>
@@ -8422,8 +8425,8 @@
         </p:nvSpPr>
         <p:spPr>
           <a:xfrm>
-            <a:off x="4174519" y="557754"/>
-            <a:ext cx="1084318" cy="502279"/>
+            <a:off x="4376857" y="568199"/>
+            <a:ext cx="988416" cy="502279"/>
           </a:xfrm>
           <a:prstGeom prst="ellipse">
             <a:avLst/>
@@ -8449,7 +8452,10 @@
           <a:p>
             <a:pPr algn="ctr"/>
             <a:r>
-              <a:rPr lang="en-US" dirty="0"/>
+              <a:rPr lang="en-US" sz="1300" dirty="0">
+                <a:latin typeface="Calibri" panose="020F0502020204030204" pitchFamily="34" charset="0"/>
+                <a:cs typeface="Calibri" panose="020F0502020204030204" pitchFamily="34" charset="0"/>
+              </a:rPr>
               <a:t>Ops</a:t>
             </a:r>
           </a:p>
@@ -8469,7 +8475,7 @@
         </p:nvSpPr>
         <p:spPr>
           <a:xfrm>
-            <a:off x="4208270" y="752419"/>
+            <a:off x="4326690" y="762864"/>
             <a:ext cx="184731" cy="307777"/>
           </a:xfrm>
           <a:prstGeom prst="rect">
@@ -8501,8 +8507,8 @@
         </p:nvSpPr>
         <p:spPr>
           <a:xfrm>
-            <a:off x="6779523" y="2579096"/>
-            <a:ext cx="1084317" cy="502279"/>
+            <a:off x="6779524" y="2579096"/>
+            <a:ext cx="895272" cy="502279"/>
           </a:xfrm>
           <a:prstGeom prst="ellipse">
             <a:avLst/>
@@ -8549,7 +8555,7 @@
         <p:spPr>
           <a:xfrm>
             <a:off x="6779523" y="3479252"/>
-            <a:ext cx="1084317" cy="502279"/>
+            <a:ext cx="895273" cy="502279"/>
           </a:xfrm>
           <a:prstGeom prst="ellipse">
             <a:avLst/>
@@ -8599,7 +8605,7 @@
         <p:spPr>
           <a:xfrm flipH="1">
             <a:off x="6289746" y="2830236"/>
-            <a:ext cx="489777" cy="8273"/>
+            <a:ext cx="489778" cy="8273"/>
           </a:xfrm>
           <a:prstGeom prst="straightConnector1">
             <a:avLst/>
@@ -8675,14 +8681,15 @@
             </a:extLst>
           </p:cNvPr>
           <p:cNvCxnSpPr>
+            <a:cxnSpLocks/>
             <a:stCxn id="190" idx="4"/>
           </p:cNvCxnSpPr>
           <p:nvPr/>
         </p:nvCxnSpPr>
         <p:spPr>
-          <a:xfrm flipH="1">
-            <a:off x="4716407" y="1060033"/>
-            <a:ext cx="271" cy="251127"/>
+          <a:xfrm>
+            <a:off x="4871065" y="1070478"/>
+            <a:ext cx="6685" cy="229150"/>
           </a:xfrm>
           <a:prstGeom prst="straightConnector1">
             <a:avLst/>
@@ -8721,7 +8728,7 @@
         </p:nvCxnSpPr>
         <p:spPr>
           <a:xfrm flipH="1">
-            <a:off x="2993719" y="1048716"/>
+            <a:off x="2703067" y="1070477"/>
             <a:ext cx="271" cy="251127"/>
           </a:xfrm>
           <a:prstGeom prst="straightConnector1">
@@ -8804,7 +8811,7 @@
         </p:nvSpPr>
         <p:spPr>
           <a:xfrm>
-            <a:off x="3433732" y="995659"/>
+            <a:off x="5570195" y="1032562"/>
             <a:ext cx="822661" cy="307777"/>
           </a:xfrm>
           <a:prstGeom prst="rect">
@@ -8830,53 +8837,6 @@
       </p:sp>
       <p:cxnSp>
         <p:nvCxnSpPr>
-          <p:cNvPr id="201" name="Straight Arrow Connector 200">
-            <a:extLst>
-              <a:ext uri="{FF2B5EF4-FFF2-40B4-BE49-F238E27FC236}">
-                <a16:creationId xmlns:a16="http://schemas.microsoft.com/office/drawing/2014/main" id="{22837F11-4F70-B9BB-40D7-BBBF6F1332D3}"/>
-              </a:ext>
-            </a:extLst>
-          </p:cNvPr>
-          <p:cNvCxnSpPr>
-            <a:stCxn id="200" idx="3"/>
-          </p:cNvCxnSpPr>
-          <p:nvPr/>
-        </p:nvCxnSpPr>
-        <p:spPr>
-          <a:xfrm>
-            <a:off x="4256393" y="1149548"/>
-            <a:ext cx="383808" cy="45204"/>
-          </a:xfrm>
-          <a:prstGeom prst="straightConnector1">
-            <a:avLst/>
-          </a:prstGeom>
-          <a:ln>
-            <a:solidFill>
-              <a:schemeClr val="tx1">
-                <a:lumMod val="50000"/>
-              </a:schemeClr>
-            </a:solidFill>
-            <a:prstDash val="sysDot"/>
-            <a:tailEnd type="triangle"/>
-          </a:ln>
-        </p:spPr>
-        <p:style>
-          <a:lnRef idx="1">
-            <a:schemeClr val="accent1"/>
-          </a:lnRef>
-          <a:fillRef idx="0">
-            <a:schemeClr val="accent1"/>
-          </a:fillRef>
-          <a:effectRef idx="0">
-            <a:schemeClr val="accent1"/>
-          </a:effectRef>
-          <a:fontRef idx="minor">
-            <a:schemeClr val="tx1"/>
-          </a:fontRef>
-        </p:style>
-      </p:cxnSp>
-      <p:cxnSp>
-        <p:nvCxnSpPr>
           <p:cNvPr id="202" name="Straight Arrow Connector 201">
             <a:extLst>
               <a:ext uri="{FF2B5EF4-FFF2-40B4-BE49-F238E27FC236}">
@@ -8885,14 +8845,15 @@
             </a:extLst>
           </p:cNvPr>
           <p:cNvCxnSpPr>
+            <a:cxnSpLocks/>
             <a:stCxn id="200" idx="1"/>
           </p:cNvCxnSpPr>
           <p:nvPr/>
         </p:nvCxnSpPr>
         <p:spPr>
           <a:xfrm flipH="1">
-            <a:off x="3060803" y="1149548"/>
-            <a:ext cx="372929" cy="44250"/>
+            <a:off x="4868000" y="1186451"/>
+            <a:ext cx="702195" cy="0"/>
           </a:xfrm>
           <a:prstGeom prst="straightConnector1">
             <a:avLst/>
@@ -10686,6 +10647,110 @@
           </p:cxnSp>
         </p:grpSp>
       </p:grpSp>
+      <p:sp>
+        <p:nvSpPr>
+          <p:cNvPr id="264" name="Oval 263">
+            <a:extLst>
+              <a:ext uri="{FF2B5EF4-FFF2-40B4-BE49-F238E27FC236}">
+                <a16:creationId xmlns:a16="http://schemas.microsoft.com/office/drawing/2014/main" id="{E68FA5BE-AC4D-A176-AAD2-FDDC467C262F}"/>
+              </a:ext>
+            </a:extLst>
+          </p:cNvPr>
+          <p:cNvSpPr/>
+          <p:nvPr/>
+        </p:nvSpPr>
+        <p:spPr>
+          <a:xfrm>
+            <a:off x="3289936" y="556882"/>
+            <a:ext cx="988416" cy="502279"/>
+          </a:xfrm>
+          <a:prstGeom prst="ellipse">
+            <a:avLst/>
+          </a:prstGeom>
+        </p:spPr>
+        <p:style>
+          <a:lnRef idx="2">
+            <a:schemeClr val="accent1"/>
+          </a:lnRef>
+          <a:fillRef idx="1">
+            <a:schemeClr val="lt1"/>
+          </a:fillRef>
+          <a:effectRef idx="0">
+            <a:schemeClr val="accent1"/>
+          </a:effectRef>
+          <a:fontRef idx="minor">
+            <a:schemeClr val="dk1"/>
+          </a:fontRef>
+        </p:style>
+        <p:txBody>
+          <a:bodyPr rtlCol="0" anchor="ctr"/>
+          <a:lstStyle/>
+          <a:p>
+            <a:pPr algn="ctr"/>
+            <a:r>
+              <a:rPr lang="en-US" sz="1300" dirty="0">
+                <a:latin typeface="Calibri" panose="020F0502020204030204" pitchFamily="34" charset="0"/>
+                <a:cs typeface="Calibri" panose="020F0502020204030204" pitchFamily="34" charset="0"/>
+              </a:rPr>
+              <a:t>Control</a:t>
+            </a:r>
+          </a:p>
+          <a:p>
+            <a:pPr algn="ctr"/>
+            <a:r>
+              <a:rPr lang="en-US" sz="1300" dirty="0">
+                <a:latin typeface="Calibri" panose="020F0502020204030204" pitchFamily="34" charset="0"/>
+                <a:cs typeface="Calibri" panose="020F0502020204030204" pitchFamily="34" charset="0"/>
+              </a:rPr>
+              <a:t>Apps</a:t>
+            </a:r>
+          </a:p>
+        </p:txBody>
+      </p:sp>
+      <p:cxnSp>
+        <p:nvCxnSpPr>
+          <p:cNvPr id="265" name="Straight Arrow Connector 264">
+            <a:extLst>
+              <a:ext uri="{FF2B5EF4-FFF2-40B4-BE49-F238E27FC236}">
+                <a16:creationId xmlns:a16="http://schemas.microsoft.com/office/drawing/2014/main" id="{3C91F3FC-43DA-E377-9B1B-5C824BC0FBCB}"/>
+              </a:ext>
+            </a:extLst>
+          </p:cNvPr>
+          <p:cNvCxnSpPr>
+            <a:cxnSpLocks/>
+            <a:stCxn id="264" idx="4"/>
+            <a:endCxn id="188" idx="0"/>
+          </p:cNvCxnSpPr>
+          <p:nvPr/>
+        </p:nvCxnSpPr>
+        <p:spPr>
+          <a:xfrm>
+            <a:off x="3784144" y="1059161"/>
+            <a:ext cx="169" cy="240467"/>
+          </a:xfrm>
+          <a:prstGeom prst="straightConnector1">
+            <a:avLst/>
+          </a:prstGeom>
+          <a:ln w="19050">
+            <a:headEnd type="triangle"/>
+            <a:tailEnd type="triangle"/>
+          </a:ln>
+        </p:spPr>
+        <p:style>
+          <a:lnRef idx="1">
+            <a:schemeClr val="accent1"/>
+          </a:lnRef>
+          <a:fillRef idx="0">
+            <a:schemeClr val="accent1"/>
+          </a:fillRef>
+          <a:effectRef idx="0">
+            <a:schemeClr val="accent1"/>
+          </a:effectRef>
+          <a:fontRef idx="minor">
+            <a:schemeClr val="tx1"/>
+          </a:fontRef>
+        </p:style>
+      </p:cxnSp>
     </p:spTree>
     <p:extLst>
       <p:ext uri="{BB962C8B-B14F-4D97-AF65-F5344CB8AC3E}">
@@ -22893,7 +22958,7 @@
         </p:nvSpPr>
         <p:spPr>
           <a:xfrm>
-            <a:off x="2989375" y="1819373"/>
+            <a:off x="2989375" y="1983757"/>
             <a:ext cx="1101858" cy="755401"/>
           </a:xfrm>
           <a:prstGeom prst="roundRect">
@@ -22936,7 +23001,7 @@
                 <a:latin typeface="Calibri" panose="020F0502020204030204" pitchFamily="34" charset="0"/>
                 <a:cs typeface="Calibri" panose="020F0502020204030204" pitchFamily="34" charset="0"/>
               </a:rPr>
-              <a:t>Continuous Integration (System)</a:t>
+              <a:t>Continuous Integration</a:t>
             </a:r>
             <a:endParaRPr sz="1200" dirty="0">
               <a:solidFill>
@@ -22956,7 +23021,7 @@
         </p:nvSpPr>
         <p:spPr>
           <a:xfrm>
-            <a:off x="4504077" y="1819373"/>
+            <a:off x="4504077" y="1983757"/>
             <a:ext cx="831494" cy="755402"/>
           </a:xfrm>
           <a:prstGeom prst="can">
@@ -23049,7 +23114,7 @@
         </p:nvSpPr>
         <p:spPr>
           <a:xfrm>
-            <a:off x="1745037" y="1819372"/>
+            <a:off x="1745037" y="1983756"/>
             <a:ext cx="831494" cy="755402"/>
           </a:xfrm>
           <a:prstGeom prst="can">
@@ -23142,7 +23207,7 @@
         </p:nvSpPr>
         <p:spPr>
           <a:xfrm>
-            <a:off x="5748415" y="1819373"/>
+            <a:off x="5748415" y="1983757"/>
             <a:ext cx="1101858" cy="755401"/>
           </a:xfrm>
           <a:prstGeom prst="roundRect">
@@ -23185,83 +23250,7 @@
                 <a:latin typeface="Calibri" panose="020F0502020204030204" pitchFamily="34" charset="0"/>
                 <a:cs typeface="Calibri" panose="020F0502020204030204" pitchFamily="34" charset="0"/>
               </a:rPr>
-              <a:t>Continuous Deployment (System)</a:t>
-            </a:r>
-            <a:endParaRPr sz="1200" dirty="0">
-              <a:solidFill>
-                <a:srgbClr val="000000"/>
-              </a:solidFill>
-              <a:latin typeface="Calibri" panose="020F0502020204030204" pitchFamily="34" charset="0"/>
-              <a:cs typeface="Calibri" panose="020F0502020204030204" pitchFamily="34" charset="0"/>
-            </a:endParaRPr>
-          </a:p>
-        </p:txBody>
-      </p:sp>
-      <p:sp>
-        <p:nvSpPr>
-          <p:cNvPr id="96" name="Google Shape;282;p25"/>
-          <p:cNvSpPr/>
-          <p:nvPr/>
-        </p:nvSpPr>
-        <p:spPr>
-          <a:xfrm>
-            <a:off x="230335" y="1819373"/>
-            <a:ext cx="1101858" cy="755401"/>
-          </a:xfrm>
-          <a:prstGeom prst="roundRect">
-            <a:avLst>
-              <a:gd name="adj" fmla="val 16667"/>
-            </a:avLst>
-          </a:prstGeom>
-          <a:solidFill>
-            <a:schemeClr val="tx1">
-              <a:lumMod val="20000"/>
-              <a:lumOff val="80000"/>
-            </a:schemeClr>
-          </a:solidFill>
-          <a:ln w="9525" cap="flat" cmpd="sng">
-            <a:solidFill>
-              <a:srgbClr val="6A99D0"/>
-            </a:solidFill>
-            <a:prstDash val="solid"/>
-            <a:round/>
-            <a:headEnd type="none" w="sm" len="sm"/>
-            <a:tailEnd type="none" w="sm" len="sm"/>
-          </a:ln>
-          <a:effectLst>
-            <a:outerShdw blurRad="50800" dist="38100" dir="2700000" algn="tl" rotWithShape="0">
-              <a:prstClr val="black">
-                <a:alpha val="40000"/>
-              </a:prstClr>
-            </a:outerShdw>
-          </a:effectLst>
-        </p:spPr>
-        <p:txBody>
-          <a:bodyPr spcFirstLastPara="1" wrap="square" lIns="121900" tIns="121900" rIns="121900" bIns="121900" anchor="ctr" anchorCtr="0">
-            <a:noAutofit/>
-          </a:bodyPr>
-          <a:lstStyle/>
-          <a:p>
-            <a:pPr algn="ctr"/>
-            <a:r>
-              <a:rPr lang="en-US" sz="1200" dirty="0">
-                <a:latin typeface="Calibri" panose="020F0502020204030204" pitchFamily="34" charset="0"/>
-                <a:cs typeface="Calibri" panose="020F0502020204030204" pitchFamily="34" charset="0"/>
-              </a:rPr>
-              <a:t>Continuous Innovation</a:t>
-            </a:r>
-          </a:p>
-          <a:p>
-            <a:pPr algn="ctr"/>
-            <a:r>
-              <a:rPr lang="en-US" sz="1200" dirty="0">
-                <a:solidFill>
-                  <a:srgbClr val="000000"/>
-                </a:solidFill>
-                <a:latin typeface="Calibri" panose="020F0502020204030204" pitchFamily="34" charset="0"/>
-                <a:cs typeface="Calibri" panose="020F0502020204030204" pitchFamily="34" charset="0"/>
-              </a:rPr>
-              <a:t>(Dev Team)</a:t>
+              <a:t>Continuous Deployment</a:t>
             </a:r>
             <a:endParaRPr sz="1200" dirty="0">
               <a:solidFill>
@@ -23277,15 +23266,16 @@
         <p:nvCxnSpPr>
           <p:cNvPr id="3" name="Straight Arrow Connector 2"/>
           <p:cNvCxnSpPr>
-            <a:stCxn id="96" idx="3"/>
+            <a:cxnSpLocks/>
+            <a:stCxn id="6" idx="3"/>
             <a:endCxn id="93" idx="2"/>
           </p:cNvCxnSpPr>
           <p:nvPr/>
         </p:nvCxnSpPr>
         <p:spPr>
-          <a:xfrm flipV="1">
-            <a:off x="1332193" y="2197073"/>
-            <a:ext cx="412844" cy="1"/>
+          <a:xfrm>
+            <a:off x="1313232" y="2361457"/>
+            <a:ext cx="431805" cy="0"/>
           </a:xfrm>
           <a:prstGeom prst="straightConnector1">
             <a:avLst/>
@@ -23323,7 +23313,7 @@
         </p:nvCxnSpPr>
         <p:spPr>
           <a:xfrm>
-            <a:off x="2576531" y="2197073"/>
+            <a:off x="2576531" y="2361457"/>
             <a:ext cx="412844" cy="1"/>
           </a:xfrm>
           <a:prstGeom prst="straightConnector1">
@@ -23362,7 +23352,7 @@
         </p:nvCxnSpPr>
         <p:spPr>
           <a:xfrm>
-            <a:off x="4091233" y="2197074"/>
+            <a:off x="4091233" y="2361458"/>
             <a:ext cx="412844" cy="0"/>
           </a:xfrm>
           <a:prstGeom prst="straightConnector1">
@@ -23401,7 +23391,7 @@
         </p:nvCxnSpPr>
         <p:spPr>
           <a:xfrm>
-            <a:off x="5335571" y="2197074"/>
+            <a:off x="5335571" y="2361458"/>
             <a:ext cx="412844" cy="0"/>
           </a:xfrm>
           <a:prstGeom prst="straightConnector1">
@@ -23441,7 +23431,7 @@
         </p:nvCxnSpPr>
         <p:spPr>
           <a:xfrm flipV="1">
-            <a:off x="6850273" y="2197073"/>
+            <a:off x="6850273" y="2361457"/>
             <a:ext cx="417315" cy="1"/>
           </a:xfrm>
           <a:prstGeom prst="straightConnector1">
@@ -23477,7 +23467,7 @@
         </p:nvSpPr>
         <p:spPr>
           <a:xfrm>
-            <a:off x="7263116" y="1819372"/>
+            <a:off x="7263116" y="1983756"/>
             <a:ext cx="1441609" cy="755402"/>
           </a:xfrm>
           <a:prstGeom prst="cloud">
@@ -23540,7 +23530,7 @@
         </p:nvSpPr>
         <p:spPr>
           <a:xfrm>
-            <a:off x="5883597" y="702313"/>
+            <a:off x="5883597" y="866697"/>
             <a:ext cx="831494" cy="755402"/>
           </a:xfrm>
           <a:prstGeom prst="can">
@@ -23642,7 +23632,7 @@
         </p:nvCxnSpPr>
         <p:spPr>
           <a:xfrm>
-            <a:off x="6299344" y="1457715"/>
+            <a:off x="6299344" y="1622099"/>
             <a:ext cx="0" cy="361658"/>
           </a:xfrm>
           <a:prstGeom prst="straightConnector1">
@@ -23684,7 +23674,7 @@
         </p:nvCxnSpPr>
         <p:spPr>
           <a:xfrm rot="5400000" flipH="1" flipV="1">
-            <a:off x="4342271" y="278048"/>
+            <a:off x="4342271" y="442432"/>
             <a:ext cx="739359" cy="2343293"/>
           </a:xfrm>
           <a:prstGeom prst="bentConnector2">
@@ -23723,8 +23713,8 @@
         </p:nvSpPr>
         <p:spPr>
           <a:xfrm>
-            <a:off x="5101740" y="159218"/>
-            <a:ext cx="2395207" cy="276999"/>
+            <a:off x="5464019" y="0"/>
+            <a:ext cx="1670650" cy="461665"/>
           </a:xfrm>
           <a:prstGeom prst="rect">
             <a:avLst/>
@@ -23732,17 +23722,28 @@
           <a:noFill/>
         </p:spPr>
         <p:txBody>
-          <a:bodyPr wrap="none" rtlCol="0">
+          <a:bodyPr wrap="none" rtlCol="0" anchor="ctr">
             <a:spAutoFit/>
           </a:bodyPr>
           <a:lstStyle/>
           <a:p>
+            <a:pPr algn="ctr"/>
             <a:r>
               <a:rPr lang="en-US" sz="1200" i="1" dirty="0">
                 <a:latin typeface="Calibri" panose="020F0502020204030204" pitchFamily="34" charset="0"/>
                 <a:cs typeface="Calibri" panose="020F0502020204030204" pitchFamily="34" charset="0"/>
               </a:rPr>
-              <a:t>Populated by Resource Provisioning</a:t>
+              <a:t>Operators </a:t>
+            </a:r>
+          </a:p>
+          <a:p>
+            <a:pPr algn="ctr"/>
+            <a:r>
+              <a:rPr lang="en-US" sz="1200" i="1" dirty="0">
+                <a:latin typeface="Calibri" panose="020F0502020204030204" pitchFamily="34" charset="0"/>
+                <a:cs typeface="Calibri" panose="020F0502020204030204" pitchFamily="34" charset="0"/>
+              </a:rPr>
+              <a:t>(Configuration-as-Code)</a:t>
             </a:r>
           </a:p>
         </p:txBody>
@@ -23765,8 +23766,8 @@
         </p:nvCxnSpPr>
         <p:spPr>
           <a:xfrm>
-            <a:off x="6299344" y="436217"/>
-            <a:ext cx="0" cy="266096"/>
+            <a:off x="6299344" y="461665"/>
+            <a:ext cx="0" cy="405032"/>
           </a:xfrm>
           <a:prstGeom prst="straightConnector1">
             <a:avLst/>
@@ -23790,6 +23791,45 @@
           </a:fontRef>
         </p:style>
       </p:cxnSp>
+      <p:sp>
+        <p:nvSpPr>
+          <p:cNvPr id="6" name="TextBox 5">
+            <a:extLst>
+              <a:ext uri="{FF2B5EF4-FFF2-40B4-BE49-F238E27FC236}">
+                <a16:creationId xmlns:a16="http://schemas.microsoft.com/office/drawing/2014/main" id="{B3E23762-41F0-A5C0-AA20-928C04575C4E}"/>
+              </a:ext>
+            </a:extLst>
+          </p:cNvPr>
+          <p:cNvSpPr txBox="1"/>
+          <p:nvPr/>
+        </p:nvSpPr>
+        <p:spPr>
+          <a:xfrm>
+            <a:off x="439275" y="2222957"/>
+            <a:ext cx="873957" cy="276999"/>
+          </a:xfrm>
+          <a:prstGeom prst="rect">
+            <a:avLst/>
+          </a:prstGeom>
+          <a:noFill/>
+        </p:spPr>
+        <p:txBody>
+          <a:bodyPr wrap="none" rtlCol="0" anchor="ctr">
+            <a:spAutoFit/>
+          </a:bodyPr>
+          <a:lstStyle/>
+          <a:p>
+            <a:pPr algn="ctr"/>
+            <a:r>
+              <a:rPr lang="en-US" sz="1200" i="1" dirty="0">
+                <a:latin typeface="Calibri" panose="020F0502020204030204" pitchFamily="34" charset="0"/>
+                <a:cs typeface="Calibri" panose="020F0502020204030204" pitchFamily="34" charset="0"/>
+              </a:rPr>
+              <a:t>Developers</a:t>
+            </a:r>
+          </a:p>
+        </p:txBody>
+      </p:sp>
     </p:spTree>
     <p:extLst>
       <p:ext uri="{BB962C8B-B14F-4D97-AF65-F5344CB8AC3E}">

--- a/figures/ops/figures.pptx
+++ b/figures/ops/figures.pptx
@@ -5,7 +5,7 @@
     <p:sldMasterId id="2147483648" r:id="rId1"/>
   </p:sldMasterIdLst>
   <p:notesMasterIdLst>
-    <p:notesMasterId r:id="rId13"/>
+    <p:notesMasterId r:id="rId14"/>
   </p:notesMasterIdLst>
   <p:sldIdLst>
     <p:sldId id="308" r:id="rId2"/>
@@ -15,10 +15,11 @@
     <p:sldId id="356" r:id="rId6"/>
     <p:sldId id="331" r:id="rId7"/>
     <p:sldId id="332" r:id="rId8"/>
-    <p:sldId id="333" r:id="rId9"/>
+    <p:sldId id="358" r:id="rId9"/>
     <p:sldId id="334" r:id="rId10"/>
     <p:sldId id="345" r:id="rId11"/>
     <p:sldId id="357" r:id="rId12"/>
+    <p:sldId id="333" r:id="rId13"/>
   </p:sldIdLst>
   <p:sldSz cx="9144000" cy="5143500" type="screen16x9"/>
   <p:notesSz cx="6858000" cy="9144000"/>
@@ -2446,123 +2447,6 @@
                 <a:cs typeface="Corbel"/>
                 <a:sym typeface="Corbel"/>
               </a:rPr>
-              <a:t>8</a:t>
-            </a:fld>
-            <a:endParaRPr lang="uk-UA" sz="1200" b="0" i="0" u="none" strike="noStrike" cap="none">
-              <a:solidFill>
-                <a:schemeClr val="dk1"/>
-              </a:solidFill>
-              <a:latin typeface="Corbel"/>
-              <a:ea typeface="Corbel"/>
-              <a:cs typeface="Corbel"/>
-              <a:sym typeface="Corbel"/>
-            </a:endParaRPr>
-          </a:p>
-        </p:txBody>
-      </p:sp>
-    </p:spTree>
-    <p:extLst>
-      <p:ext uri="{BB962C8B-B14F-4D97-AF65-F5344CB8AC3E}">
-        <p14:creationId xmlns:p14="http://schemas.microsoft.com/office/powerpoint/2010/main" val="1247354596"/>
-      </p:ext>
-    </p:extLst>
-  </p:cSld>
-  <p:clrMapOvr>
-    <a:masterClrMapping/>
-  </p:clrMapOvr>
-</p:notes>
-</file>
-
-<file path=ppt/notesSlides/notesSlide7.xml><?xml version="1.0" encoding="utf-8"?>
-<p:notes xmlns:a="http://schemas.openxmlformats.org/drawingml/2006/main" xmlns:r="http://schemas.openxmlformats.org/officeDocument/2006/relationships" xmlns:p="http://schemas.openxmlformats.org/presentationml/2006/main">
-  <p:cSld>
-    <p:spTree>
-      <p:nvGrpSpPr>
-        <p:cNvPr id="1" name=""/>
-        <p:cNvGrpSpPr/>
-        <p:nvPr/>
-      </p:nvGrpSpPr>
-      <p:grpSpPr>
-        <a:xfrm>
-          <a:off x="0" y="0"/>
-          <a:ext cx="0" cy="0"/>
-          <a:chOff x="0" y="0"/>
-          <a:chExt cx="0" cy="0"/>
-        </a:xfrm>
-      </p:grpSpPr>
-      <p:sp>
-        <p:nvSpPr>
-          <p:cNvPr id="2" name="Slide Image Placeholder 1"/>
-          <p:cNvSpPr>
-            <a:spLocks noGrp="1" noRot="1" noChangeAspect="1"/>
-          </p:cNvSpPr>
-          <p:nvPr>
-            <p:ph type="sldImg"/>
-          </p:nvPr>
-        </p:nvSpPr>
-        <p:spPr/>
-      </p:sp>
-      <p:sp>
-        <p:nvSpPr>
-          <p:cNvPr id="3" name="Notes Placeholder 2"/>
-          <p:cNvSpPr>
-            <a:spLocks noGrp="1"/>
-          </p:cNvSpPr>
-          <p:nvPr>
-            <p:ph type="body" idx="1"/>
-          </p:nvPr>
-        </p:nvSpPr>
-        <p:spPr/>
-        <p:txBody>
-          <a:bodyPr/>
-          <a:lstStyle/>
-          <a:p>
-            <a:endParaRPr lang="en-US" dirty="0"/>
-          </a:p>
-        </p:txBody>
-      </p:sp>
-      <p:sp>
-        <p:nvSpPr>
-          <p:cNvPr id="4" name="Slide Number Placeholder 3"/>
-          <p:cNvSpPr>
-            <a:spLocks noGrp="1"/>
-          </p:cNvSpPr>
-          <p:nvPr>
-            <p:ph type="sldNum" idx="10"/>
-          </p:nvPr>
-        </p:nvSpPr>
-        <p:spPr/>
-        <p:txBody>
-          <a:bodyPr/>
-          <a:lstStyle/>
-          <a:p>
-            <a:pPr marL="0" marR="0" lvl="0" indent="0" algn="r" rtl="0">
-              <a:lnSpc>
-                <a:spcPct val="100000"/>
-              </a:lnSpc>
-              <a:spcBef>
-                <a:spcPts val="0"/>
-              </a:spcBef>
-              <a:spcAft>
-                <a:spcPts val="0"/>
-              </a:spcAft>
-              <a:buClr>
-                <a:srgbClr val="000000"/>
-              </a:buClr>
-              <a:buSzPts val="1200"/>
-              <a:buFont typeface="Arial"/>
-              <a:buNone/>
-            </a:pPr>
-            <a:fld id="{00000000-1234-1234-1234-123412341234}" type="slidenum">
-              <a:rPr lang="uk-UA" sz="1200" b="0" i="0" u="none" strike="noStrike" cap="none" smtClean="0">
-                <a:solidFill>
-                  <a:schemeClr val="dk1"/>
-                </a:solidFill>
-                <a:latin typeface="Corbel"/>
-                <a:ea typeface="Corbel"/>
-                <a:cs typeface="Corbel"/>
-                <a:sym typeface="Corbel"/>
-              </a:rPr>
               <a:t>9</a:t>
             </a:fld>
             <a:endParaRPr lang="uk-UA" sz="1200" b="0" i="0" u="none" strike="noStrike" cap="none">
@@ -2590,7 +2474,7 @@
 </p:notes>
 </file>
 
-<file path=ppt/notesSlides/notesSlide8.xml><?xml version="1.0" encoding="utf-8"?>
+<file path=ppt/notesSlides/notesSlide7.xml><?xml version="1.0" encoding="utf-8"?>
 <p:notes xmlns:a="http://schemas.openxmlformats.org/drawingml/2006/main" xmlns:r="http://schemas.openxmlformats.org/officeDocument/2006/relationships" xmlns:p="http://schemas.openxmlformats.org/presentationml/2006/main">
   <p:cSld>
     <p:spTree>
@@ -2698,6 +2582,123 @@
     <p:extLst>
       <p:ext uri="{BB962C8B-B14F-4D97-AF65-F5344CB8AC3E}">
         <p14:creationId xmlns:p14="http://schemas.microsoft.com/office/powerpoint/2010/main" val="3433054927"/>
+      </p:ext>
+    </p:extLst>
+  </p:cSld>
+  <p:clrMapOvr>
+    <a:masterClrMapping/>
+  </p:clrMapOvr>
+</p:notes>
+</file>
+
+<file path=ppt/notesSlides/notesSlide8.xml><?xml version="1.0" encoding="utf-8"?>
+<p:notes xmlns:a="http://schemas.openxmlformats.org/drawingml/2006/main" xmlns:r="http://schemas.openxmlformats.org/officeDocument/2006/relationships" xmlns:p="http://schemas.openxmlformats.org/presentationml/2006/main">
+  <p:cSld>
+    <p:spTree>
+      <p:nvGrpSpPr>
+        <p:cNvPr id="1" name=""/>
+        <p:cNvGrpSpPr/>
+        <p:nvPr/>
+      </p:nvGrpSpPr>
+      <p:grpSpPr>
+        <a:xfrm>
+          <a:off x="0" y="0"/>
+          <a:ext cx="0" cy="0"/>
+          <a:chOff x="0" y="0"/>
+          <a:chExt cx="0" cy="0"/>
+        </a:xfrm>
+      </p:grpSpPr>
+      <p:sp>
+        <p:nvSpPr>
+          <p:cNvPr id="2" name="Slide Image Placeholder 1"/>
+          <p:cNvSpPr>
+            <a:spLocks noGrp="1" noRot="1" noChangeAspect="1"/>
+          </p:cNvSpPr>
+          <p:nvPr>
+            <p:ph type="sldImg"/>
+          </p:nvPr>
+        </p:nvSpPr>
+        <p:spPr/>
+      </p:sp>
+      <p:sp>
+        <p:nvSpPr>
+          <p:cNvPr id="3" name="Notes Placeholder 2"/>
+          <p:cNvSpPr>
+            <a:spLocks noGrp="1"/>
+          </p:cNvSpPr>
+          <p:nvPr>
+            <p:ph type="body" idx="1"/>
+          </p:nvPr>
+        </p:nvSpPr>
+        <p:spPr/>
+        <p:txBody>
+          <a:bodyPr/>
+          <a:lstStyle/>
+          <a:p>
+            <a:endParaRPr lang="en-US" dirty="0"/>
+          </a:p>
+        </p:txBody>
+      </p:sp>
+      <p:sp>
+        <p:nvSpPr>
+          <p:cNvPr id="4" name="Slide Number Placeholder 3"/>
+          <p:cNvSpPr>
+            <a:spLocks noGrp="1"/>
+          </p:cNvSpPr>
+          <p:nvPr>
+            <p:ph type="sldNum" idx="10"/>
+          </p:nvPr>
+        </p:nvSpPr>
+        <p:spPr/>
+        <p:txBody>
+          <a:bodyPr/>
+          <a:lstStyle/>
+          <a:p>
+            <a:pPr marL="0" marR="0" lvl="0" indent="0" algn="r" rtl="0">
+              <a:lnSpc>
+                <a:spcPct val="100000"/>
+              </a:lnSpc>
+              <a:spcBef>
+                <a:spcPts val="0"/>
+              </a:spcBef>
+              <a:spcAft>
+                <a:spcPts val="0"/>
+              </a:spcAft>
+              <a:buClr>
+                <a:srgbClr val="000000"/>
+              </a:buClr>
+              <a:buSzPts val="1200"/>
+              <a:buFont typeface="Arial"/>
+              <a:buNone/>
+            </a:pPr>
+            <a:fld id="{00000000-1234-1234-1234-123412341234}" type="slidenum">
+              <a:rPr lang="uk-UA" sz="1200" b="0" i="0" u="none" strike="noStrike" cap="none" smtClean="0">
+                <a:solidFill>
+                  <a:schemeClr val="dk1"/>
+                </a:solidFill>
+                <a:latin typeface="Corbel"/>
+                <a:ea typeface="Corbel"/>
+                <a:cs typeface="Corbel"/>
+                <a:sym typeface="Corbel"/>
+              </a:rPr>
+              <a:t>12</a:t>
+            </a:fld>
+            <a:endParaRPr lang="uk-UA" sz="1200" b="0" i="0" u="none" strike="noStrike" cap="none">
+              <a:solidFill>
+                <a:schemeClr val="dk1"/>
+              </a:solidFill>
+              <a:latin typeface="Corbel"/>
+              <a:ea typeface="Corbel"/>
+              <a:cs typeface="Corbel"/>
+              <a:sym typeface="Corbel"/>
+            </a:endParaRPr>
+          </a:p>
+        </p:txBody>
+      </p:sp>
+    </p:spTree>
+    <p:extLst>
+      <p:ext uri="{BB962C8B-B14F-4D97-AF65-F5344CB8AC3E}">
+        <p14:creationId xmlns:p14="http://schemas.microsoft.com/office/powerpoint/2010/main" val="1247354596"/>
       </p:ext>
     </p:extLst>
   </p:cSld>
@@ -8241,7 +8242,7 @@
         </p:nvSpPr>
         <p:spPr>
           <a:xfrm>
-            <a:off x="2180187" y="568199"/>
+            <a:off x="2180187" y="527103"/>
             <a:ext cx="988416" cy="502279"/>
           </a:xfrm>
           <a:prstGeom prst="ellipse">
@@ -8425,7 +8426,7 @@
         </p:nvSpPr>
         <p:spPr>
           <a:xfrm>
-            <a:off x="4376857" y="568199"/>
+            <a:off x="4376857" y="527103"/>
             <a:ext cx="988416" cy="502279"/>
           </a:xfrm>
           <a:prstGeom prst="ellipse">
@@ -8475,7 +8476,7 @@
         </p:nvSpPr>
         <p:spPr>
           <a:xfrm>
-            <a:off x="4326690" y="762864"/>
+            <a:off x="4326690" y="721768"/>
             <a:ext cx="184731" cy="307777"/>
           </a:xfrm>
           <a:prstGeom prst="rect">
@@ -8534,7 +8535,10 @@
           <a:p>
             <a:pPr algn="ctr"/>
             <a:r>
-              <a:rPr lang="en-US" dirty="0"/>
+              <a:rPr lang="en-US" sz="1300" dirty="0">
+                <a:latin typeface="Calibri" panose="020F0502020204030204" pitchFamily="34" charset="0"/>
+                <a:cs typeface="Calibri" panose="020F0502020204030204" pitchFamily="34" charset="0"/>
+              </a:rPr>
               <a:t>Ops</a:t>
             </a:r>
           </a:p>
@@ -8581,7 +8585,10 @@
           <a:p>
             <a:pPr algn="ctr"/>
             <a:r>
-              <a:rPr lang="en-US" dirty="0"/>
+              <a:rPr lang="en-US" sz="1300" dirty="0">
+                <a:latin typeface="Calibri" panose="020F0502020204030204" pitchFamily="34" charset="0"/>
+                <a:cs typeface="Calibri" panose="020F0502020204030204" pitchFamily="34" charset="0"/>
+              </a:rPr>
               <a:t>Dev</a:t>
             </a:r>
           </a:p>
@@ -8688,8 +8695,8 @@
         </p:nvCxnSpPr>
         <p:spPr>
           <a:xfrm>
-            <a:off x="4871065" y="1070478"/>
-            <a:ext cx="6685" cy="229150"/>
+            <a:off x="4871065" y="1029382"/>
+            <a:ext cx="0" cy="270246"/>
           </a:xfrm>
           <a:prstGeom prst="straightConnector1">
             <a:avLst/>
@@ -8723,13 +8730,16 @@
               </a:ext>
             </a:extLst>
           </p:cNvPr>
-          <p:cNvCxnSpPr/>
+          <p:cNvCxnSpPr>
+            <a:cxnSpLocks/>
+            <a:stCxn id="187" idx="4"/>
+          </p:cNvCxnSpPr>
           <p:nvPr/>
         </p:nvCxnSpPr>
         <p:spPr>
-          <a:xfrm flipH="1">
-            <a:off x="2703067" y="1070477"/>
-            <a:ext cx="271" cy="251127"/>
+          <a:xfrm>
+            <a:off x="2674395" y="1029382"/>
+            <a:ext cx="0" cy="270246"/>
           </a:xfrm>
           <a:prstGeom prst="straightConnector1">
             <a:avLst/>
@@ -8811,7 +8821,7 @@
         </p:nvSpPr>
         <p:spPr>
           <a:xfrm>
-            <a:off x="5570195" y="1032562"/>
+            <a:off x="5541287" y="970805"/>
             <a:ext cx="822661" cy="307777"/>
           </a:xfrm>
           <a:prstGeom prst="rect">
@@ -8852,8 +8862,8 @@
         </p:nvCxnSpPr>
         <p:spPr>
           <a:xfrm flipH="1">
-            <a:off x="4868000" y="1186451"/>
-            <a:ext cx="702195" cy="0"/>
+            <a:off x="5307858" y="1124694"/>
+            <a:ext cx="233429" cy="0"/>
           </a:xfrm>
           <a:prstGeom prst="straightConnector1">
             <a:avLst/>
@@ -10661,7 +10671,7 @@
         </p:nvSpPr>
         <p:spPr>
           <a:xfrm>
-            <a:off x="3289936" y="556882"/>
+            <a:off x="3289936" y="515786"/>
             <a:ext cx="988416" cy="502279"/>
           </a:xfrm>
           <a:prstGeom prst="ellipse">
@@ -10725,8 +10735,8 @@
         </p:nvCxnSpPr>
         <p:spPr>
           <a:xfrm>
-            <a:off x="3784144" y="1059161"/>
-            <a:ext cx="169" cy="240467"/>
+            <a:off x="3784144" y="1018065"/>
+            <a:ext cx="169" cy="281563"/>
           </a:xfrm>
           <a:prstGeom prst="straightConnector1">
             <a:avLst/>
@@ -10751,10 +10761,971 @@
           </a:fontRef>
         </p:style>
       </p:cxnSp>
+      <p:sp>
+        <p:nvSpPr>
+          <p:cNvPr id="278" name="Right Brace 277">
+            <a:extLst>
+              <a:ext uri="{FF2B5EF4-FFF2-40B4-BE49-F238E27FC236}">
+                <a16:creationId xmlns:a16="http://schemas.microsoft.com/office/drawing/2014/main" id="{393A2C0F-536E-5568-23A6-3CA29785D4FE}"/>
+              </a:ext>
+            </a:extLst>
+          </p:cNvPr>
+          <p:cNvSpPr/>
+          <p:nvPr/>
+        </p:nvSpPr>
+        <p:spPr>
+          <a:xfrm>
+            <a:off x="5248675" y="991466"/>
+            <a:ext cx="45719" cy="267066"/>
+          </a:xfrm>
+          <a:prstGeom prst="rightBrace">
+            <a:avLst/>
+          </a:prstGeom>
+          <a:ln w="12700">
+            <a:solidFill>
+              <a:schemeClr val="tx1">
+                <a:lumMod val="50000"/>
+              </a:schemeClr>
+            </a:solidFill>
+          </a:ln>
+        </p:spPr>
+        <p:style>
+          <a:lnRef idx="1">
+            <a:schemeClr val="accent1"/>
+          </a:lnRef>
+          <a:fillRef idx="0">
+            <a:schemeClr val="accent1"/>
+          </a:fillRef>
+          <a:effectRef idx="0">
+            <a:schemeClr val="accent1"/>
+          </a:effectRef>
+          <a:fontRef idx="minor">
+            <a:schemeClr val="tx1"/>
+          </a:fontRef>
+        </p:style>
+        <p:txBody>
+          <a:bodyPr rtlCol="0" anchor="ctr"/>
+          <a:lstStyle/>
+          <a:p>
+            <a:pPr algn="ctr"/>
+            <a:endParaRPr lang="en-US"/>
+          </a:p>
+        </p:txBody>
+      </p:sp>
     </p:spTree>
     <p:extLst>
       <p:ext uri="{BB962C8B-B14F-4D97-AF65-F5344CB8AC3E}">
         <p14:creationId xmlns:p14="http://schemas.microsoft.com/office/powerpoint/2010/main" val="3288110767"/>
+      </p:ext>
+    </p:extLst>
+  </p:cSld>
+  <p:clrMapOvr>
+    <a:masterClrMapping/>
+  </p:clrMapOvr>
+</p:sld>
+</file>
+
+<file path=ppt/slides/slide12.xml><?xml version="1.0" encoding="utf-8"?>
+<p:sld xmlns:a="http://schemas.openxmlformats.org/drawingml/2006/main" xmlns:r="http://schemas.openxmlformats.org/officeDocument/2006/relationships" xmlns:p="http://schemas.openxmlformats.org/presentationml/2006/main">
+  <p:cSld>
+    <p:spTree>
+      <p:nvGrpSpPr>
+        <p:cNvPr id="1" name=""/>
+        <p:cNvGrpSpPr/>
+        <p:nvPr/>
+      </p:nvGrpSpPr>
+      <p:grpSpPr>
+        <a:xfrm>
+          <a:off x="0" y="0"/>
+          <a:ext cx="0" cy="0"/>
+          <a:chOff x="0" y="0"/>
+          <a:chExt cx="0" cy="0"/>
+        </a:xfrm>
+      </p:grpSpPr>
+      <p:sp>
+        <p:nvSpPr>
+          <p:cNvPr id="91" name="Google Shape;282;p25"/>
+          <p:cNvSpPr/>
+          <p:nvPr/>
+        </p:nvSpPr>
+        <p:spPr>
+          <a:xfrm>
+            <a:off x="2989375" y="1983757"/>
+            <a:ext cx="1101858" cy="755401"/>
+          </a:xfrm>
+          <a:prstGeom prst="roundRect">
+            <a:avLst>
+              <a:gd name="adj" fmla="val 16667"/>
+            </a:avLst>
+          </a:prstGeom>
+          <a:solidFill>
+            <a:schemeClr val="tx1">
+              <a:lumMod val="20000"/>
+              <a:lumOff val="80000"/>
+            </a:schemeClr>
+          </a:solidFill>
+          <a:ln w="9525" cap="flat" cmpd="sng">
+            <a:solidFill>
+              <a:srgbClr val="6A99D0"/>
+            </a:solidFill>
+            <a:prstDash val="solid"/>
+            <a:round/>
+            <a:headEnd type="none" w="sm" len="sm"/>
+            <a:tailEnd type="none" w="sm" len="sm"/>
+          </a:ln>
+          <a:effectLst>
+            <a:outerShdw blurRad="50800" dist="38100" dir="2700000" algn="tl" rotWithShape="0">
+              <a:prstClr val="black">
+                <a:alpha val="40000"/>
+              </a:prstClr>
+            </a:outerShdw>
+          </a:effectLst>
+        </p:spPr>
+        <p:txBody>
+          <a:bodyPr spcFirstLastPara="1" wrap="square" lIns="121900" tIns="121900" rIns="121900" bIns="121900" anchor="ctr" anchorCtr="0">
+            <a:noAutofit/>
+          </a:bodyPr>
+          <a:lstStyle/>
+          <a:p>
+            <a:pPr algn="ctr"/>
+            <a:r>
+              <a:rPr lang="en-US" sz="1200" dirty="0">
+                <a:latin typeface="Calibri" panose="020F0502020204030204" pitchFamily="34" charset="0"/>
+                <a:cs typeface="Calibri" panose="020F0502020204030204" pitchFamily="34" charset="0"/>
+              </a:rPr>
+              <a:t>Continuous Integration</a:t>
+            </a:r>
+            <a:endParaRPr sz="1200" dirty="0">
+              <a:solidFill>
+                <a:srgbClr val="000000"/>
+              </a:solidFill>
+              <a:latin typeface="Calibri" panose="020F0502020204030204" pitchFamily="34" charset="0"/>
+              <a:cs typeface="Calibri" panose="020F0502020204030204" pitchFamily="34" charset="0"/>
+            </a:endParaRPr>
+          </a:p>
+        </p:txBody>
+      </p:sp>
+      <p:sp>
+        <p:nvSpPr>
+          <p:cNvPr id="92" name="Google Shape;259;p25"/>
+          <p:cNvSpPr/>
+          <p:nvPr/>
+        </p:nvSpPr>
+        <p:spPr>
+          <a:xfrm>
+            <a:off x="4504077" y="1983757"/>
+            <a:ext cx="831494" cy="755402"/>
+          </a:xfrm>
+          <a:prstGeom prst="can">
+            <a:avLst>
+              <a:gd name="adj" fmla="val 25000"/>
+            </a:avLst>
+          </a:prstGeom>
+          <a:solidFill>
+            <a:schemeClr val="bg1">
+              <a:lumMod val="65000"/>
+            </a:schemeClr>
+          </a:solidFill>
+          <a:ln w="9525" cap="flat" cmpd="sng">
+            <a:solidFill>
+              <a:srgbClr val="6A99D0"/>
+            </a:solidFill>
+            <a:prstDash val="solid"/>
+            <a:round/>
+            <a:headEnd type="none" w="sm" len="sm"/>
+            <a:tailEnd type="none" w="sm" len="sm"/>
+          </a:ln>
+          <a:effectLst>
+            <a:outerShdw blurRad="50800" dist="38100" dir="2700000" algn="tl" rotWithShape="0">
+              <a:prstClr val="black">
+                <a:alpha val="40000"/>
+              </a:prstClr>
+            </a:outerShdw>
+          </a:effectLst>
+        </p:spPr>
+        <p:txBody>
+          <a:bodyPr spcFirstLastPara="1" wrap="square" lIns="121900" tIns="121900" rIns="121900" bIns="121900" anchor="ctr" anchorCtr="0">
+            <a:noAutofit/>
+          </a:bodyPr>
+          <a:lstStyle/>
+          <a:p>
+            <a:pPr algn="ctr">
+              <a:lnSpc>
+                <a:spcPct val="90000"/>
+              </a:lnSpc>
+            </a:pPr>
+            <a:r>
+              <a:rPr lang="en-US" sz="1200" dirty="0">
+                <a:solidFill>
+                  <a:schemeClr val="bg1"/>
+                </a:solidFill>
+                <a:latin typeface="Calibri" panose="020F0502020204030204" pitchFamily="34" charset="0"/>
+                <a:cs typeface="Calibri" panose="020F0502020204030204" pitchFamily="34" charset="0"/>
+              </a:rPr>
+              <a:t>Image</a:t>
+            </a:r>
+            <a:endParaRPr sz="1200" dirty="0">
+              <a:solidFill>
+                <a:schemeClr val="bg1"/>
+              </a:solidFill>
+              <a:latin typeface="Calibri" panose="020F0502020204030204" pitchFamily="34" charset="0"/>
+              <a:cs typeface="Calibri" panose="020F0502020204030204" pitchFamily="34" charset="0"/>
+            </a:endParaRPr>
+          </a:p>
+          <a:p>
+            <a:pPr algn="ctr">
+              <a:lnSpc>
+                <a:spcPct val="90000"/>
+              </a:lnSpc>
+            </a:pPr>
+            <a:r>
+              <a:rPr lang="en" sz="1200" dirty="0">
+                <a:solidFill>
+                  <a:schemeClr val="bg1"/>
+                </a:solidFill>
+                <a:latin typeface="Calibri" panose="020F0502020204030204" pitchFamily="34" charset="0"/>
+                <a:cs typeface="Calibri" panose="020F0502020204030204" pitchFamily="34" charset="0"/>
+              </a:rPr>
+              <a:t>Repo</a:t>
+            </a:r>
+            <a:endParaRPr sz="1200" dirty="0">
+              <a:solidFill>
+                <a:schemeClr val="bg1"/>
+              </a:solidFill>
+              <a:latin typeface="Calibri" panose="020F0502020204030204" pitchFamily="34" charset="0"/>
+              <a:cs typeface="Calibri" panose="020F0502020204030204" pitchFamily="34" charset="0"/>
+            </a:endParaRPr>
+          </a:p>
+        </p:txBody>
+      </p:sp>
+      <p:sp>
+        <p:nvSpPr>
+          <p:cNvPr id="93" name="Google Shape;259;p25"/>
+          <p:cNvSpPr/>
+          <p:nvPr/>
+        </p:nvSpPr>
+        <p:spPr>
+          <a:xfrm>
+            <a:off x="1745037" y="1983756"/>
+            <a:ext cx="831494" cy="755402"/>
+          </a:xfrm>
+          <a:prstGeom prst="can">
+            <a:avLst>
+              <a:gd name="adj" fmla="val 25000"/>
+            </a:avLst>
+          </a:prstGeom>
+          <a:solidFill>
+            <a:schemeClr val="bg1">
+              <a:lumMod val="65000"/>
+            </a:schemeClr>
+          </a:solidFill>
+          <a:ln w="9525" cap="flat" cmpd="sng">
+            <a:solidFill>
+              <a:srgbClr val="6A99D0"/>
+            </a:solidFill>
+            <a:prstDash val="solid"/>
+            <a:round/>
+            <a:headEnd type="none" w="sm" len="sm"/>
+            <a:tailEnd type="none" w="sm" len="sm"/>
+          </a:ln>
+          <a:effectLst>
+            <a:outerShdw blurRad="50800" dist="38100" dir="2700000" algn="tl" rotWithShape="0">
+              <a:prstClr val="black">
+                <a:alpha val="40000"/>
+              </a:prstClr>
+            </a:outerShdw>
+          </a:effectLst>
+        </p:spPr>
+        <p:txBody>
+          <a:bodyPr spcFirstLastPara="1" wrap="square" lIns="121900" tIns="121900" rIns="121900" bIns="121900" anchor="ctr" anchorCtr="0">
+            <a:noAutofit/>
+          </a:bodyPr>
+          <a:lstStyle/>
+          <a:p>
+            <a:pPr algn="ctr">
+              <a:lnSpc>
+                <a:spcPct val="90000"/>
+              </a:lnSpc>
+            </a:pPr>
+            <a:r>
+              <a:rPr lang="en-US" sz="1200" dirty="0">
+                <a:solidFill>
+                  <a:schemeClr val="bg1"/>
+                </a:solidFill>
+                <a:latin typeface="Calibri" panose="020F0502020204030204" pitchFamily="34" charset="0"/>
+                <a:cs typeface="Calibri" panose="020F0502020204030204" pitchFamily="34" charset="0"/>
+              </a:rPr>
+              <a:t>Code</a:t>
+            </a:r>
+            <a:endParaRPr sz="1200" dirty="0">
+              <a:solidFill>
+                <a:schemeClr val="bg1"/>
+              </a:solidFill>
+              <a:latin typeface="Calibri" panose="020F0502020204030204" pitchFamily="34" charset="0"/>
+              <a:cs typeface="Calibri" panose="020F0502020204030204" pitchFamily="34" charset="0"/>
+            </a:endParaRPr>
+          </a:p>
+          <a:p>
+            <a:pPr algn="ctr">
+              <a:lnSpc>
+                <a:spcPct val="90000"/>
+              </a:lnSpc>
+            </a:pPr>
+            <a:r>
+              <a:rPr lang="en" sz="1200" dirty="0">
+                <a:solidFill>
+                  <a:schemeClr val="bg1"/>
+                </a:solidFill>
+                <a:latin typeface="Calibri" panose="020F0502020204030204" pitchFamily="34" charset="0"/>
+                <a:cs typeface="Calibri" panose="020F0502020204030204" pitchFamily="34" charset="0"/>
+              </a:rPr>
+              <a:t>Repo</a:t>
+            </a:r>
+            <a:endParaRPr sz="1200" dirty="0">
+              <a:solidFill>
+                <a:schemeClr val="bg1"/>
+              </a:solidFill>
+              <a:latin typeface="Calibri" panose="020F0502020204030204" pitchFamily="34" charset="0"/>
+              <a:cs typeface="Calibri" panose="020F0502020204030204" pitchFamily="34" charset="0"/>
+            </a:endParaRPr>
+          </a:p>
+        </p:txBody>
+      </p:sp>
+      <p:sp>
+        <p:nvSpPr>
+          <p:cNvPr id="94" name="Google Shape;282;p25"/>
+          <p:cNvSpPr/>
+          <p:nvPr/>
+        </p:nvSpPr>
+        <p:spPr>
+          <a:xfrm>
+            <a:off x="5748415" y="1983757"/>
+            <a:ext cx="1101858" cy="755401"/>
+          </a:xfrm>
+          <a:prstGeom prst="roundRect">
+            <a:avLst>
+              <a:gd name="adj" fmla="val 16667"/>
+            </a:avLst>
+          </a:prstGeom>
+          <a:solidFill>
+            <a:schemeClr val="tx1">
+              <a:lumMod val="20000"/>
+              <a:lumOff val="80000"/>
+            </a:schemeClr>
+          </a:solidFill>
+          <a:ln w="9525" cap="flat" cmpd="sng">
+            <a:solidFill>
+              <a:srgbClr val="6A99D0"/>
+            </a:solidFill>
+            <a:prstDash val="solid"/>
+            <a:round/>
+            <a:headEnd type="none" w="sm" len="sm"/>
+            <a:tailEnd type="none" w="sm" len="sm"/>
+          </a:ln>
+          <a:effectLst>
+            <a:outerShdw blurRad="50800" dist="38100" dir="2700000" algn="tl" rotWithShape="0">
+              <a:prstClr val="black">
+                <a:alpha val="40000"/>
+              </a:prstClr>
+            </a:outerShdw>
+          </a:effectLst>
+        </p:spPr>
+        <p:txBody>
+          <a:bodyPr spcFirstLastPara="1" wrap="square" lIns="121900" tIns="121900" rIns="121900" bIns="121900" anchor="ctr" anchorCtr="0">
+            <a:noAutofit/>
+          </a:bodyPr>
+          <a:lstStyle/>
+          <a:p>
+            <a:pPr algn="ctr"/>
+            <a:r>
+              <a:rPr lang="en-US" sz="1200" dirty="0">
+                <a:latin typeface="Calibri" panose="020F0502020204030204" pitchFamily="34" charset="0"/>
+                <a:cs typeface="Calibri" panose="020F0502020204030204" pitchFamily="34" charset="0"/>
+              </a:rPr>
+              <a:t>Continuous Deployment</a:t>
+            </a:r>
+            <a:endParaRPr sz="1200" dirty="0">
+              <a:solidFill>
+                <a:srgbClr val="000000"/>
+              </a:solidFill>
+              <a:latin typeface="Calibri" panose="020F0502020204030204" pitchFamily="34" charset="0"/>
+              <a:cs typeface="Calibri" panose="020F0502020204030204" pitchFamily="34" charset="0"/>
+            </a:endParaRPr>
+          </a:p>
+        </p:txBody>
+      </p:sp>
+      <p:cxnSp>
+        <p:nvCxnSpPr>
+          <p:cNvPr id="3" name="Straight Arrow Connector 2"/>
+          <p:cNvCxnSpPr>
+            <a:cxnSpLocks/>
+            <a:stCxn id="6" idx="3"/>
+            <a:endCxn id="93" idx="2"/>
+          </p:cNvCxnSpPr>
+          <p:nvPr/>
+        </p:nvCxnSpPr>
+        <p:spPr>
+          <a:xfrm>
+            <a:off x="1313232" y="2361457"/>
+            <a:ext cx="431805" cy="0"/>
+          </a:xfrm>
+          <a:prstGeom prst="straightConnector1">
+            <a:avLst/>
+          </a:prstGeom>
+          <a:ln>
+            <a:solidFill>
+              <a:srgbClr val="6A99D0"/>
+            </a:solidFill>
+            <a:tailEnd type="triangle"/>
+          </a:ln>
+        </p:spPr>
+        <p:style>
+          <a:lnRef idx="1">
+            <a:schemeClr val="accent1"/>
+          </a:lnRef>
+          <a:fillRef idx="0">
+            <a:schemeClr val="accent1"/>
+          </a:fillRef>
+          <a:effectRef idx="0">
+            <a:schemeClr val="accent1"/>
+          </a:effectRef>
+          <a:fontRef idx="minor">
+            <a:schemeClr val="tx1"/>
+          </a:fontRef>
+        </p:style>
+      </p:cxnSp>
+      <p:cxnSp>
+        <p:nvCxnSpPr>
+          <p:cNvPr id="5" name="Straight Arrow Connector 4"/>
+          <p:cNvCxnSpPr>
+            <a:stCxn id="93" idx="4"/>
+            <a:endCxn id="91" idx="1"/>
+          </p:cNvCxnSpPr>
+          <p:nvPr/>
+        </p:nvCxnSpPr>
+        <p:spPr>
+          <a:xfrm>
+            <a:off x="2576531" y="2361457"/>
+            <a:ext cx="412844" cy="1"/>
+          </a:xfrm>
+          <a:prstGeom prst="straightConnector1">
+            <a:avLst/>
+          </a:prstGeom>
+          <a:ln>
+            <a:solidFill>
+              <a:srgbClr val="6A99D0"/>
+            </a:solidFill>
+            <a:tailEnd type="triangle"/>
+          </a:ln>
+        </p:spPr>
+        <p:style>
+          <a:lnRef idx="1">
+            <a:schemeClr val="accent1"/>
+          </a:lnRef>
+          <a:fillRef idx="0">
+            <a:schemeClr val="accent1"/>
+          </a:fillRef>
+          <a:effectRef idx="0">
+            <a:schemeClr val="accent1"/>
+          </a:effectRef>
+          <a:fontRef idx="minor">
+            <a:schemeClr val="tx1"/>
+          </a:fontRef>
+        </p:style>
+      </p:cxnSp>
+      <p:cxnSp>
+        <p:nvCxnSpPr>
+          <p:cNvPr id="8" name="Straight Arrow Connector 7"/>
+          <p:cNvCxnSpPr>
+            <a:stCxn id="91" idx="3"/>
+            <a:endCxn id="92" idx="2"/>
+          </p:cNvCxnSpPr>
+          <p:nvPr/>
+        </p:nvCxnSpPr>
+        <p:spPr>
+          <a:xfrm>
+            <a:off x="4091233" y="2361458"/>
+            <a:ext cx="412844" cy="0"/>
+          </a:xfrm>
+          <a:prstGeom prst="straightConnector1">
+            <a:avLst/>
+          </a:prstGeom>
+          <a:ln>
+            <a:solidFill>
+              <a:srgbClr val="6A99D0"/>
+            </a:solidFill>
+            <a:tailEnd type="triangle"/>
+          </a:ln>
+        </p:spPr>
+        <p:style>
+          <a:lnRef idx="1">
+            <a:schemeClr val="accent1"/>
+          </a:lnRef>
+          <a:fillRef idx="0">
+            <a:schemeClr val="accent1"/>
+          </a:fillRef>
+          <a:effectRef idx="0">
+            <a:schemeClr val="accent1"/>
+          </a:effectRef>
+          <a:fontRef idx="minor">
+            <a:schemeClr val="tx1"/>
+          </a:fontRef>
+        </p:style>
+      </p:cxnSp>
+      <p:cxnSp>
+        <p:nvCxnSpPr>
+          <p:cNvPr id="11" name="Straight Arrow Connector 10"/>
+          <p:cNvCxnSpPr>
+            <a:stCxn id="92" idx="4"/>
+            <a:endCxn id="94" idx="1"/>
+          </p:cNvCxnSpPr>
+          <p:nvPr/>
+        </p:nvCxnSpPr>
+        <p:spPr>
+          <a:xfrm>
+            <a:off x="5335571" y="2361458"/>
+            <a:ext cx="412844" cy="0"/>
+          </a:xfrm>
+          <a:prstGeom prst="straightConnector1">
+            <a:avLst/>
+          </a:prstGeom>
+          <a:ln>
+            <a:solidFill>
+              <a:srgbClr val="6A99D0"/>
+            </a:solidFill>
+            <a:tailEnd type="triangle"/>
+          </a:ln>
+        </p:spPr>
+        <p:style>
+          <a:lnRef idx="1">
+            <a:schemeClr val="accent1"/>
+          </a:lnRef>
+          <a:fillRef idx="0">
+            <a:schemeClr val="accent1"/>
+          </a:fillRef>
+          <a:effectRef idx="0">
+            <a:schemeClr val="accent1"/>
+          </a:effectRef>
+          <a:fontRef idx="minor">
+            <a:schemeClr val="tx1"/>
+          </a:fontRef>
+        </p:style>
+      </p:cxnSp>
+      <p:cxnSp>
+        <p:nvCxnSpPr>
+          <p:cNvPr id="108" name="Straight Arrow Connector 107"/>
+          <p:cNvCxnSpPr>
+            <a:cxnSpLocks/>
+            <a:stCxn id="94" idx="3"/>
+            <a:endCxn id="18" idx="2"/>
+          </p:cNvCxnSpPr>
+          <p:nvPr/>
+        </p:nvCxnSpPr>
+        <p:spPr>
+          <a:xfrm flipV="1">
+            <a:off x="6850273" y="2361457"/>
+            <a:ext cx="417315" cy="1"/>
+          </a:xfrm>
+          <a:prstGeom prst="straightConnector1">
+            <a:avLst/>
+          </a:prstGeom>
+          <a:ln>
+            <a:solidFill>
+              <a:srgbClr val="6A99D0"/>
+            </a:solidFill>
+            <a:tailEnd type="triangle"/>
+          </a:ln>
+        </p:spPr>
+        <p:style>
+          <a:lnRef idx="1">
+            <a:schemeClr val="accent1"/>
+          </a:lnRef>
+          <a:fillRef idx="0">
+            <a:schemeClr val="accent1"/>
+          </a:fillRef>
+          <a:effectRef idx="0">
+            <a:schemeClr val="accent1"/>
+          </a:effectRef>
+          <a:fontRef idx="minor">
+            <a:schemeClr val="tx1"/>
+          </a:fontRef>
+        </p:style>
+      </p:cxnSp>
+      <p:sp>
+        <p:nvSpPr>
+          <p:cNvPr id="18" name="Cloud 17"/>
+          <p:cNvSpPr/>
+          <p:nvPr/>
+        </p:nvSpPr>
+        <p:spPr>
+          <a:xfrm>
+            <a:off x="7263116" y="1983756"/>
+            <a:ext cx="1441609" cy="755402"/>
+          </a:xfrm>
+          <a:prstGeom prst="cloud">
+            <a:avLst/>
+          </a:prstGeom>
+          <a:solidFill>
+            <a:schemeClr val="bg1">
+              <a:lumMod val="65000"/>
+            </a:schemeClr>
+          </a:solidFill>
+          <a:ln w="9525">
+            <a:solidFill>
+              <a:srgbClr val="6A99D0"/>
+            </a:solidFill>
+          </a:ln>
+        </p:spPr>
+        <p:style>
+          <a:lnRef idx="2">
+            <a:schemeClr val="accent1">
+              <a:shade val="50000"/>
+            </a:schemeClr>
+          </a:lnRef>
+          <a:fillRef idx="1">
+            <a:schemeClr val="accent1"/>
+          </a:fillRef>
+          <a:effectRef idx="0">
+            <a:schemeClr val="accent1"/>
+          </a:effectRef>
+          <a:fontRef idx="minor">
+            <a:schemeClr val="lt1"/>
+          </a:fontRef>
+        </p:style>
+        <p:txBody>
+          <a:bodyPr rtlCol="0" anchor="ctr"/>
+          <a:lstStyle/>
+          <a:p>
+            <a:pPr algn="ctr"/>
+            <a:r>
+              <a:rPr lang="en-US" sz="1200" dirty="0">
+                <a:latin typeface="Calibri" charset="0"/>
+                <a:ea typeface="Calibri" charset="0"/>
+                <a:cs typeface="Calibri" charset="0"/>
+              </a:rPr>
+              <a:t>Operational Cloud</a:t>
+            </a:r>
+          </a:p>
+        </p:txBody>
+      </p:sp>
+      <p:sp>
+        <p:nvSpPr>
+          <p:cNvPr id="13" name="Google Shape;259;p25">
+            <a:extLst>
+              <a:ext uri="{FF2B5EF4-FFF2-40B4-BE49-F238E27FC236}">
+                <a16:creationId xmlns:a16="http://schemas.microsoft.com/office/drawing/2014/main" id="{19828FBE-E5C6-E946-947D-274D11CC6069}"/>
+              </a:ext>
+            </a:extLst>
+          </p:cNvPr>
+          <p:cNvSpPr/>
+          <p:nvPr/>
+        </p:nvSpPr>
+        <p:spPr>
+          <a:xfrm>
+            <a:off x="5883597" y="866697"/>
+            <a:ext cx="831494" cy="755402"/>
+          </a:xfrm>
+          <a:prstGeom prst="can">
+            <a:avLst>
+              <a:gd name="adj" fmla="val 25000"/>
+            </a:avLst>
+          </a:prstGeom>
+          <a:solidFill>
+            <a:schemeClr val="bg1">
+              <a:lumMod val="65000"/>
+            </a:schemeClr>
+          </a:solidFill>
+          <a:ln w="9525" cap="flat" cmpd="sng">
+            <a:solidFill>
+              <a:srgbClr val="6A99D0"/>
+            </a:solidFill>
+            <a:prstDash val="solid"/>
+            <a:round/>
+            <a:headEnd type="none" w="sm" len="sm"/>
+            <a:tailEnd type="none" w="sm" len="sm"/>
+          </a:ln>
+          <a:effectLst>
+            <a:outerShdw blurRad="50800" dist="38100" dir="2700000" algn="tl" rotWithShape="0">
+              <a:prstClr val="black">
+                <a:alpha val="40000"/>
+              </a:prstClr>
+            </a:outerShdw>
+          </a:effectLst>
+        </p:spPr>
+        <p:txBody>
+          <a:bodyPr spcFirstLastPara="1" wrap="square" lIns="121900" tIns="121900" rIns="121900" bIns="121900" anchor="ctr" anchorCtr="0">
+            <a:noAutofit/>
+          </a:bodyPr>
+          <a:lstStyle/>
+          <a:p>
+            <a:pPr algn="ctr">
+              <a:lnSpc>
+                <a:spcPct val="90000"/>
+              </a:lnSpc>
+            </a:pPr>
+            <a:r>
+              <a:rPr lang="en-US" sz="1200" dirty="0">
+                <a:solidFill>
+                  <a:schemeClr val="bg1"/>
+                </a:solidFill>
+                <a:latin typeface="Calibri" panose="020F0502020204030204" pitchFamily="34" charset="0"/>
+                <a:cs typeface="Calibri" panose="020F0502020204030204" pitchFamily="34" charset="0"/>
+              </a:rPr>
+              <a:t>Config</a:t>
+            </a:r>
+            <a:endParaRPr sz="1200" dirty="0">
+              <a:solidFill>
+                <a:schemeClr val="bg1"/>
+              </a:solidFill>
+              <a:latin typeface="Calibri" panose="020F0502020204030204" pitchFamily="34" charset="0"/>
+              <a:cs typeface="Calibri" panose="020F0502020204030204" pitchFamily="34" charset="0"/>
+            </a:endParaRPr>
+          </a:p>
+          <a:p>
+            <a:pPr algn="ctr">
+              <a:lnSpc>
+                <a:spcPct val="90000"/>
+              </a:lnSpc>
+            </a:pPr>
+            <a:r>
+              <a:rPr lang="en" sz="1200" dirty="0">
+                <a:solidFill>
+                  <a:schemeClr val="bg1"/>
+                </a:solidFill>
+                <a:latin typeface="Calibri" panose="020F0502020204030204" pitchFamily="34" charset="0"/>
+                <a:cs typeface="Calibri" panose="020F0502020204030204" pitchFamily="34" charset="0"/>
+              </a:rPr>
+              <a:t>Repo</a:t>
+            </a:r>
+            <a:endParaRPr sz="1200" dirty="0">
+              <a:solidFill>
+                <a:schemeClr val="bg1"/>
+              </a:solidFill>
+              <a:latin typeface="Calibri" panose="020F0502020204030204" pitchFamily="34" charset="0"/>
+              <a:cs typeface="Calibri" panose="020F0502020204030204" pitchFamily="34" charset="0"/>
+            </a:endParaRPr>
+          </a:p>
+        </p:txBody>
+      </p:sp>
+      <p:cxnSp>
+        <p:nvCxnSpPr>
+          <p:cNvPr id="10" name="Straight Arrow Connector 9">
+            <a:extLst>
+              <a:ext uri="{FF2B5EF4-FFF2-40B4-BE49-F238E27FC236}">
+                <a16:creationId xmlns:a16="http://schemas.microsoft.com/office/drawing/2014/main" id="{BEF284E5-2141-2645-9263-76DDEA89D627}"/>
+              </a:ext>
+            </a:extLst>
+          </p:cNvPr>
+          <p:cNvCxnSpPr>
+            <a:stCxn id="13" idx="3"/>
+            <a:endCxn id="94" idx="0"/>
+          </p:cNvCxnSpPr>
+          <p:nvPr/>
+        </p:nvCxnSpPr>
+        <p:spPr>
+          <a:xfrm>
+            <a:off x="6299344" y="1622099"/>
+            <a:ext cx="0" cy="361658"/>
+          </a:xfrm>
+          <a:prstGeom prst="straightConnector1">
+            <a:avLst/>
+          </a:prstGeom>
+          <a:ln>
+            <a:tailEnd type="triangle"/>
+          </a:ln>
+        </p:spPr>
+        <p:style>
+          <a:lnRef idx="1">
+            <a:schemeClr val="accent1"/>
+          </a:lnRef>
+          <a:fillRef idx="0">
+            <a:schemeClr val="accent1"/>
+          </a:fillRef>
+          <a:effectRef idx="0">
+            <a:schemeClr val="accent1"/>
+          </a:effectRef>
+          <a:fontRef idx="minor">
+            <a:schemeClr val="tx1"/>
+          </a:fontRef>
+        </p:style>
+      </p:cxnSp>
+      <p:cxnSp>
+        <p:nvCxnSpPr>
+          <p:cNvPr id="4" name="Elbow Connector 3">
+            <a:extLst>
+              <a:ext uri="{FF2B5EF4-FFF2-40B4-BE49-F238E27FC236}">
+                <a16:creationId xmlns:a16="http://schemas.microsoft.com/office/drawing/2014/main" id="{B77E2DC3-8896-A944-AF2F-9F9E4B4576C1}"/>
+              </a:ext>
+            </a:extLst>
+          </p:cNvPr>
+          <p:cNvCxnSpPr>
+            <a:stCxn id="91" idx="0"/>
+            <a:endCxn id="13" idx="2"/>
+          </p:cNvCxnSpPr>
+          <p:nvPr/>
+        </p:nvCxnSpPr>
+        <p:spPr>
+          <a:xfrm rot="5400000" flipH="1" flipV="1">
+            <a:off x="4342271" y="442432"/>
+            <a:ext cx="739359" cy="2343293"/>
+          </a:xfrm>
+          <a:prstGeom prst="bentConnector2">
+            <a:avLst/>
+          </a:prstGeom>
+          <a:ln>
+            <a:tailEnd type="triangle"/>
+          </a:ln>
+        </p:spPr>
+        <p:style>
+          <a:lnRef idx="1">
+            <a:schemeClr val="accent1"/>
+          </a:lnRef>
+          <a:fillRef idx="0">
+            <a:schemeClr val="accent1"/>
+          </a:fillRef>
+          <a:effectRef idx="0">
+            <a:schemeClr val="accent1"/>
+          </a:effectRef>
+          <a:fontRef idx="minor">
+            <a:schemeClr val="tx1"/>
+          </a:fontRef>
+        </p:style>
+      </p:cxnSp>
+      <p:sp>
+        <p:nvSpPr>
+          <p:cNvPr id="17" name="TextBox 16">
+            <a:extLst>
+              <a:ext uri="{FF2B5EF4-FFF2-40B4-BE49-F238E27FC236}">
+                <a16:creationId xmlns:a16="http://schemas.microsoft.com/office/drawing/2014/main" id="{ED56DA91-F74E-D441-8A3B-EB7FBEFD07FB}"/>
+              </a:ext>
+            </a:extLst>
+          </p:cNvPr>
+          <p:cNvSpPr txBox="1"/>
+          <p:nvPr/>
+        </p:nvSpPr>
+        <p:spPr>
+          <a:xfrm>
+            <a:off x="5464019" y="0"/>
+            <a:ext cx="1670650" cy="461665"/>
+          </a:xfrm>
+          <a:prstGeom prst="rect">
+            <a:avLst/>
+          </a:prstGeom>
+          <a:noFill/>
+        </p:spPr>
+        <p:txBody>
+          <a:bodyPr wrap="none" rtlCol="0" anchor="ctr">
+            <a:spAutoFit/>
+          </a:bodyPr>
+          <a:lstStyle/>
+          <a:p>
+            <a:pPr algn="ctr"/>
+            <a:r>
+              <a:rPr lang="en-US" sz="1200" i="1" dirty="0">
+                <a:latin typeface="Calibri" panose="020F0502020204030204" pitchFamily="34" charset="0"/>
+                <a:cs typeface="Calibri" panose="020F0502020204030204" pitchFamily="34" charset="0"/>
+              </a:rPr>
+              <a:t>Operators </a:t>
+            </a:r>
+          </a:p>
+          <a:p>
+            <a:pPr algn="ctr"/>
+            <a:r>
+              <a:rPr lang="en-US" sz="1200" i="1" dirty="0">
+                <a:latin typeface="Calibri" panose="020F0502020204030204" pitchFamily="34" charset="0"/>
+                <a:cs typeface="Calibri" panose="020F0502020204030204" pitchFamily="34" charset="0"/>
+              </a:rPr>
+              <a:t>(Configuration-as-Code)</a:t>
+            </a:r>
+          </a:p>
+        </p:txBody>
+      </p:sp>
+      <p:cxnSp>
+        <p:nvCxnSpPr>
+          <p:cNvPr id="19" name="Straight Arrow Connector 18">
+            <a:extLst>
+              <a:ext uri="{FF2B5EF4-FFF2-40B4-BE49-F238E27FC236}">
+                <a16:creationId xmlns:a16="http://schemas.microsoft.com/office/drawing/2014/main" id="{CDF47E2C-5573-2841-AF1A-6C488CDDB1A8}"/>
+              </a:ext>
+            </a:extLst>
+          </p:cNvPr>
+          <p:cNvCxnSpPr>
+            <a:cxnSpLocks/>
+            <a:stCxn id="17" idx="2"/>
+            <a:endCxn id="13" idx="1"/>
+          </p:cNvCxnSpPr>
+          <p:nvPr/>
+        </p:nvCxnSpPr>
+        <p:spPr>
+          <a:xfrm>
+            <a:off x="6299344" y="461665"/>
+            <a:ext cx="0" cy="405032"/>
+          </a:xfrm>
+          <a:prstGeom prst="straightConnector1">
+            <a:avLst/>
+          </a:prstGeom>
+          <a:ln>
+            <a:tailEnd type="triangle"/>
+          </a:ln>
+        </p:spPr>
+        <p:style>
+          <a:lnRef idx="1">
+            <a:schemeClr val="accent1"/>
+          </a:lnRef>
+          <a:fillRef idx="0">
+            <a:schemeClr val="accent1"/>
+          </a:fillRef>
+          <a:effectRef idx="0">
+            <a:schemeClr val="accent1"/>
+          </a:effectRef>
+          <a:fontRef idx="minor">
+            <a:schemeClr val="tx1"/>
+          </a:fontRef>
+        </p:style>
+      </p:cxnSp>
+      <p:sp>
+        <p:nvSpPr>
+          <p:cNvPr id="6" name="TextBox 5">
+            <a:extLst>
+              <a:ext uri="{FF2B5EF4-FFF2-40B4-BE49-F238E27FC236}">
+                <a16:creationId xmlns:a16="http://schemas.microsoft.com/office/drawing/2014/main" id="{B3E23762-41F0-A5C0-AA20-928C04575C4E}"/>
+              </a:ext>
+            </a:extLst>
+          </p:cNvPr>
+          <p:cNvSpPr txBox="1"/>
+          <p:nvPr/>
+        </p:nvSpPr>
+        <p:spPr>
+          <a:xfrm>
+            <a:off x="439275" y="2222957"/>
+            <a:ext cx="873957" cy="276999"/>
+          </a:xfrm>
+          <a:prstGeom prst="rect">
+            <a:avLst/>
+          </a:prstGeom>
+          <a:noFill/>
+        </p:spPr>
+        <p:txBody>
+          <a:bodyPr wrap="none" rtlCol="0" anchor="ctr">
+            <a:spAutoFit/>
+          </a:bodyPr>
+          <a:lstStyle/>
+          <a:p>
+            <a:pPr algn="ctr"/>
+            <a:r>
+              <a:rPr lang="en-US" sz="1200" i="1" dirty="0">
+                <a:latin typeface="Calibri" panose="020F0502020204030204" pitchFamily="34" charset="0"/>
+                <a:cs typeface="Calibri" panose="020F0502020204030204" pitchFamily="34" charset="0"/>
+              </a:rPr>
+              <a:t>Developers</a:t>
+            </a:r>
+          </a:p>
+        </p:txBody>
+      </p:sp>
+    </p:spTree>
+    <p:extLst>
+      <p:ext uri="{BB962C8B-B14F-4D97-AF65-F5344CB8AC3E}">
+        <p14:creationId xmlns:p14="http://schemas.microsoft.com/office/powerpoint/2010/main" val="357200223"/>
       </p:ext>
     </p:extLst>
   </p:cSld>
@@ -22952,14 +23923,587 @@
       </p:grpSpPr>
       <p:sp>
         <p:nvSpPr>
-          <p:cNvPr id="91" name="Google Shape;282;p25"/>
+          <p:cNvPr id="3" name="Google Shape;85;p15">
+            <a:extLst>
+              <a:ext uri="{FF2B5EF4-FFF2-40B4-BE49-F238E27FC236}">
+                <a16:creationId xmlns:a16="http://schemas.microsoft.com/office/drawing/2014/main" id="{027D0731-75C1-E852-1B6A-40B7B9039723}"/>
+              </a:ext>
+            </a:extLst>
+          </p:cNvPr>
           <p:cNvSpPr/>
           <p:nvPr/>
         </p:nvSpPr>
         <p:spPr>
           <a:xfrm>
-            <a:off x="2989375" y="1983757"/>
-            <a:ext cx="1101858" cy="755401"/>
+            <a:off x="1227790" y="1918809"/>
+            <a:ext cx="1088261" cy="1666550"/>
+          </a:xfrm>
+          <a:prstGeom prst="roundRect">
+            <a:avLst>
+              <a:gd name="adj" fmla="val 16667"/>
+            </a:avLst>
+          </a:prstGeom>
+          <a:solidFill>
+            <a:schemeClr val="tx1">
+              <a:lumMod val="20000"/>
+              <a:lumOff val="80000"/>
+            </a:schemeClr>
+          </a:solidFill>
+          <a:ln>
+            <a:solidFill>
+              <a:srgbClr val="6A99D0"/>
+            </a:solidFill>
+          </a:ln>
+          <a:effectLst>
+            <a:outerShdw blurRad="50800" dist="38100" dir="2700000" algn="tl" rotWithShape="0">
+              <a:prstClr val="black">
+                <a:alpha val="40000"/>
+              </a:prstClr>
+            </a:outerShdw>
+          </a:effectLst>
+        </p:spPr>
+        <p:txBody>
+          <a:bodyPr spcFirstLastPara="1" wrap="square" lIns="121900" tIns="121900" rIns="121900" bIns="121900" anchor="t" anchorCtr="0">
+            <a:noAutofit/>
+          </a:bodyPr>
+          <a:lstStyle/>
+          <a:p>
+            <a:pPr algn="ctr"/>
+            <a:r>
+              <a:rPr lang="en-US" sz="1200" dirty="0">
+                <a:solidFill>
+                  <a:schemeClr val="tx1">
+                    <a:lumMod val="50000"/>
+                  </a:schemeClr>
+                </a:solidFill>
+                <a:latin typeface="Calibri" panose="020F0502020204030204" pitchFamily="34" charset="0"/>
+                <a:cs typeface="Calibri" panose="020F0502020204030204" pitchFamily="34" charset="0"/>
+              </a:rPr>
+              <a:t>Integration</a:t>
+            </a:r>
+          </a:p>
+          <a:p>
+            <a:pPr algn="ctr"/>
+            <a:r>
+              <a:rPr lang="en-US" sz="1200" dirty="0">
+                <a:solidFill>
+                  <a:schemeClr val="tx1">
+                    <a:lumMod val="50000"/>
+                  </a:schemeClr>
+                </a:solidFill>
+                <a:latin typeface="Calibri" panose="020F0502020204030204" pitchFamily="34" charset="0"/>
+                <a:cs typeface="Calibri" panose="020F0502020204030204" pitchFamily="34" charset="0"/>
+              </a:rPr>
+              <a:t>Gate</a:t>
+            </a:r>
+            <a:endParaRPr sz="1200" dirty="0">
+              <a:solidFill>
+                <a:schemeClr val="tx1">
+                  <a:lumMod val="50000"/>
+                </a:schemeClr>
+              </a:solidFill>
+              <a:latin typeface="Calibri" panose="020F0502020204030204" pitchFamily="34" charset="0"/>
+              <a:cs typeface="Calibri" panose="020F0502020204030204" pitchFamily="34" charset="0"/>
+            </a:endParaRPr>
+          </a:p>
+          <a:p>
+            <a:pPr algn="ctr"/>
+            <a:endParaRPr sz="1100" dirty="0">
+              <a:solidFill>
+                <a:srgbClr val="000000"/>
+              </a:solidFill>
+              <a:latin typeface="Calibri" panose="020F0502020204030204" pitchFamily="34" charset="0"/>
+              <a:cs typeface="Calibri" panose="020F0502020204030204" pitchFamily="34" charset="0"/>
+            </a:endParaRPr>
+          </a:p>
+          <a:p>
+            <a:pPr algn="ctr"/>
+            <a:endParaRPr sz="1100" dirty="0">
+              <a:solidFill>
+                <a:srgbClr val="000000"/>
+              </a:solidFill>
+              <a:latin typeface="Calibri" panose="020F0502020204030204" pitchFamily="34" charset="0"/>
+              <a:cs typeface="Calibri" panose="020F0502020204030204" pitchFamily="34" charset="0"/>
+            </a:endParaRPr>
+          </a:p>
+        </p:txBody>
+      </p:sp>
+      <p:sp>
+        <p:nvSpPr>
+          <p:cNvPr id="4" name="Google Shape;273;p25">
+            <a:extLst>
+              <a:ext uri="{FF2B5EF4-FFF2-40B4-BE49-F238E27FC236}">
+                <a16:creationId xmlns:a16="http://schemas.microsoft.com/office/drawing/2014/main" id="{2F25F416-3B05-88AB-9D92-C91A61FC83D0}"/>
+              </a:ext>
+            </a:extLst>
+          </p:cNvPr>
+          <p:cNvSpPr/>
+          <p:nvPr/>
+        </p:nvSpPr>
+        <p:spPr>
+          <a:xfrm>
+            <a:off x="7861840" y="2444330"/>
+            <a:ext cx="1144142" cy="616032"/>
+          </a:xfrm>
+          <a:prstGeom prst="roundRect">
+            <a:avLst>
+              <a:gd name="adj" fmla="val 16667"/>
+            </a:avLst>
+          </a:prstGeom>
+          <a:solidFill>
+            <a:schemeClr val="accent1">
+              <a:lumMod val="20000"/>
+              <a:lumOff val="80000"/>
+            </a:schemeClr>
+          </a:solidFill>
+          <a:ln w="9525" cap="flat" cmpd="sng">
+            <a:solidFill>
+              <a:schemeClr val="bg2">
+                <a:lumMod val="20000"/>
+                <a:lumOff val="80000"/>
+              </a:schemeClr>
+            </a:solidFill>
+            <a:prstDash val="solid"/>
+            <a:round/>
+            <a:headEnd type="none" w="sm" len="sm"/>
+            <a:tailEnd type="none" w="sm" len="sm"/>
+          </a:ln>
+          <a:effectLst>
+            <a:outerShdw blurRad="50800" dist="38100" dir="2700000" algn="tl" rotWithShape="0">
+              <a:prstClr val="black">
+                <a:alpha val="40000"/>
+              </a:prstClr>
+            </a:outerShdw>
+          </a:effectLst>
+        </p:spPr>
+        <p:txBody>
+          <a:bodyPr spcFirstLastPara="1" wrap="square" lIns="121900" tIns="121900" rIns="121900" bIns="121900" anchor="ctr" anchorCtr="0">
+            <a:noAutofit/>
+          </a:bodyPr>
+          <a:lstStyle/>
+          <a:p>
+            <a:pPr algn="ctr"/>
+            <a:r>
+              <a:rPr lang="en" sz="1200" dirty="0">
+                <a:solidFill>
+                  <a:srgbClr val="000000"/>
+                </a:solidFill>
+                <a:latin typeface="Calibri" panose="020F0502020204030204" pitchFamily="34" charset="0"/>
+                <a:cs typeface="Calibri" panose="020F0502020204030204" pitchFamily="34" charset="0"/>
+              </a:rPr>
+              <a:t>Production</a:t>
+            </a:r>
+            <a:r>
+              <a:rPr lang="en-US" sz="1200" dirty="0">
+                <a:solidFill>
+                  <a:srgbClr val="000000"/>
+                </a:solidFill>
+                <a:latin typeface="Calibri" panose="020F0502020204030204" pitchFamily="34" charset="0"/>
+                <a:cs typeface="Calibri" panose="020F0502020204030204" pitchFamily="34" charset="0"/>
+              </a:rPr>
+              <a:t> </a:t>
+            </a:r>
+            <a:r>
+              <a:rPr lang="en-US" sz="1200" dirty="0">
+                <a:latin typeface="Calibri" panose="020F0502020204030204" pitchFamily="34" charset="0"/>
+                <a:cs typeface="Calibri" panose="020F0502020204030204" pitchFamily="34" charset="0"/>
+              </a:rPr>
+              <a:t>Cluster</a:t>
+            </a:r>
+            <a:r>
+              <a:rPr lang="en-US" sz="1200" dirty="0">
+                <a:solidFill>
+                  <a:srgbClr val="000000"/>
+                </a:solidFill>
+                <a:latin typeface="Calibri" panose="020F0502020204030204" pitchFamily="34" charset="0"/>
+                <a:cs typeface="Calibri" panose="020F0502020204030204" pitchFamily="34" charset="0"/>
+              </a:rPr>
+              <a:t>s</a:t>
+            </a:r>
+            <a:endParaRPr sz="1200" dirty="0">
+              <a:solidFill>
+                <a:srgbClr val="000000"/>
+              </a:solidFill>
+              <a:latin typeface="Calibri" panose="020F0502020204030204" pitchFamily="34" charset="0"/>
+              <a:cs typeface="Calibri" panose="020F0502020204030204" pitchFamily="34" charset="0"/>
+            </a:endParaRPr>
+          </a:p>
+        </p:txBody>
+      </p:sp>
+      <p:sp>
+        <p:nvSpPr>
+          <p:cNvPr id="5" name="Google Shape;275;p25">
+            <a:extLst>
+              <a:ext uri="{FF2B5EF4-FFF2-40B4-BE49-F238E27FC236}">
+                <a16:creationId xmlns:a16="http://schemas.microsoft.com/office/drawing/2014/main" id="{2A5B3B08-D42C-AA18-F781-E5DCF526475C}"/>
+              </a:ext>
+            </a:extLst>
+          </p:cNvPr>
+          <p:cNvSpPr/>
+          <p:nvPr/>
+        </p:nvSpPr>
+        <p:spPr>
+          <a:xfrm>
+            <a:off x="5002863" y="2517461"/>
+            <a:ext cx="1192323" cy="472653"/>
+          </a:xfrm>
+          <a:prstGeom prst="roundRect">
+            <a:avLst>
+              <a:gd name="adj" fmla="val 16667"/>
+            </a:avLst>
+          </a:prstGeom>
+          <a:solidFill>
+            <a:schemeClr val="tx1">
+              <a:lumMod val="20000"/>
+              <a:lumOff val="80000"/>
+            </a:schemeClr>
+          </a:solidFill>
+          <a:ln w="9525" cap="flat" cmpd="sng">
+            <a:solidFill>
+              <a:srgbClr val="6A99D0"/>
+            </a:solidFill>
+            <a:prstDash val="solid"/>
+            <a:round/>
+            <a:headEnd type="none" w="sm" len="sm"/>
+            <a:tailEnd type="none" w="sm" len="sm"/>
+          </a:ln>
+          <a:effectLst>
+            <a:outerShdw blurRad="50800" dist="38100" dir="2700000" algn="tl" rotWithShape="0">
+              <a:prstClr val="black">
+                <a:alpha val="40000"/>
+              </a:prstClr>
+            </a:outerShdw>
+          </a:effectLst>
+        </p:spPr>
+        <p:txBody>
+          <a:bodyPr spcFirstLastPara="1" wrap="square" lIns="121900" tIns="121900" rIns="121900" bIns="121900" anchor="ctr" anchorCtr="0">
+            <a:noAutofit/>
+          </a:bodyPr>
+          <a:lstStyle/>
+          <a:p>
+            <a:pPr algn="ctr"/>
+            <a:r>
+              <a:rPr lang="en-US" sz="1200" dirty="0">
+                <a:solidFill>
+                  <a:schemeClr val="tx1">
+                    <a:lumMod val="50000"/>
+                  </a:schemeClr>
+                </a:solidFill>
+                <a:latin typeface="Calibri" panose="020F0502020204030204" pitchFamily="34" charset="0"/>
+                <a:cs typeface="Calibri" panose="020F0502020204030204" pitchFamily="34" charset="0"/>
+              </a:rPr>
+              <a:t>Construct Plan</a:t>
+            </a:r>
+          </a:p>
+          <a:p>
+            <a:pPr algn="ctr"/>
+            <a:r>
+              <a:rPr lang="en-US" sz="1000" i="1" dirty="0">
+                <a:solidFill>
+                  <a:schemeClr val="tx1">
+                    <a:lumMod val="50000"/>
+                  </a:schemeClr>
+                </a:solidFill>
+                <a:latin typeface="Calibri" panose="020F0502020204030204" pitchFamily="34" charset="0"/>
+                <a:cs typeface="Calibri" panose="020F0502020204030204" pitchFamily="34" charset="0"/>
+              </a:rPr>
+              <a:t>Deployment Gate</a:t>
+            </a:r>
+            <a:endParaRPr sz="1000" i="1" dirty="0">
+              <a:solidFill>
+                <a:schemeClr val="tx1">
+                  <a:lumMod val="50000"/>
+                </a:schemeClr>
+              </a:solidFill>
+              <a:latin typeface="Calibri" panose="020F0502020204030204" pitchFamily="34" charset="0"/>
+              <a:cs typeface="Calibri" panose="020F0502020204030204" pitchFamily="34" charset="0"/>
+            </a:endParaRPr>
+          </a:p>
+        </p:txBody>
+      </p:sp>
+      <p:sp>
+        <p:nvSpPr>
+          <p:cNvPr id="6" name="Google Shape;277;p25">
+            <a:extLst>
+              <a:ext uri="{FF2B5EF4-FFF2-40B4-BE49-F238E27FC236}">
+                <a16:creationId xmlns:a16="http://schemas.microsoft.com/office/drawing/2014/main" id="{F0E06901-3C1A-A162-E2AE-4A54FD5F0BD4}"/>
+              </a:ext>
+            </a:extLst>
+          </p:cNvPr>
+          <p:cNvSpPr/>
+          <p:nvPr/>
+        </p:nvSpPr>
+        <p:spPr>
+          <a:xfrm>
+            <a:off x="6533060" y="2517100"/>
+            <a:ext cx="908059" cy="472653"/>
+          </a:xfrm>
+          <a:prstGeom prst="roundRect">
+            <a:avLst>
+              <a:gd name="adj" fmla="val 16667"/>
+            </a:avLst>
+          </a:prstGeom>
+          <a:solidFill>
+            <a:schemeClr val="tx1">
+              <a:lumMod val="20000"/>
+              <a:lumOff val="80000"/>
+            </a:schemeClr>
+          </a:solidFill>
+          <a:ln w="9525" cap="flat" cmpd="sng">
+            <a:solidFill>
+              <a:srgbClr val="6A99D0"/>
+            </a:solidFill>
+            <a:prstDash val="solid"/>
+            <a:round/>
+            <a:headEnd type="none" w="sm" len="sm"/>
+            <a:tailEnd type="none" w="sm" len="sm"/>
+          </a:ln>
+          <a:effectLst>
+            <a:outerShdw blurRad="50800" dist="38100" dir="2700000" algn="tl" rotWithShape="0">
+              <a:prstClr val="black">
+                <a:alpha val="40000"/>
+              </a:prstClr>
+            </a:outerShdw>
+          </a:effectLst>
+        </p:spPr>
+        <p:txBody>
+          <a:bodyPr spcFirstLastPara="1" wrap="square" lIns="121900" tIns="121900" rIns="121900" bIns="121900" anchor="ctr" anchorCtr="0">
+            <a:noAutofit/>
+          </a:bodyPr>
+          <a:lstStyle/>
+          <a:p>
+            <a:pPr algn="ctr"/>
+            <a:r>
+              <a:rPr lang="en-US" sz="1200" dirty="0">
+                <a:solidFill>
+                  <a:schemeClr val="tx1">
+                    <a:lumMod val="50000"/>
+                  </a:schemeClr>
+                </a:solidFill>
+                <a:latin typeface="Calibri" panose="020F0502020204030204" pitchFamily="34" charset="0"/>
+                <a:cs typeface="Calibri" panose="020F0502020204030204" pitchFamily="34" charset="0"/>
+              </a:rPr>
+              <a:t>Execute</a:t>
+            </a:r>
+          </a:p>
+          <a:p>
+            <a:pPr algn="ctr"/>
+            <a:r>
+              <a:rPr lang="en-US" sz="1200" dirty="0">
+                <a:solidFill>
+                  <a:schemeClr val="tx1">
+                    <a:lumMod val="50000"/>
+                  </a:schemeClr>
+                </a:solidFill>
+                <a:latin typeface="Calibri" panose="020F0502020204030204" pitchFamily="34" charset="0"/>
+                <a:cs typeface="Calibri" panose="020F0502020204030204" pitchFamily="34" charset="0"/>
+              </a:rPr>
+              <a:t>Plan</a:t>
+            </a:r>
+            <a:endParaRPr sz="1200" dirty="0">
+              <a:solidFill>
+                <a:schemeClr val="tx1">
+                  <a:lumMod val="50000"/>
+                </a:schemeClr>
+              </a:solidFill>
+              <a:latin typeface="Calibri" panose="020F0502020204030204" pitchFamily="34" charset="0"/>
+              <a:cs typeface="Calibri" panose="020F0502020204030204" pitchFamily="34" charset="0"/>
+            </a:endParaRPr>
+          </a:p>
+        </p:txBody>
+      </p:sp>
+      <p:cxnSp>
+        <p:nvCxnSpPr>
+          <p:cNvPr id="7" name="Google Shape;278;p25">
+            <a:extLst>
+              <a:ext uri="{FF2B5EF4-FFF2-40B4-BE49-F238E27FC236}">
+                <a16:creationId xmlns:a16="http://schemas.microsoft.com/office/drawing/2014/main" id="{1C1E3E41-6B49-27F8-2624-665ACD0CF5F7}"/>
+              </a:ext>
+            </a:extLst>
+          </p:cNvPr>
+          <p:cNvCxnSpPr>
+            <a:cxnSpLocks/>
+            <a:stCxn id="5" idx="3"/>
+            <a:endCxn id="6" idx="1"/>
+          </p:cNvCxnSpPr>
+          <p:nvPr/>
+        </p:nvCxnSpPr>
+        <p:spPr>
+          <a:xfrm flipV="1">
+            <a:off x="6195186" y="2753427"/>
+            <a:ext cx="337874" cy="361"/>
+          </a:xfrm>
+          <a:prstGeom prst="straightConnector1">
+            <a:avLst/>
+          </a:prstGeom>
+          <a:noFill/>
+          <a:ln w="12700" cap="flat" cmpd="sng">
+            <a:solidFill>
+              <a:srgbClr val="6A99D0"/>
+            </a:solidFill>
+            <a:prstDash val="solid"/>
+            <a:round/>
+            <a:headEnd type="none" w="med" len="med"/>
+            <a:tailEnd type="triangle" w="med" len="med"/>
+          </a:ln>
+        </p:spPr>
+      </p:cxnSp>
+      <p:sp>
+        <p:nvSpPr>
+          <p:cNvPr id="8" name="Google Shape;279;p25">
+            <a:extLst>
+              <a:ext uri="{FF2B5EF4-FFF2-40B4-BE49-F238E27FC236}">
+                <a16:creationId xmlns:a16="http://schemas.microsoft.com/office/drawing/2014/main" id="{641ACA8D-80D8-5E66-686D-80ED53F9FB43}"/>
+              </a:ext>
+            </a:extLst>
+          </p:cNvPr>
+          <p:cNvSpPr/>
+          <p:nvPr/>
+        </p:nvSpPr>
+        <p:spPr>
+          <a:xfrm>
+            <a:off x="7849139" y="1636134"/>
+            <a:ext cx="1156843" cy="621549"/>
+          </a:xfrm>
+          <a:prstGeom prst="roundRect">
+            <a:avLst>
+              <a:gd name="adj" fmla="val 16667"/>
+            </a:avLst>
+          </a:prstGeom>
+          <a:solidFill>
+            <a:schemeClr val="accent1">
+              <a:lumMod val="20000"/>
+              <a:lumOff val="80000"/>
+            </a:schemeClr>
+          </a:solidFill>
+          <a:ln w="9525" cap="flat" cmpd="sng">
+            <a:solidFill>
+              <a:schemeClr val="accent3">
+                <a:lumMod val="20000"/>
+                <a:lumOff val="80000"/>
+              </a:schemeClr>
+            </a:solidFill>
+            <a:prstDash val="solid"/>
+            <a:round/>
+            <a:headEnd type="none" w="sm" len="sm"/>
+            <a:tailEnd type="none" w="sm" len="sm"/>
+          </a:ln>
+          <a:effectLst>
+            <a:outerShdw blurRad="50800" dist="38100" dir="2700000" algn="tl" rotWithShape="0">
+              <a:prstClr val="black">
+                <a:alpha val="40000"/>
+              </a:prstClr>
+            </a:outerShdw>
+          </a:effectLst>
+        </p:spPr>
+        <p:txBody>
+          <a:bodyPr spcFirstLastPara="1" wrap="square" lIns="121900" tIns="121900" rIns="121900" bIns="121900" anchor="t" anchorCtr="0">
+            <a:noAutofit/>
+          </a:bodyPr>
+          <a:lstStyle/>
+          <a:p>
+            <a:pPr algn="ctr"/>
+            <a:endParaRPr lang="en-US" sz="1200" dirty="0">
+              <a:solidFill>
+                <a:srgbClr val="000000"/>
+              </a:solidFill>
+              <a:latin typeface="Calibri" panose="020F0502020204030204" pitchFamily="34" charset="0"/>
+              <a:cs typeface="Calibri" panose="020F0502020204030204" pitchFamily="34" charset="0"/>
+            </a:endParaRPr>
+          </a:p>
+        </p:txBody>
+      </p:sp>
+      <p:sp>
+        <p:nvSpPr>
+          <p:cNvPr id="9" name="Google Shape;287;p25">
+            <a:extLst>
+              <a:ext uri="{FF2B5EF4-FFF2-40B4-BE49-F238E27FC236}">
+                <a16:creationId xmlns:a16="http://schemas.microsoft.com/office/drawing/2014/main" id="{94AFBE9E-AD7C-02DF-B796-59D6BAFBB561}"/>
+              </a:ext>
+            </a:extLst>
+          </p:cNvPr>
+          <p:cNvSpPr/>
+          <p:nvPr/>
+        </p:nvSpPr>
+        <p:spPr>
+          <a:xfrm>
+            <a:off x="7861840" y="3237174"/>
+            <a:ext cx="1144142" cy="616031"/>
+          </a:xfrm>
+          <a:prstGeom prst="roundRect">
+            <a:avLst>
+              <a:gd name="adj" fmla="val 16667"/>
+            </a:avLst>
+          </a:prstGeom>
+          <a:solidFill>
+            <a:schemeClr val="accent1">
+              <a:lumMod val="20000"/>
+              <a:lumOff val="80000"/>
+            </a:schemeClr>
+          </a:solidFill>
+          <a:ln w="9525" cap="flat" cmpd="sng">
+            <a:solidFill>
+              <a:schemeClr val="accent4">
+                <a:lumMod val="20000"/>
+                <a:lumOff val="80000"/>
+              </a:schemeClr>
+            </a:solidFill>
+            <a:prstDash val="solid"/>
+            <a:round/>
+            <a:headEnd type="none" w="sm" len="sm"/>
+            <a:tailEnd type="none" w="sm" len="sm"/>
+          </a:ln>
+          <a:effectLst>
+            <a:outerShdw blurRad="50800" dist="38100" dir="2700000" algn="tl" rotWithShape="0">
+              <a:prstClr val="black">
+                <a:alpha val="40000"/>
+              </a:prstClr>
+            </a:outerShdw>
+          </a:effectLst>
+        </p:spPr>
+        <p:txBody>
+          <a:bodyPr spcFirstLastPara="1" wrap="square" lIns="121900" tIns="121900" rIns="121900" bIns="121900" anchor="ctr" anchorCtr="0">
+            <a:noAutofit/>
+          </a:bodyPr>
+          <a:lstStyle/>
+          <a:p>
+            <a:pPr algn="ctr"/>
+            <a:r>
+              <a:rPr lang="en" sz="1200" dirty="0">
+                <a:solidFill>
+                  <a:srgbClr val="000000"/>
+                </a:solidFill>
+                <a:latin typeface="Calibri" panose="020F0502020204030204" pitchFamily="34" charset="0"/>
+                <a:cs typeface="Calibri" panose="020F0502020204030204" pitchFamily="34" charset="0"/>
+              </a:rPr>
+              <a:t>...</a:t>
+            </a:r>
+            <a:endParaRPr sz="1200" dirty="0">
+              <a:solidFill>
+                <a:srgbClr val="000000"/>
+              </a:solidFill>
+              <a:latin typeface="Calibri" panose="020F0502020204030204" pitchFamily="34" charset="0"/>
+              <a:cs typeface="Calibri" panose="020F0502020204030204" pitchFamily="34" charset="0"/>
+            </a:endParaRPr>
+          </a:p>
+        </p:txBody>
+      </p:sp>
+      <p:sp>
+        <p:nvSpPr>
+          <p:cNvPr id="10" name="Google Shape;282;p25">
+            <a:extLst>
+              <a:ext uri="{FF2B5EF4-FFF2-40B4-BE49-F238E27FC236}">
+                <a16:creationId xmlns:a16="http://schemas.microsoft.com/office/drawing/2014/main" id="{5B9F0594-C427-076C-D46D-78EDF4D9218F}"/>
+              </a:ext>
+            </a:extLst>
+          </p:cNvPr>
+          <p:cNvSpPr/>
+          <p:nvPr/>
+        </p:nvSpPr>
+        <p:spPr>
+          <a:xfrm>
+            <a:off x="2690848" y="2517099"/>
+            <a:ext cx="1007470" cy="472654"/>
           </a:xfrm>
           <a:prstGeom prst="roundRect">
             <a:avLst>
@@ -23001,11 +24545,102 @@
                 <a:latin typeface="Calibri" panose="020F0502020204030204" pitchFamily="34" charset="0"/>
                 <a:cs typeface="Calibri" panose="020F0502020204030204" pitchFamily="34" charset="0"/>
               </a:rPr>
-              <a:t>Continuous Integration</a:t>
+              <a:t>Build</a:t>
+            </a:r>
+          </a:p>
+        </p:txBody>
+      </p:sp>
+      <p:cxnSp>
+        <p:nvCxnSpPr>
+          <p:cNvPr id="11" name="Google Shape;289;p25">
+            <a:extLst>
+              <a:ext uri="{FF2B5EF4-FFF2-40B4-BE49-F238E27FC236}">
+                <a16:creationId xmlns:a16="http://schemas.microsoft.com/office/drawing/2014/main" id="{870B14D0-3C3B-379E-C527-8CF79DF931F1}"/>
+              </a:ext>
+            </a:extLst>
+          </p:cNvPr>
+          <p:cNvCxnSpPr>
+            <a:cxnSpLocks/>
+            <a:stCxn id="3" idx="3"/>
+            <a:endCxn id="10" idx="1"/>
+          </p:cNvCxnSpPr>
+          <p:nvPr/>
+        </p:nvCxnSpPr>
+        <p:spPr>
+          <a:xfrm>
+            <a:off x="2316051" y="2752084"/>
+            <a:ext cx="374797" cy="1342"/>
+          </a:xfrm>
+          <a:prstGeom prst="straightConnector1">
+            <a:avLst/>
+          </a:prstGeom>
+          <a:noFill/>
+          <a:ln w="9525" cap="flat" cmpd="sng">
+            <a:solidFill>
+              <a:srgbClr val="6A99D0"/>
+            </a:solidFill>
+            <a:prstDash val="solid"/>
+            <a:round/>
+            <a:headEnd type="none" w="med" len="med"/>
+            <a:tailEnd type="triangle" w="med" len="med"/>
+          </a:ln>
+        </p:spPr>
+      </p:cxnSp>
+      <p:sp>
+        <p:nvSpPr>
+          <p:cNvPr id="12" name="Google Shape;71;p15">
+            <a:extLst>
+              <a:ext uri="{FF2B5EF4-FFF2-40B4-BE49-F238E27FC236}">
+                <a16:creationId xmlns:a16="http://schemas.microsoft.com/office/drawing/2014/main" id="{EFF39E9F-9D87-0FBE-BBBF-2A6002F41FF1}"/>
+              </a:ext>
+            </a:extLst>
+          </p:cNvPr>
+          <p:cNvSpPr/>
+          <p:nvPr/>
+        </p:nvSpPr>
+        <p:spPr>
+          <a:xfrm>
+            <a:off x="1358043" y="2499086"/>
+            <a:ext cx="787067" cy="246289"/>
+          </a:xfrm>
+          <a:prstGeom prst="roundRect">
+            <a:avLst>
+              <a:gd name="adj" fmla="val 16667"/>
+            </a:avLst>
+          </a:prstGeom>
+          <a:solidFill>
+            <a:srgbClr val="6A99D0"/>
+          </a:solidFill>
+          <a:ln w="12700" cap="flat" cmpd="sng">
+            <a:solidFill>
+              <a:srgbClr val="6A99D0"/>
+            </a:solidFill>
+            <a:prstDash val="solid"/>
+            <a:round/>
+            <a:headEnd type="none" w="sm" len="sm"/>
+            <a:tailEnd type="none" w="sm" len="sm"/>
+          </a:ln>
+        </p:spPr>
+        <p:txBody>
+          <a:bodyPr spcFirstLastPara="1" wrap="square" lIns="121900" tIns="121900" rIns="121900" bIns="121900" anchor="ctr" anchorCtr="0">
+            <a:noAutofit/>
+          </a:bodyPr>
+          <a:lstStyle/>
+          <a:p>
+            <a:pPr algn="ctr"/>
+            <a:r>
+              <a:rPr lang="en" sz="1200" dirty="0">
+                <a:solidFill>
+                  <a:schemeClr val="bg1"/>
+                </a:solidFill>
+                <a:latin typeface="Calibri" panose="020F0502020204030204" pitchFamily="34" charset="0"/>
+                <a:cs typeface="Calibri" panose="020F0502020204030204" pitchFamily="34" charset="0"/>
+              </a:rPr>
+              <a:t>Testing</a:t>
             </a:r>
             <a:endParaRPr sz="1200" dirty="0">
               <a:solidFill>
-                <a:srgbClr val="000000"/>
+                <a:schemeClr val="bg1"/>
               </a:solidFill>
               <a:latin typeface="Calibri" panose="020F0502020204030204" pitchFamily="34" charset="0"/>
               <a:cs typeface="Calibri" panose="020F0502020204030204" pitchFamily="34" charset="0"/>
@@ -23015,13 +24650,510 @@
       </p:sp>
       <p:sp>
         <p:nvSpPr>
-          <p:cNvPr id="92" name="Google Shape;259;p25"/>
+          <p:cNvPr id="13" name="Google Shape;98;p15">
+            <a:extLst>
+              <a:ext uri="{FF2B5EF4-FFF2-40B4-BE49-F238E27FC236}">
+                <a16:creationId xmlns:a16="http://schemas.microsoft.com/office/drawing/2014/main" id="{4AA84DA8-E589-F751-DBE4-5715269912D3}"/>
+              </a:ext>
+            </a:extLst>
+          </p:cNvPr>
           <p:cNvSpPr/>
           <p:nvPr/>
         </p:nvSpPr>
         <p:spPr>
           <a:xfrm>
-            <a:off x="4504077" y="1983757"/>
+            <a:off x="1356377" y="3203264"/>
+            <a:ext cx="787067" cy="244927"/>
+          </a:xfrm>
+          <a:prstGeom prst="roundRect">
+            <a:avLst>
+              <a:gd name="adj" fmla="val 16667"/>
+            </a:avLst>
+          </a:prstGeom>
+          <a:solidFill>
+            <a:schemeClr val="bg1"/>
+          </a:solidFill>
+          <a:ln w="12700" cap="flat" cmpd="sng">
+            <a:solidFill>
+              <a:schemeClr val="accent1"/>
+            </a:solidFill>
+            <a:prstDash val="solid"/>
+            <a:round/>
+            <a:headEnd type="none" w="sm" len="sm"/>
+            <a:tailEnd type="none" w="sm" len="sm"/>
+          </a:ln>
+        </p:spPr>
+        <p:txBody>
+          <a:bodyPr spcFirstLastPara="1" wrap="square" lIns="121900" tIns="121900" rIns="121900" bIns="121900" anchor="ctr" anchorCtr="0">
+            <a:noAutofit/>
+          </a:bodyPr>
+          <a:lstStyle/>
+          <a:p>
+            <a:pPr algn="ctr">
+              <a:lnSpc>
+                <a:spcPct val="80000"/>
+              </a:lnSpc>
+            </a:pPr>
+            <a:r>
+              <a:rPr lang="en-US" sz="1200" dirty="0">
+                <a:latin typeface="Calibri" panose="020F0502020204030204" pitchFamily="34" charset="0"/>
+                <a:cs typeface="Calibri" panose="020F0502020204030204" pitchFamily="34" charset="0"/>
+              </a:rPr>
+              <a:t>Review</a:t>
+            </a:r>
+          </a:p>
+        </p:txBody>
+      </p:sp>
+      <p:cxnSp>
+        <p:nvCxnSpPr>
+          <p:cNvPr id="14" name="Google Shape;72;p15">
+            <a:extLst>
+              <a:ext uri="{FF2B5EF4-FFF2-40B4-BE49-F238E27FC236}">
+                <a16:creationId xmlns:a16="http://schemas.microsoft.com/office/drawing/2014/main" id="{A1B86E21-1CE7-882E-FD98-9DB9E66E30FF}"/>
+              </a:ext>
+            </a:extLst>
+          </p:cNvPr>
+          <p:cNvCxnSpPr>
+            <a:cxnSpLocks/>
+            <a:stCxn id="3" idx="2"/>
+            <a:endCxn id="21" idx="3"/>
+          </p:cNvCxnSpPr>
+          <p:nvPr/>
+        </p:nvCxnSpPr>
+        <p:spPr>
+          <a:xfrm rot="5400000" flipH="1">
+            <a:off x="919246" y="2732685"/>
+            <a:ext cx="458311" cy="1247038"/>
+          </a:xfrm>
+          <a:prstGeom prst="bentConnector3">
+            <a:avLst>
+              <a:gd name="adj1" fmla="val -49879"/>
+            </a:avLst>
+          </a:prstGeom>
+          <a:noFill/>
+          <a:ln w="12700" cap="flat" cmpd="sng">
+            <a:solidFill>
+              <a:srgbClr val="6A99D0"/>
+            </a:solidFill>
+            <a:prstDash val="sysDot"/>
+            <a:round/>
+            <a:headEnd type="none" w="med" len="med"/>
+            <a:tailEnd type="triangle" w="med" len="med"/>
+          </a:ln>
+        </p:spPr>
+      </p:cxnSp>
+      <p:cxnSp>
+        <p:nvCxnSpPr>
+          <p:cNvPr id="15" name="Elbow Connector 14">
+            <a:extLst>
+              <a:ext uri="{FF2B5EF4-FFF2-40B4-BE49-F238E27FC236}">
+                <a16:creationId xmlns:a16="http://schemas.microsoft.com/office/drawing/2014/main" id="{57F5AECB-0323-C3DD-7B47-B0EC4B83994C}"/>
+              </a:ext>
+            </a:extLst>
+          </p:cNvPr>
+          <p:cNvCxnSpPr>
+            <a:cxnSpLocks/>
+            <a:stCxn id="20" idx="1"/>
+            <a:endCxn id="21" idx="1"/>
+          </p:cNvCxnSpPr>
+          <p:nvPr/>
+        </p:nvCxnSpPr>
+        <p:spPr>
+          <a:xfrm rot="10800000" flipV="1">
+            <a:off x="524884" y="1323190"/>
+            <a:ext cx="702907" cy="1048455"/>
+          </a:xfrm>
+          <a:prstGeom prst="bentConnector2">
+            <a:avLst/>
+          </a:prstGeom>
+          <a:ln w="12700">
+            <a:solidFill>
+              <a:srgbClr val="6A99D0"/>
+            </a:solidFill>
+            <a:prstDash val="sysDot"/>
+            <a:tailEnd type="triangle"/>
+          </a:ln>
+        </p:spPr>
+        <p:style>
+          <a:lnRef idx="1">
+            <a:schemeClr val="accent1"/>
+          </a:lnRef>
+          <a:fillRef idx="0">
+            <a:schemeClr val="accent1"/>
+          </a:fillRef>
+          <a:effectRef idx="0">
+            <a:schemeClr val="accent1"/>
+          </a:effectRef>
+          <a:fontRef idx="minor">
+            <a:schemeClr val="tx1"/>
+          </a:fontRef>
+        </p:style>
+      </p:cxnSp>
+      <p:cxnSp>
+        <p:nvCxnSpPr>
+          <p:cNvPr id="16" name="Straight Arrow Connector 15">
+            <a:extLst>
+              <a:ext uri="{FF2B5EF4-FFF2-40B4-BE49-F238E27FC236}">
+                <a16:creationId xmlns:a16="http://schemas.microsoft.com/office/drawing/2014/main" id="{A46ADF3B-20E9-D05E-C9E1-E938D5DEF63B}"/>
+              </a:ext>
+            </a:extLst>
+          </p:cNvPr>
+          <p:cNvCxnSpPr>
+            <a:cxnSpLocks/>
+          </p:cNvCxnSpPr>
+          <p:nvPr/>
+        </p:nvCxnSpPr>
+        <p:spPr>
+          <a:xfrm flipV="1">
+            <a:off x="4420104" y="4417663"/>
+            <a:ext cx="4585878" cy="22336"/>
+          </a:xfrm>
+          <a:prstGeom prst="straightConnector1">
+            <a:avLst/>
+          </a:prstGeom>
+          <a:ln>
+            <a:solidFill>
+              <a:srgbClr val="6A99D0"/>
+            </a:solidFill>
+            <a:headEnd type="triangle"/>
+            <a:tailEnd type="triangle"/>
+          </a:ln>
+        </p:spPr>
+        <p:style>
+          <a:lnRef idx="1">
+            <a:schemeClr val="accent1"/>
+          </a:lnRef>
+          <a:fillRef idx="0">
+            <a:schemeClr val="accent1"/>
+          </a:fillRef>
+          <a:effectRef idx="0">
+            <a:schemeClr val="accent1"/>
+          </a:effectRef>
+          <a:fontRef idx="minor">
+            <a:schemeClr val="tx1"/>
+          </a:fontRef>
+        </p:style>
+      </p:cxnSp>
+      <p:sp>
+        <p:nvSpPr>
+          <p:cNvPr id="17" name="TextBox 16">
+            <a:extLst>
+              <a:ext uri="{FF2B5EF4-FFF2-40B4-BE49-F238E27FC236}">
+                <a16:creationId xmlns:a16="http://schemas.microsoft.com/office/drawing/2014/main" id="{2B60C99A-A6D9-5EC6-9F09-7D819ACF7C7C}"/>
+              </a:ext>
+            </a:extLst>
+          </p:cNvPr>
+          <p:cNvSpPr txBox="1"/>
+          <p:nvPr/>
+        </p:nvSpPr>
+        <p:spPr>
+          <a:xfrm>
+            <a:off x="5748522" y="4156548"/>
+            <a:ext cx="1962396" cy="307777"/>
+          </a:xfrm>
+          <a:prstGeom prst="rect">
+            <a:avLst/>
+          </a:prstGeom>
+          <a:noFill/>
+        </p:spPr>
+        <p:txBody>
+          <a:bodyPr wrap="none" rtlCol="0">
+            <a:spAutoFit/>
+          </a:bodyPr>
+          <a:lstStyle/>
+          <a:p>
+            <a:pPr algn="ctr"/>
+            <a:r>
+              <a:rPr lang="en-US" dirty="0">
+                <a:latin typeface="Calibri" panose="020F0502020204030204" pitchFamily="34" charset="0"/>
+                <a:cs typeface="Calibri" panose="020F0502020204030204" pitchFamily="34" charset="0"/>
+              </a:rPr>
+              <a:t>Continuous Deployment</a:t>
+            </a:r>
+          </a:p>
+        </p:txBody>
+      </p:sp>
+      <p:cxnSp>
+        <p:nvCxnSpPr>
+          <p:cNvPr id="18" name="Straight Arrow Connector 17">
+            <a:extLst>
+              <a:ext uri="{FF2B5EF4-FFF2-40B4-BE49-F238E27FC236}">
+                <a16:creationId xmlns:a16="http://schemas.microsoft.com/office/drawing/2014/main" id="{95514344-4428-83E3-BA2A-5AE88E6435D9}"/>
+              </a:ext>
+            </a:extLst>
+          </p:cNvPr>
+          <p:cNvCxnSpPr>
+            <a:cxnSpLocks/>
+          </p:cNvCxnSpPr>
+          <p:nvPr/>
+        </p:nvCxnSpPr>
+        <p:spPr>
+          <a:xfrm>
+            <a:off x="104602" y="4434911"/>
+            <a:ext cx="4297030" cy="4296"/>
+          </a:xfrm>
+          <a:prstGeom prst="straightConnector1">
+            <a:avLst/>
+          </a:prstGeom>
+          <a:ln>
+            <a:solidFill>
+              <a:srgbClr val="6A99D0"/>
+            </a:solidFill>
+            <a:headEnd type="triangle"/>
+            <a:tailEnd type="triangle"/>
+          </a:ln>
+        </p:spPr>
+        <p:style>
+          <a:lnRef idx="1">
+            <a:schemeClr val="accent1"/>
+          </a:lnRef>
+          <a:fillRef idx="0">
+            <a:schemeClr val="accent1"/>
+          </a:fillRef>
+          <a:effectRef idx="0">
+            <a:schemeClr val="accent1"/>
+          </a:effectRef>
+          <a:fontRef idx="minor">
+            <a:schemeClr val="tx1"/>
+          </a:fontRef>
+        </p:style>
+      </p:cxnSp>
+      <p:sp>
+        <p:nvSpPr>
+          <p:cNvPr id="19" name="TextBox 18">
+            <a:extLst>
+              <a:ext uri="{FF2B5EF4-FFF2-40B4-BE49-F238E27FC236}">
+                <a16:creationId xmlns:a16="http://schemas.microsoft.com/office/drawing/2014/main" id="{67A11DC7-3AA5-B4A6-4195-D07B6F65EFD7}"/>
+              </a:ext>
+            </a:extLst>
+          </p:cNvPr>
+          <p:cNvSpPr txBox="1"/>
+          <p:nvPr/>
+        </p:nvSpPr>
+        <p:spPr>
+          <a:xfrm>
+            <a:off x="1326370" y="4148812"/>
+            <a:ext cx="1877437" cy="307777"/>
+          </a:xfrm>
+          <a:prstGeom prst="rect">
+            <a:avLst/>
+          </a:prstGeom>
+          <a:noFill/>
+        </p:spPr>
+        <p:txBody>
+          <a:bodyPr wrap="none" rtlCol="0">
+            <a:spAutoFit/>
+          </a:bodyPr>
+          <a:lstStyle/>
+          <a:p>
+            <a:pPr algn="ctr"/>
+            <a:r>
+              <a:rPr lang="en-US" dirty="0">
+                <a:latin typeface="Calibri" panose="020F0502020204030204" pitchFamily="34" charset="0"/>
+                <a:cs typeface="Calibri" panose="020F0502020204030204" pitchFamily="34" charset="0"/>
+              </a:rPr>
+              <a:t>Continuous Integration</a:t>
+            </a:r>
+          </a:p>
+        </p:txBody>
+      </p:sp>
+      <p:sp>
+        <p:nvSpPr>
+          <p:cNvPr id="20" name="Google Shape;85;p15">
+            <a:extLst>
+              <a:ext uri="{FF2B5EF4-FFF2-40B4-BE49-F238E27FC236}">
+                <a16:creationId xmlns:a16="http://schemas.microsoft.com/office/drawing/2014/main" id="{CB935CB8-7170-627F-EEF1-E7683FB12F22}"/>
+              </a:ext>
+            </a:extLst>
+          </p:cNvPr>
+          <p:cNvSpPr/>
+          <p:nvPr/>
+        </p:nvSpPr>
+        <p:spPr>
+          <a:xfrm>
+            <a:off x="1227790" y="914400"/>
+            <a:ext cx="1088261" cy="817581"/>
+          </a:xfrm>
+          <a:prstGeom prst="roundRect">
+            <a:avLst>
+              <a:gd name="adj" fmla="val 16667"/>
+            </a:avLst>
+          </a:prstGeom>
+          <a:solidFill>
+            <a:schemeClr val="bg1">
+              <a:lumMod val="95000"/>
+            </a:schemeClr>
+          </a:solidFill>
+          <a:ln>
+            <a:solidFill>
+              <a:srgbClr val="6A99D0"/>
+            </a:solidFill>
+          </a:ln>
+          <a:effectLst>
+            <a:outerShdw blurRad="50800" dist="38100" dir="2700000" algn="tl" rotWithShape="0">
+              <a:prstClr val="black">
+                <a:alpha val="40000"/>
+              </a:prstClr>
+            </a:outerShdw>
+          </a:effectLst>
+        </p:spPr>
+        <p:txBody>
+          <a:bodyPr spcFirstLastPara="1" wrap="square" lIns="121900" tIns="121900" rIns="121900" bIns="121900" anchor="t" anchorCtr="0">
+            <a:noAutofit/>
+          </a:bodyPr>
+          <a:lstStyle/>
+          <a:p>
+            <a:pPr algn="ctr"/>
+            <a:r>
+              <a:rPr lang="en" sz="1200" dirty="0">
+                <a:solidFill>
+                  <a:schemeClr val="tx1">
+                    <a:lumMod val="50000"/>
+                  </a:schemeClr>
+                </a:solidFill>
+                <a:latin typeface="Calibri" panose="020F0502020204030204" pitchFamily="34" charset="0"/>
+                <a:cs typeface="Calibri" panose="020F0502020204030204" pitchFamily="34" charset="0"/>
+              </a:rPr>
+              <a:t>QA </a:t>
+            </a:r>
+            <a:r>
+              <a:rPr lang="en-US" sz="1200" dirty="0">
+                <a:solidFill>
+                  <a:schemeClr val="tx1">
+                    <a:lumMod val="50000"/>
+                  </a:schemeClr>
+                </a:solidFill>
+                <a:latin typeface="Calibri" panose="020F0502020204030204" pitchFamily="34" charset="0"/>
+                <a:cs typeface="Calibri" panose="020F0502020204030204" pitchFamily="34" charset="0"/>
+              </a:rPr>
+              <a:t>Cluster</a:t>
+            </a:r>
+            <a:endParaRPr sz="1200" dirty="0">
+              <a:solidFill>
+                <a:schemeClr val="tx1">
+                  <a:lumMod val="50000"/>
+                </a:schemeClr>
+              </a:solidFill>
+              <a:latin typeface="Calibri" panose="020F0502020204030204" pitchFamily="34" charset="0"/>
+              <a:cs typeface="Calibri" panose="020F0502020204030204" pitchFamily="34" charset="0"/>
+            </a:endParaRPr>
+          </a:p>
+        </p:txBody>
+      </p:sp>
+      <p:sp>
+        <p:nvSpPr>
+          <p:cNvPr id="21" name="Google Shape;259;p25">
+            <a:extLst>
+              <a:ext uri="{FF2B5EF4-FFF2-40B4-BE49-F238E27FC236}">
+                <a16:creationId xmlns:a16="http://schemas.microsoft.com/office/drawing/2014/main" id="{A3EFC213-D432-1484-92A0-0DACB4778F7D}"/>
+              </a:ext>
+            </a:extLst>
+          </p:cNvPr>
+          <p:cNvSpPr/>
+          <p:nvPr/>
+        </p:nvSpPr>
+        <p:spPr>
+          <a:xfrm>
+            <a:off x="109136" y="2371646"/>
+            <a:ext cx="831494" cy="755402"/>
+          </a:xfrm>
+          <a:prstGeom prst="can">
+            <a:avLst>
+              <a:gd name="adj" fmla="val 25000"/>
+            </a:avLst>
+          </a:prstGeom>
+          <a:solidFill>
+            <a:schemeClr val="bg1">
+              <a:lumMod val="65000"/>
+            </a:schemeClr>
+          </a:solidFill>
+          <a:ln w="9525" cap="flat" cmpd="sng">
+            <a:solidFill>
+              <a:srgbClr val="6A99D0"/>
+            </a:solidFill>
+            <a:prstDash val="solid"/>
+            <a:round/>
+            <a:headEnd type="none" w="sm" len="sm"/>
+            <a:tailEnd type="none" w="sm" len="sm"/>
+          </a:ln>
+          <a:effectLst>
+            <a:outerShdw blurRad="50800" dist="38100" dir="2700000" algn="tl" rotWithShape="0">
+              <a:prstClr val="black">
+                <a:alpha val="40000"/>
+              </a:prstClr>
+            </a:outerShdw>
+          </a:effectLst>
+        </p:spPr>
+        <p:txBody>
+          <a:bodyPr spcFirstLastPara="1" wrap="square" lIns="121900" tIns="121900" rIns="121900" bIns="121900" anchor="ctr" anchorCtr="0">
+            <a:noAutofit/>
+          </a:bodyPr>
+          <a:lstStyle/>
+          <a:p>
+            <a:pPr algn="ctr">
+              <a:lnSpc>
+                <a:spcPct val="90000"/>
+              </a:lnSpc>
+            </a:pPr>
+            <a:r>
+              <a:rPr lang="en-US" sz="1200" dirty="0">
+                <a:solidFill>
+                  <a:schemeClr val="bg1"/>
+                </a:solidFill>
+                <a:latin typeface="Calibri" panose="020F0502020204030204" pitchFamily="34" charset="0"/>
+                <a:cs typeface="Calibri" panose="020F0502020204030204" pitchFamily="34" charset="0"/>
+              </a:rPr>
+              <a:t>Code</a:t>
+            </a:r>
+            <a:endParaRPr sz="1200" dirty="0">
+              <a:solidFill>
+                <a:schemeClr val="bg1"/>
+              </a:solidFill>
+              <a:latin typeface="Calibri" panose="020F0502020204030204" pitchFamily="34" charset="0"/>
+              <a:cs typeface="Calibri" panose="020F0502020204030204" pitchFamily="34" charset="0"/>
+            </a:endParaRPr>
+          </a:p>
+          <a:p>
+            <a:pPr algn="ctr">
+              <a:lnSpc>
+                <a:spcPct val="90000"/>
+              </a:lnSpc>
+            </a:pPr>
+            <a:r>
+              <a:rPr lang="en" sz="1200" dirty="0">
+                <a:solidFill>
+                  <a:schemeClr val="bg1"/>
+                </a:solidFill>
+                <a:latin typeface="Calibri" panose="020F0502020204030204" pitchFamily="34" charset="0"/>
+                <a:cs typeface="Calibri" panose="020F0502020204030204" pitchFamily="34" charset="0"/>
+              </a:rPr>
+              <a:t>Repo</a:t>
+            </a:r>
+            <a:endParaRPr sz="1200" dirty="0">
+              <a:solidFill>
+                <a:schemeClr val="bg1"/>
+              </a:solidFill>
+              <a:latin typeface="Calibri" panose="020F0502020204030204" pitchFamily="34" charset="0"/>
+              <a:cs typeface="Calibri" panose="020F0502020204030204" pitchFamily="34" charset="0"/>
+            </a:endParaRPr>
+          </a:p>
+        </p:txBody>
+      </p:sp>
+      <p:sp>
+        <p:nvSpPr>
+          <p:cNvPr id="22" name="Google Shape;259;p25">
+            <a:extLst>
+              <a:ext uri="{FF2B5EF4-FFF2-40B4-BE49-F238E27FC236}">
+                <a16:creationId xmlns:a16="http://schemas.microsoft.com/office/drawing/2014/main" id="{7C357DB5-1A21-A7DA-DF95-7E08EE7A81ED}"/>
+              </a:ext>
+            </a:extLst>
+          </p:cNvPr>
+          <p:cNvSpPr/>
+          <p:nvPr/>
+        </p:nvSpPr>
+        <p:spPr>
+          <a:xfrm>
+            <a:off x="4004359" y="1765524"/>
             <a:ext cx="831494" cy="755402"/>
           </a:xfrm>
           <a:prstGeom prst="can">
@@ -23108,420 +25240,10 @@
       </p:sp>
       <p:sp>
         <p:nvSpPr>
-          <p:cNvPr id="93" name="Google Shape;259;p25"/>
-          <p:cNvSpPr/>
-          <p:nvPr/>
-        </p:nvSpPr>
-        <p:spPr>
-          <a:xfrm>
-            <a:off x="1745037" y="1983756"/>
-            <a:ext cx="831494" cy="755402"/>
-          </a:xfrm>
-          <a:prstGeom prst="can">
-            <a:avLst>
-              <a:gd name="adj" fmla="val 25000"/>
-            </a:avLst>
-          </a:prstGeom>
-          <a:solidFill>
-            <a:schemeClr val="bg1">
-              <a:lumMod val="65000"/>
-            </a:schemeClr>
-          </a:solidFill>
-          <a:ln w="9525" cap="flat" cmpd="sng">
-            <a:solidFill>
-              <a:srgbClr val="6A99D0"/>
-            </a:solidFill>
-            <a:prstDash val="solid"/>
-            <a:round/>
-            <a:headEnd type="none" w="sm" len="sm"/>
-            <a:tailEnd type="none" w="sm" len="sm"/>
-          </a:ln>
-          <a:effectLst>
-            <a:outerShdw blurRad="50800" dist="38100" dir="2700000" algn="tl" rotWithShape="0">
-              <a:prstClr val="black">
-                <a:alpha val="40000"/>
-              </a:prstClr>
-            </a:outerShdw>
-          </a:effectLst>
-        </p:spPr>
-        <p:txBody>
-          <a:bodyPr spcFirstLastPara="1" wrap="square" lIns="121900" tIns="121900" rIns="121900" bIns="121900" anchor="ctr" anchorCtr="0">
-            <a:noAutofit/>
-          </a:bodyPr>
-          <a:lstStyle/>
-          <a:p>
-            <a:pPr algn="ctr">
-              <a:lnSpc>
-                <a:spcPct val="90000"/>
-              </a:lnSpc>
-            </a:pPr>
-            <a:r>
-              <a:rPr lang="en-US" sz="1200" dirty="0">
-                <a:solidFill>
-                  <a:schemeClr val="bg1"/>
-                </a:solidFill>
-                <a:latin typeface="Calibri" panose="020F0502020204030204" pitchFamily="34" charset="0"/>
-                <a:cs typeface="Calibri" panose="020F0502020204030204" pitchFamily="34" charset="0"/>
-              </a:rPr>
-              <a:t>Code</a:t>
-            </a:r>
-            <a:endParaRPr sz="1200" dirty="0">
-              <a:solidFill>
-                <a:schemeClr val="bg1"/>
-              </a:solidFill>
-              <a:latin typeface="Calibri" panose="020F0502020204030204" pitchFamily="34" charset="0"/>
-              <a:cs typeface="Calibri" panose="020F0502020204030204" pitchFamily="34" charset="0"/>
-            </a:endParaRPr>
-          </a:p>
-          <a:p>
-            <a:pPr algn="ctr">
-              <a:lnSpc>
-                <a:spcPct val="90000"/>
-              </a:lnSpc>
-            </a:pPr>
-            <a:r>
-              <a:rPr lang="en" sz="1200" dirty="0">
-                <a:solidFill>
-                  <a:schemeClr val="bg1"/>
-                </a:solidFill>
-                <a:latin typeface="Calibri" panose="020F0502020204030204" pitchFamily="34" charset="0"/>
-                <a:cs typeface="Calibri" panose="020F0502020204030204" pitchFamily="34" charset="0"/>
-              </a:rPr>
-              <a:t>Repo</a:t>
-            </a:r>
-            <a:endParaRPr sz="1200" dirty="0">
-              <a:solidFill>
-                <a:schemeClr val="bg1"/>
-              </a:solidFill>
-              <a:latin typeface="Calibri" panose="020F0502020204030204" pitchFamily="34" charset="0"/>
-              <a:cs typeface="Calibri" panose="020F0502020204030204" pitchFamily="34" charset="0"/>
-            </a:endParaRPr>
-          </a:p>
-        </p:txBody>
-      </p:sp>
-      <p:sp>
-        <p:nvSpPr>
-          <p:cNvPr id="94" name="Google Shape;282;p25"/>
-          <p:cNvSpPr/>
-          <p:nvPr/>
-        </p:nvSpPr>
-        <p:spPr>
-          <a:xfrm>
-            <a:off x="5748415" y="1983757"/>
-            <a:ext cx="1101858" cy="755401"/>
-          </a:xfrm>
-          <a:prstGeom prst="roundRect">
-            <a:avLst>
-              <a:gd name="adj" fmla="val 16667"/>
-            </a:avLst>
-          </a:prstGeom>
-          <a:solidFill>
-            <a:schemeClr val="tx1">
-              <a:lumMod val="20000"/>
-              <a:lumOff val="80000"/>
-            </a:schemeClr>
-          </a:solidFill>
-          <a:ln w="9525" cap="flat" cmpd="sng">
-            <a:solidFill>
-              <a:srgbClr val="6A99D0"/>
-            </a:solidFill>
-            <a:prstDash val="solid"/>
-            <a:round/>
-            <a:headEnd type="none" w="sm" len="sm"/>
-            <a:tailEnd type="none" w="sm" len="sm"/>
-          </a:ln>
-          <a:effectLst>
-            <a:outerShdw blurRad="50800" dist="38100" dir="2700000" algn="tl" rotWithShape="0">
-              <a:prstClr val="black">
-                <a:alpha val="40000"/>
-              </a:prstClr>
-            </a:outerShdw>
-          </a:effectLst>
-        </p:spPr>
-        <p:txBody>
-          <a:bodyPr spcFirstLastPara="1" wrap="square" lIns="121900" tIns="121900" rIns="121900" bIns="121900" anchor="ctr" anchorCtr="0">
-            <a:noAutofit/>
-          </a:bodyPr>
-          <a:lstStyle/>
-          <a:p>
-            <a:pPr algn="ctr"/>
-            <a:r>
-              <a:rPr lang="en-US" sz="1200" dirty="0">
-                <a:latin typeface="Calibri" panose="020F0502020204030204" pitchFamily="34" charset="0"/>
-                <a:cs typeface="Calibri" panose="020F0502020204030204" pitchFamily="34" charset="0"/>
-              </a:rPr>
-              <a:t>Continuous Deployment</a:t>
-            </a:r>
-            <a:endParaRPr sz="1200" dirty="0">
-              <a:solidFill>
-                <a:srgbClr val="000000"/>
-              </a:solidFill>
-              <a:latin typeface="Calibri" panose="020F0502020204030204" pitchFamily="34" charset="0"/>
-              <a:cs typeface="Calibri" panose="020F0502020204030204" pitchFamily="34" charset="0"/>
-            </a:endParaRPr>
-          </a:p>
-        </p:txBody>
-      </p:sp>
-      <p:cxnSp>
-        <p:nvCxnSpPr>
-          <p:cNvPr id="3" name="Straight Arrow Connector 2"/>
-          <p:cNvCxnSpPr>
-            <a:cxnSpLocks/>
-            <a:stCxn id="6" idx="3"/>
-            <a:endCxn id="93" idx="2"/>
-          </p:cNvCxnSpPr>
-          <p:nvPr/>
-        </p:nvCxnSpPr>
-        <p:spPr>
-          <a:xfrm>
-            <a:off x="1313232" y="2361457"/>
-            <a:ext cx="431805" cy="0"/>
-          </a:xfrm>
-          <a:prstGeom prst="straightConnector1">
-            <a:avLst/>
-          </a:prstGeom>
-          <a:ln>
-            <a:solidFill>
-              <a:srgbClr val="6A99D0"/>
-            </a:solidFill>
-            <a:tailEnd type="triangle"/>
-          </a:ln>
-        </p:spPr>
-        <p:style>
-          <a:lnRef idx="1">
-            <a:schemeClr val="accent1"/>
-          </a:lnRef>
-          <a:fillRef idx="0">
-            <a:schemeClr val="accent1"/>
-          </a:fillRef>
-          <a:effectRef idx="0">
-            <a:schemeClr val="accent1"/>
-          </a:effectRef>
-          <a:fontRef idx="minor">
-            <a:schemeClr val="tx1"/>
-          </a:fontRef>
-        </p:style>
-      </p:cxnSp>
-      <p:cxnSp>
-        <p:nvCxnSpPr>
-          <p:cNvPr id="5" name="Straight Arrow Connector 4"/>
-          <p:cNvCxnSpPr>
-            <a:stCxn id="93" idx="4"/>
-            <a:endCxn id="91" idx="1"/>
-          </p:cNvCxnSpPr>
-          <p:nvPr/>
-        </p:nvCxnSpPr>
-        <p:spPr>
-          <a:xfrm>
-            <a:off x="2576531" y="2361457"/>
-            <a:ext cx="412844" cy="1"/>
-          </a:xfrm>
-          <a:prstGeom prst="straightConnector1">
-            <a:avLst/>
-          </a:prstGeom>
-          <a:ln>
-            <a:solidFill>
-              <a:srgbClr val="6A99D0"/>
-            </a:solidFill>
-            <a:tailEnd type="triangle"/>
-          </a:ln>
-        </p:spPr>
-        <p:style>
-          <a:lnRef idx="1">
-            <a:schemeClr val="accent1"/>
-          </a:lnRef>
-          <a:fillRef idx="0">
-            <a:schemeClr val="accent1"/>
-          </a:fillRef>
-          <a:effectRef idx="0">
-            <a:schemeClr val="accent1"/>
-          </a:effectRef>
-          <a:fontRef idx="minor">
-            <a:schemeClr val="tx1"/>
-          </a:fontRef>
-        </p:style>
-      </p:cxnSp>
-      <p:cxnSp>
-        <p:nvCxnSpPr>
-          <p:cNvPr id="8" name="Straight Arrow Connector 7"/>
-          <p:cNvCxnSpPr>
-            <a:stCxn id="91" idx="3"/>
-            <a:endCxn id="92" idx="2"/>
-          </p:cNvCxnSpPr>
-          <p:nvPr/>
-        </p:nvCxnSpPr>
-        <p:spPr>
-          <a:xfrm>
-            <a:off x="4091233" y="2361458"/>
-            <a:ext cx="412844" cy="0"/>
-          </a:xfrm>
-          <a:prstGeom prst="straightConnector1">
-            <a:avLst/>
-          </a:prstGeom>
-          <a:ln>
-            <a:solidFill>
-              <a:srgbClr val="6A99D0"/>
-            </a:solidFill>
-            <a:tailEnd type="triangle"/>
-          </a:ln>
-        </p:spPr>
-        <p:style>
-          <a:lnRef idx="1">
-            <a:schemeClr val="accent1"/>
-          </a:lnRef>
-          <a:fillRef idx="0">
-            <a:schemeClr val="accent1"/>
-          </a:fillRef>
-          <a:effectRef idx="0">
-            <a:schemeClr val="accent1"/>
-          </a:effectRef>
-          <a:fontRef idx="minor">
-            <a:schemeClr val="tx1"/>
-          </a:fontRef>
-        </p:style>
-      </p:cxnSp>
-      <p:cxnSp>
-        <p:nvCxnSpPr>
-          <p:cNvPr id="11" name="Straight Arrow Connector 10"/>
-          <p:cNvCxnSpPr>
-            <a:stCxn id="92" idx="4"/>
-            <a:endCxn id="94" idx="1"/>
-          </p:cNvCxnSpPr>
-          <p:nvPr/>
-        </p:nvCxnSpPr>
-        <p:spPr>
-          <a:xfrm>
-            <a:off x="5335571" y="2361458"/>
-            <a:ext cx="412844" cy="0"/>
-          </a:xfrm>
-          <a:prstGeom prst="straightConnector1">
-            <a:avLst/>
-          </a:prstGeom>
-          <a:ln>
-            <a:solidFill>
-              <a:srgbClr val="6A99D0"/>
-            </a:solidFill>
-            <a:tailEnd type="triangle"/>
-          </a:ln>
-        </p:spPr>
-        <p:style>
-          <a:lnRef idx="1">
-            <a:schemeClr val="accent1"/>
-          </a:lnRef>
-          <a:fillRef idx="0">
-            <a:schemeClr val="accent1"/>
-          </a:fillRef>
-          <a:effectRef idx="0">
-            <a:schemeClr val="accent1"/>
-          </a:effectRef>
-          <a:fontRef idx="minor">
-            <a:schemeClr val="tx1"/>
-          </a:fontRef>
-        </p:style>
-      </p:cxnSp>
-      <p:cxnSp>
-        <p:nvCxnSpPr>
-          <p:cNvPr id="108" name="Straight Arrow Connector 107"/>
-          <p:cNvCxnSpPr>
-            <a:cxnSpLocks/>
-            <a:stCxn id="94" idx="3"/>
-            <a:endCxn id="18" idx="2"/>
-          </p:cNvCxnSpPr>
-          <p:nvPr/>
-        </p:nvCxnSpPr>
-        <p:spPr>
-          <a:xfrm flipV="1">
-            <a:off x="6850273" y="2361457"/>
-            <a:ext cx="417315" cy="1"/>
-          </a:xfrm>
-          <a:prstGeom prst="straightConnector1">
-            <a:avLst/>
-          </a:prstGeom>
-          <a:ln>
-            <a:solidFill>
-              <a:srgbClr val="6A99D0"/>
-            </a:solidFill>
-            <a:tailEnd type="triangle"/>
-          </a:ln>
-        </p:spPr>
-        <p:style>
-          <a:lnRef idx="1">
-            <a:schemeClr val="accent1"/>
-          </a:lnRef>
-          <a:fillRef idx="0">
-            <a:schemeClr val="accent1"/>
-          </a:fillRef>
-          <a:effectRef idx="0">
-            <a:schemeClr val="accent1"/>
-          </a:effectRef>
-          <a:fontRef idx="minor">
-            <a:schemeClr val="tx1"/>
-          </a:fontRef>
-        </p:style>
-      </p:cxnSp>
-      <p:sp>
-        <p:nvSpPr>
-          <p:cNvPr id="18" name="Cloud 17"/>
-          <p:cNvSpPr/>
-          <p:nvPr/>
-        </p:nvSpPr>
-        <p:spPr>
-          <a:xfrm>
-            <a:off x="7263116" y="1983756"/>
-            <a:ext cx="1441609" cy="755402"/>
-          </a:xfrm>
-          <a:prstGeom prst="cloud">
-            <a:avLst/>
-          </a:prstGeom>
-          <a:solidFill>
-            <a:schemeClr val="bg1">
-              <a:lumMod val="65000"/>
-            </a:schemeClr>
-          </a:solidFill>
-          <a:ln w="9525">
-            <a:solidFill>
-              <a:srgbClr val="6A99D0"/>
-            </a:solidFill>
-          </a:ln>
-        </p:spPr>
-        <p:style>
-          <a:lnRef idx="2">
-            <a:schemeClr val="accent1">
-              <a:shade val="50000"/>
-            </a:schemeClr>
-          </a:lnRef>
-          <a:fillRef idx="1">
-            <a:schemeClr val="accent1"/>
-          </a:fillRef>
-          <a:effectRef idx="0">
-            <a:schemeClr val="accent1"/>
-          </a:effectRef>
-          <a:fontRef idx="minor">
-            <a:schemeClr val="lt1"/>
-          </a:fontRef>
-        </p:style>
-        <p:txBody>
-          <a:bodyPr rtlCol="0" anchor="ctr"/>
-          <a:lstStyle/>
-          <a:p>
-            <a:pPr algn="ctr"/>
-            <a:r>
-              <a:rPr lang="en-US" sz="1200" dirty="0">
-                <a:latin typeface="Calibri" charset="0"/>
-                <a:ea typeface="Calibri" charset="0"/>
-                <a:cs typeface="Calibri" charset="0"/>
-              </a:rPr>
-              <a:t>Operational Cloud</a:t>
-            </a:r>
-          </a:p>
-        </p:txBody>
-      </p:sp>
-      <p:sp>
-        <p:nvSpPr>
-          <p:cNvPr id="13" name="Google Shape;259;p25">
+          <p:cNvPr id="23" name="Google Shape;259;p25">
             <a:extLst>
               <a:ext uri="{FF2B5EF4-FFF2-40B4-BE49-F238E27FC236}">
-                <a16:creationId xmlns:a16="http://schemas.microsoft.com/office/drawing/2014/main" id="{19828FBE-E5C6-E946-947D-274D11CC6069}"/>
+                <a16:creationId xmlns:a16="http://schemas.microsoft.com/office/drawing/2014/main" id="{6E888144-07A3-611E-6DCA-5D54A4BDD712}"/>
               </a:ext>
             </a:extLst>
           </p:cNvPr>
@@ -23530,7 +25252,7 @@
         </p:nvSpPr>
         <p:spPr>
           <a:xfrm>
-            <a:off x="5883597" y="866697"/>
+            <a:off x="4008809" y="2984228"/>
             <a:ext cx="831494" cy="755402"/>
           </a:xfrm>
           <a:prstGeom prst="can">
@@ -23617,28 +25339,32 @@
       </p:sp>
       <p:cxnSp>
         <p:nvCxnSpPr>
-          <p:cNvPr id="10" name="Straight Arrow Connector 9">
+          <p:cNvPr id="24" name="Straight Arrow Connector 23">
             <a:extLst>
               <a:ext uri="{FF2B5EF4-FFF2-40B4-BE49-F238E27FC236}">
-                <a16:creationId xmlns:a16="http://schemas.microsoft.com/office/drawing/2014/main" id="{BEF284E5-2141-2645-9263-76DDEA89D627}"/>
+                <a16:creationId xmlns:a16="http://schemas.microsoft.com/office/drawing/2014/main" id="{7EA56E07-FDDE-4E6F-5451-6D7F96890AD8}"/>
               </a:ext>
             </a:extLst>
           </p:cNvPr>
           <p:cNvCxnSpPr>
-            <a:stCxn id="13" idx="3"/>
-            <a:endCxn id="94" idx="0"/>
+            <a:cxnSpLocks/>
+            <a:stCxn id="21" idx="4"/>
+            <a:endCxn id="3" idx="1"/>
           </p:cNvCxnSpPr>
           <p:nvPr/>
         </p:nvCxnSpPr>
         <p:spPr>
           <a:xfrm>
-            <a:off x="6299344" y="1622099"/>
-            <a:ext cx="0" cy="361658"/>
+            <a:off x="940630" y="2749347"/>
+            <a:ext cx="287160" cy="2737"/>
           </a:xfrm>
           <a:prstGeom prst="straightConnector1">
             <a:avLst/>
           </a:prstGeom>
           <a:ln>
+            <a:solidFill>
+              <a:srgbClr val="6A99D0"/>
+            </a:solidFill>
             <a:tailEnd type="triangle"/>
           </a:ln>
         </p:spPr>
@@ -23659,23 +25385,427 @@
       </p:cxnSp>
       <p:cxnSp>
         <p:nvCxnSpPr>
-          <p:cNvPr id="4" name="Elbow Connector 3">
+          <p:cNvPr id="25" name="Elbow Connector 24">
             <a:extLst>
               <a:ext uri="{FF2B5EF4-FFF2-40B4-BE49-F238E27FC236}">
-                <a16:creationId xmlns:a16="http://schemas.microsoft.com/office/drawing/2014/main" id="{B77E2DC3-8896-A944-AF2F-9F9E4B4576C1}"/>
+                <a16:creationId xmlns:a16="http://schemas.microsoft.com/office/drawing/2014/main" id="{C2F5B74B-A504-02C1-3391-C3BA2D64C1E9}"/>
               </a:ext>
             </a:extLst>
           </p:cNvPr>
           <p:cNvCxnSpPr>
-            <a:stCxn id="91" idx="0"/>
-            <a:endCxn id="13" idx="2"/>
+            <a:stCxn id="10" idx="3"/>
+            <a:endCxn id="22" idx="2"/>
+          </p:cNvCxnSpPr>
+          <p:nvPr/>
+        </p:nvCxnSpPr>
+        <p:spPr>
+          <a:xfrm flipV="1">
+            <a:off x="3698318" y="2143225"/>
+            <a:ext cx="306041" cy="610201"/>
+          </a:xfrm>
+          <a:prstGeom prst="bentConnector3">
+            <a:avLst/>
+          </a:prstGeom>
+          <a:ln>
+            <a:solidFill>
+              <a:srgbClr val="6A99D0"/>
+            </a:solidFill>
+            <a:tailEnd type="triangle"/>
+          </a:ln>
+        </p:spPr>
+        <p:style>
+          <a:lnRef idx="1">
+            <a:schemeClr val="accent1"/>
+          </a:lnRef>
+          <a:fillRef idx="0">
+            <a:schemeClr val="accent1"/>
+          </a:fillRef>
+          <a:effectRef idx="0">
+            <a:schemeClr val="accent1"/>
+          </a:effectRef>
+          <a:fontRef idx="minor">
+            <a:schemeClr val="tx1"/>
+          </a:fontRef>
+        </p:style>
+      </p:cxnSp>
+      <p:cxnSp>
+        <p:nvCxnSpPr>
+          <p:cNvPr id="26" name="Elbow Connector 25">
+            <a:extLst>
+              <a:ext uri="{FF2B5EF4-FFF2-40B4-BE49-F238E27FC236}">
+                <a16:creationId xmlns:a16="http://schemas.microsoft.com/office/drawing/2014/main" id="{2EAFD62C-8F35-257F-F836-9E541DE6AB1D}"/>
+              </a:ext>
+            </a:extLst>
+          </p:cNvPr>
+          <p:cNvCxnSpPr>
+            <a:stCxn id="10" idx="3"/>
+            <a:endCxn id="23" idx="2"/>
+          </p:cNvCxnSpPr>
+          <p:nvPr/>
+        </p:nvCxnSpPr>
+        <p:spPr>
+          <a:xfrm>
+            <a:off x="3698318" y="2753426"/>
+            <a:ext cx="310491" cy="608503"/>
+          </a:xfrm>
+          <a:prstGeom prst="bentConnector3">
+            <a:avLst/>
+          </a:prstGeom>
+          <a:ln>
+            <a:solidFill>
+              <a:srgbClr val="6A99D0"/>
+            </a:solidFill>
+            <a:tailEnd type="triangle"/>
+          </a:ln>
+        </p:spPr>
+        <p:style>
+          <a:lnRef idx="1">
+            <a:schemeClr val="accent1"/>
+          </a:lnRef>
+          <a:fillRef idx="0">
+            <a:schemeClr val="accent1"/>
+          </a:fillRef>
+          <a:effectRef idx="0">
+            <a:schemeClr val="accent1"/>
+          </a:effectRef>
+          <a:fontRef idx="minor">
+            <a:schemeClr val="tx1"/>
+          </a:fontRef>
+        </p:style>
+      </p:cxnSp>
+      <p:cxnSp>
+        <p:nvCxnSpPr>
+          <p:cNvPr id="27" name="Elbow Connector 26">
+            <a:extLst>
+              <a:ext uri="{FF2B5EF4-FFF2-40B4-BE49-F238E27FC236}">
+                <a16:creationId xmlns:a16="http://schemas.microsoft.com/office/drawing/2014/main" id="{369A34CA-D731-8147-95DA-70AD6AAE945B}"/>
+              </a:ext>
+            </a:extLst>
+          </p:cNvPr>
+          <p:cNvCxnSpPr>
+            <a:cxnSpLocks/>
+            <a:stCxn id="22" idx="3"/>
+          </p:cNvCxnSpPr>
+          <p:nvPr/>
+        </p:nvCxnSpPr>
+        <p:spPr>
+          <a:xfrm rot="16200000" flipH="1">
+            <a:off x="4644935" y="2296096"/>
+            <a:ext cx="137614" cy="587273"/>
+          </a:xfrm>
+          <a:prstGeom prst="bentConnector2">
+            <a:avLst/>
+          </a:prstGeom>
+          <a:ln>
+            <a:solidFill>
+              <a:srgbClr val="6A99D0"/>
+            </a:solidFill>
+            <a:tailEnd type="triangle"/>
+          </a:ln>
+        </p:spPr>
+        <p:style>
+          <a:lnRef idx="1">
+            <a:schemeClr val="accent1"/>
+          </a:lnRef>
+          <a:fillRef idx="0">
+            <a:schemeClr val="accent1"/>
+          </a:fillRef>
+          <a:effectRef idx="0">
+            <a:schemeClr val="accent1"/>
+          </a:effectRef>
+          <a:fontRef idx="minor">
+            <a:schemeClr val="tx1"/>
+          </a:fontRef>
+        </p:style>
+      </p:cxnSp>
+      <p:cxnSp>
+        <p:nvCxnSpPr>
+          <p:cNvPr id="28" name="Elbow Connector 27">
+            <a:extLst>
+              <a:ext uri="{FF2B5EF4-FFF2-40B4-BE49-F238E27FC236}">
+                <a16:creationId xmlns:a16="http://schemas.microsoft.com/office/drawing/2014/main" id="{F5EDABDF-2A87-C07B-0F1C-E5FA13A7F69C}"/>
+              </a:ext>
+            </a:extLst>
+          </p:cNvPr>
+          <p:cNvCxnSpPr>
+            <a:cxnSpLocks/>
+            <a:stCxn id="23" idx="1"/>
           </p:cNvCxnSpPr>
           <p:nvPr/>
         </p:nvCxnSpPr>
         <p:spPr>
           <a:xfrm rot="5400000" flipH="1" flipV="1">
-            <a:off x="4342271" y="442432"/>
-            <a:ext cx="739359" cy="2343293"/>
+            <a:off x="4654604" y="2627002"/>
+            <a:ext cx="127178" cy="587274"/>
+          </a:xfrm>
+          <a:prstGeom prst="bentConnector2">
+            <a:avLst/>
+          </a:prstGeom>
+          <a:ln>
+            <a:solidFill>
+              <a:srgbClr val="6A99D0"/>
+            </a:solidFill>
+            <a:tailEnd type="triangle"/>
+          </a:ln>
+        </p:spPr>
+        <p:style>
+          <a:lnRef idx="1">
+            <a:schemeClr val="accent1"/>
+          </a:lnRef>
+          <a:fillRef idx="0">
+            <a:schemeClr val="accent1"/>
+          </a:fillRef>
+          <a:effectRef idx="0">
+            <a:schemeClr val="accent1"/>
+          </a:effectRef>
+          <a:fontRef idx="minor">
+            <a:schemeClr val="tx1"/>
+          </a:fontRef>
+        </p:style>
+      </p:cxnSp>
+      <p:sp>
+        <p:nvSpPr>
+          <p:cNvPr id="29" name="TextBox 28">
+            <a:extLst>
+              <a:ext uri="{FF2B5EF4-FFF2-40B4-BE49-F238E27FC236}">
+                <a16:creationId xmlns:a16="http://schemas.microsoft.com/office/drawing/2014/main" id="{14DD7728-E29A-54B8-096E-E7E6C14D4F4A}"/>
+              </a:ext>
+            </a:extLst>
+          </p:cNvPr>
+          <p:cNvSpPr txBox="1"/>
+          <p:nvPr/>
+        </p:nvSpPr>
+        <p:spPr>
+          <a:xfrm>
+            <a:off x="3222506" y="3976658"/>
+            <a:ext cx="2395207" cy="276999"/>
+          </a:xfrm>
+          <a:prstGeom prst="rect">
+            <a:avLst/>
+          </a:prstGeom>
+          <a:noFill/>
+        </p:spPr>
+        <p:txBody>
+          <a:bodyPr wrap="none" rtlCol="0">
+            <a:spAutoFit/>
+          </a:bodyPr>
+          <a:lstStyle/>
+          <a:p>
+            <a:pPr algn="ctr"/>
+            <a:r>
+              <a:rPr lang="en-US" sz="1200" i="1" dirty="0">
+                <a:latin typeface="Calibri" panose="020F0502020204030204" pitchFamily="34" charset="0"/>
+                <a:cs typeface="Calibri" panose="020F0502020204030204" pitchFamily="34" charset="0"/>
+              </a:rPr>
+              <a:t>Populated by Resource Provisioning</a:t>
+            </a:r>
+          </a:p>
+        </p:txBody>
+      </p:sp>
+      <p:cxnSp>
+        <p:nvCxnSpPr>
+          <p:cNvPr id="30" name="Straight Arrow Connector 29">
+            <a:extLst>
+              <a:ext uri="{FF2B5EF4-FFF2-40B4-BE49-F238E27FC236}">
+                <a16:creationId xmlns:a16="http://schemas.microsoft.com/office/drawing/2014/main" id="{9A0A60AF-7028-DEBF-968D-25A854D284F7}"/>
+              </a:ext>
+            </a:extLst>
+          </p:cNvPr>
+          <p:cNvCxnSpPr>
+            <a:cxnSpLocks/>
+            <a:stCxn id="29" idx="0"/>
+            <a:endCxn id="23" idx="3"/>
+          </p:cNvCxnSpPr>
+          <p:nvPr/>
+        </p:nvCxnSpPr>
+        <p:spPr>
+          <a:xfrm flipV="1">
+            <a:off x="4420110" y="3739630"/>
+            <a:ext cx="4446" cy="237028"/>
+          </a:xfrm>
+          <a:prstGeom prst="straightConnector1">
+            <a:avLst/>
+          </a:prstGeom>
+          <a:ln>
+            <a:solidFill>
+              <a:srgbClr val="6A99D0"/>
+            </a:solidFill>
+            <a:tailEnd type="triangle"/>
+          </a:ln>
+        </p:spPr>
+        <p:style>
+          <a:lnRef idx="1">
+            <a:schemeClr val="accent1"/>
+          </a:lnRef>
+          <a:fillRef idx="0">
+            <a:schemeClr val="accent1"/>
+          </a:fillRef>
+          <a:effectRef idx="0">
+            <a:schemeClr val="accent1"/>
+          </a:effectRef>
+          <a:fontRef idx="minor">
+            <a:schemeClr val="tx1"/>
+          </a:fontRef>
+        </p:style>
+      </p:cxnSp>
+      <p:cxnSp>
+        <p:nvCxnSpPr>
+          <p:cNvPr id="31" name="Elbow Connector 30">
+            <a:extLst>
+              <a:ext uri="{FF2B5EF4-FFF2-40B4-BE49-F238E27FC236}">
+                <a16:creationId xmlns:a16="http://schemas.microsoft.com/office/drawing/2014/main" id="{CE12A042-45AE-69F8-7632-BAA310DBE777}"/>
+              </a:ext>
+            </a:extLst>
+          </p:cNvPr>
+          <p:cNvCxnSpPr>
+            <a:cxnSpLocks/>
+          </p:cNvCxnSpPr>
+          <p:nvPr/>
+        </p:nvCxnSpPr>
+        <p:spPr>
+          <a:xfrm flipV="1">
+            <a:off x="7441120" y="1929657"/>
+            <a:ext cx="408019" cy="728884"/>
+          </a:xfrm>
+          <a:prstGeom prst="bentConnector3">
+            <a:avLst>
+              <a:gd name="adj1" fmla="val 50000"/>
+            </a:avLst>
+          </a:prstGeom>
+          <a:ln>
+            <a:solidFill>
+              <a:srgbClr val="6A99D0"/>
+            </a:solidFill>
+            <a:tailEnd type="triangle"/>
+          </a:ln>
+        </p:spPr>
+        <p:style>
+          <a:lnRef idx="1">
+            <a:schemeClr val="accent1"/>
+          </a:lnRef>
+          <a:fillRef idx="0">
+            <a:schemeClr val="accent1"/>
+          </a:fillRef>
+          <a:effectRef idx="0">
+            <a:schemeClr val="accent1"/>
+          </a:effectRef>
+          <a:fontRef idx="minor">
+            <a:schemeClr val="tx1"/>
+          </a:fontRef>
+        </p:style>
+      </p:cxnSp>
+      <p:cxnSp>
+        <p:nvCxnSpPr>
+          <p:cNvPr id="32" name="Elbow Connector 31">
+            <a:extLst>
+              <a:ext uri="{FF2B5EF4-FFF2-40B4-BE49-F238E27FC236}">
+                <a16:creationId xmlns:a16="http://schemas.microsoft.com/office/drawing/2014/main" id="{B1C7E5D8-2D42-6DB0-8939-D04BE08EBC5E}"/>
+              </a:ext>
+            </a:extLst>
+          </p:cNvPr>
+          <p:cNvCxnSpPr>
+            <a:cxnSpLocks/>
+          </p:cNvCxnSpPr>
+          <p:nvPr/>
+        </p:nvCxnSpPr>
+        <p:spPr>
+          <a:xfrm>
+            <a:off x="7441120" y="2848313"/>
+            <a:ext cx="420720" cy="696877"/>
+          </a:xfrm>
+          <a:prstGeom prst="bentConnector3">
+            <a:avLst>
+              <a:gd name="adj1" fmla="val 50000"/>
+            </a:avLst>
+          </a:prstGeom>
+          <a:ln>
+            <a:solidFill>
+              <a:srgbClr val="6A99D0"/>
+            </a:solidFill>
+            <a:tailEnd type="triangle"/>
+          </a:ln>
+        </p:spPr>
+        <p:style>
+          <a:lnRef idx="1">
+            <a:schemeClr val="accent1"/>
+          </a:lnRef>
+          <a:fillRef idx="0">
+            <a:schemeClr val="accent1"/>
+          </a:fillRef>
+          <a:effectRef idx="0">
+            <a:schemeClr val="accent1"/>
+          </a:effectRef>
+          <a:fontRef idx="minor">
+            <a:schemeClr val="tx1"/>
+          </a:fontRef>
+        </p:style>
+      </p:cxnSp>
+      <p:cxnSp>
+        <p:nvCxnSpPr>
+          <p:cNvPr id="33" name="Straight Arrow Connector 32">
+            <a:extLst>
+              <a:ext uri="{FF2B5EF4-FFF2-40B4-BE49-F238E27FC236}">
+                <a16:creationId xmlns:a16="http://schemas.microsoft.com/office/drawing/2014/main" id="{F585F1E8-F8D5-B5D9-74EC-EDEA108DC1A5}"/>
+              </a:ext>
+            </a:extLst>
+          </p:cNvPr>
+          <p:cNvCxnSpPr>
+            <a:cxnSpLocks/>
+            <a:stCxn id="6" idx="3"/>
+            <a:endCxn id="4" idx="1"/>
+          </p:cNvCxnSpPr>
+          <p:nvPr/>
+        </p:nvCxnSpPr>
+        <p:spPr>
+          <a:xfrm flipV="1">
+            <a:off x="7441119" y="2752346"/>
+            <a:ext cx="420721" cy="1081"/>
+          </a:xfrm>
+          <a:prstGeom prst="straightConnector1">
+            <a:avLst/>
+          </a:prstGeom>
+          <a:ln>
+            <a:solidFill>
+              <a:srgbClr val="6A99D0"/>
+            </a:solidFill>
+            <a:tailEnd type="triangle"/>
+          </a:ln>
+        </p:spPr>
+        <p:style>
+          <a:lnRef idx="1">
+            <a:schemeClr val="accent1"/>
+          </a:lnRef>
+          <a:fillRef idx="0">
+            <a:schemeClr val="accent1"/>
+          </a:fillRef>
+          <a:effectRef idx="0">
+            <a:schemeClr val="accent1"/>
+          </a:effectRef>
+          <a:fontRef idx="minor">
+            <a:schemeClr val="tx1"/>
+          </a:fontRef>
+        </p:style>
+      </p:cxnSp>
+      <p:cxnSp>
+        <p:nvCxnSpPr>
+          <p:cNvPr id="34" name="Elbow Connector 33">
+            <a:extLst>
+              <a:ext uri="{FF2B5EF4-FFF2-40B4-BE49-F238E27FC236}">
+                <a16:creationId xmlns:a16="http://schemas.microsoft.com/office/drawing/2014/main" id="{E89842D4-A300-C38E-AA77-1F4C0E860768}"/>
+              </a:ext>
+            </a:extLst>
+          </p:cNvPr>
+          <p:cNvCxnSpPr>
+            <a:cxnSpLocks/>
+            <a:stCxn id="22" idx="1"/>
+            <a:endCxn id="20" idx="3"/>
+          </p:cNvCxnSpPr>
+          <p:nvPr/>
+        </p:nvCxnSpPr>
+        <p:spPr>
+          <a:xfrm rot="16200000" flipV="1">
+            <a:off x="3146913" y="492330"/>
+            <a:ext cx="442333" cy="2104055"/>
           </a:xfrm>
           <a:prstGeom prst="bentConnector2">
             <a:avLst/>
@@ -23701,10 +25831,192 @@
       </p:cxnSp>
       <p:sp>
         <p:nvSpPr>
-          <p:cNvPr id="17" name="TextBox 16">
+          <p:cNvPr id="35" name="Google Shape;71;p15">
             <a:extLst>
               <a:ext uri="{FF2B5EF4-FFF2-40B4-BE49-F238E27FC236}">
-                <a16:creationId xmlns:a16="http://schemas.microsoft.com/office/drawing/2014/main" id="{ED56DA91-F74E-D441-8A3B-EB7FBEFD07FB}"/>
+                <a16:creationId xmlns:a16="http://schemas.microsoft.com/office/drawing/2014/main" id="{2CC106CC-FD6D-5C20-EDC4-09E655C4862F}"/>
+              </a:ext>
+            </a:extLst>
+          </p:cNvPr>
+          <p:cNvSpPr/>
+          <p:nvPr/>
+        </p:nvSpPr>
+        <p:spPr>
+          <a:xfrm>
+            <a:off x="1375157" y="1371423"/>
+            <a:ext cx="787067" cy="245221"/>
+          </a:xfrm>
+          <a:prstGeom prst="roundRect">
+            <a:avLst>
+              <a:gd name="adj" fmla="val 16667"/>
+            </a:avLst>
+          </a:prstGeom>
+          <a:solidFill>
+            <a:srgbClr val="6A99D0"/>
+          </a:solidFill>
+          <a:ln w="12700" cap="flat" cmpd="sng">
+            <a:solidFill>
+              <a:srgbClr val="6A99D0"/>
+            </a:solidFill>
+            <a:prstDash val="solid"/>
+            <a:round/>
+            <a:headEnd type="none" w="sm" len="sm"/>
+            <a:tailEnd type="none" w="sm" len="sm"/>
+          </a:ln>
+        </p:spPr>
+        <p:txBody>
+          <a:bodyPr spcFirstLastPara="1" wrap="square" lIns="121900" tIns="121900" rIns="121900" bIns="121900" anchor="ctr" anchorCtr="0">
+            <a:noAutofit/>
+          </a:bodyPr>
+          <a:lstStyle/>
+          <a:p>
+            <a:pPr algn="ctr"/>
+            <a:r>
+              <a:rPr lang="en" sz="1200" dirty="0">
+                <a:solidFill>
+                  <a:schemeClr val="bg1"/>
+                </a:solidFill>
+                <a:latin typeface="Calibri" panose="020F0502020204030204" pitchFamily="34" charset="0"/>
+                <a:cs typeface="Calibri" panose="020F0502020204030204" pitchFamily="34" charset="0"/>
+              </a:rPr>
+              <a:t>Testing</a:t>
+            </a:r>
+            <a:endParaRPr sz="1200" dirty="0">
+              <a:solidFill>
+                <a:schemeClr val="bg1"/>
+              </a:solidFill>
+              <a:latin typeface="Calibri" panose="020F0502020204030204" pitchFamily="34" charset="0"/>
+              <a:cs typeface="Calibri" panose="020F0502020204030204" pitchFamily="34" charset="0"/>
+            </a:endParaRPr>
+          </a:p>
+        </p:txBody>
+      </p:sp>
+      <p:sp>
+        <p:nvSpPr>
+          <p:cNvPr id="36" name="Rounded Rectangle 35">
+            <a:extLst>
+              <a:ext uri="{FF2B5EF4-FFF2-40B4-BE49-F238E27FC236}">
+                <a16:creationId xmlns:a16="http://schemas.microsoft.com/office/drawing/2014/main" id="{0534F790-5E05-E33B-0003-37213C21DEAA}"/>
+              </a:ext>
+            </a:extLst>
+          </p:cNvPr>
+          <p:cNvSpPr/>
+          <p:nvPr/>
+        </p:nvSpPr>
+        <p:spPr>
+          <a:xfrm>
+            <a:off x="1356377" y="2857050"/>
+            <a:ext cx="787067" cy="246995"/>
+          </a:xfrm>
+          <a:prstGeom prst="roundRect">
+            <a:avLst/>
+          </a:prstGeom>
+          <a:ln w="12700">
+            <a:solidFill>
+              <a:schemeClr val="accent1"/>
+            </a:solidFill>
+          </a:ln>
+        </p:spPr>
+        <p:style>
+          <a:lnRef idx="2">
+            <a:schemeClr val="accent1"/>
+          </a:lnRef>
+          <a:fillRef idx="1">
+            <a:schemeClr val="lt1"/>
+          </a:fillRef>
+          <a:effectRef idx="0">
+            <a:schemeClr val="accent1"/>
+          </a:effectRef>
+          <a:fontRef idx="minor">
+            <a:schemeClr val="dk1"/>
+          </a:fontRef>
+        </p:style>
+        <p:txBody>
+          <a:bodyPr rtlCol="0" anchor="ctr"/>
+          <a:lstStyle/>
+          <a:p>
+            <a:pPr algn="ctr"/>
+            <a:r>
+              <a:rPr lang="en-US" sz="1200" dirty="0">
+                <a:solidFill>
+                  <a:srgbClr val="000000"/>
+                </a:solidFill>
+                <a:latin typeface="Calibri" panose="020F0502020204030204" pitchFamily="34" charset="0"/>
+                <a:cs typeface="Calibri" panose="020F0502020204030204" pitchFamily="34" charset="0"/>
+              </a:rPr>
+              <a:t>Checks</a:t>
+            </a:r>
+          </a:p>
+        </p:txBody>
+      </p:sp>
+      <p:sp>
+        <p:nvSpPr>
+          <p:cNvPr id="37" name="Google Shape;71;p15">
+            <a:extLst>
+              <a:ext uri="{FF2B5EF4-FFF2-40B4-BE49-F238E27FC236}">
+                <a16:creationId xmlns:a16="http://schemas.microsoft.com/office/drawing/2014/main" id="{B214271B-3F08-833A-4042-429DF30B34E5}"/>
+              </a:ext>
+            </a:extLst>
+          </p:cNvPr>
+          <p:cNvSpPr/>
+          <p:nvPr/>
+        </p:nvSpPr>
+        <p:spPr>
+          <a:xfrm>
+            <a:off x="8040377" y="1963971"/>
+            <a:ext cx="787067" cy="246289"/>
+          </a:xfrm>
+          <a:prstGeom prst="roundRect">
+            <a:avLst>
+              <a:gd name="adj" fmla="val 16667"/>
+            </a:avLst>
+          </a:prstGeom>
+          <a:solidFill>
+            <a:srgbClr val="6A99D0"/>
+          </a:solidFill>
+          <a:ln w="12700" cap="flat" cmpd="sng">
+            <a:solidFill>
+              <a:srgbClr val="6A99D0"/>
+            </a:solidFill>
+            <a:prstDash val="solid"/>
+            <a:round/>
+            <a:headEnd type="none" w="sm" len="sm"/>
+            <a:tailEnd type="none" w="sm" len="sm"/>
+          </a:ln>
+        </p:spPr>
+        <p:txBody>
+          <a:bodyPr spcFirstLastPara="1" wrap="square" lIns="121900" tIns="121900" rIns="121900" bIns="121900" anchor="ctr" anchorCtr="0">
+            <a:noAutofit/>
+          </a:bodyPr>
+          <a:lstStyle/>
+          <a:p>
+            <a:pPr algn="ctr"/>
+            <a:r>
+              <a:rPr lang="en" sz="1200" dirty="0">
+                <a:solidFill>
+                  <a:schemeClr val="bg1"/>
+                </a:solidFill>
+                <a:latin typeface="Calibri" panose="020F0502020204030204" pitchFamily="34" charset="0"/>
+                <a:cs typeface="Calibri" panose="020F0502020204030204" pitchFamily="34" charset="0"/>
+              </a:rPr>
+              <a:t>Testing</a:t>
+            </a:r>
+            <a:endParaRPr sz="1200" dirty="0">
+              <a:solidFill>
+                <a:schemeClr val="bg1"/>
+              </a:solidFill>
+              <a:latin typeface="Calibri" panose="020F0502020204030204" pitchFamily="34" charset="0"/>
+              <a:cs typeface="Calibri" panose="020F0502020204030204" pitchFamily="34" charset="0"/>
+            </a:endParaRPr>
+          </a:p>
+        </p:txBody>
+      </p:sp>
+      <p:sp>
+        <p:nvSpPr>
+          <p:cNvPr id="38" name="TextBox 37">
+            <a:extLst>
+              <a:ext uri="{FF2B5EF4-FFF2-40B4-BE49-F238E27FC236}">
+                <a16:creationId xmlns:a16="http://schemas.microsoft.com/office/drawing/2014/main" id="{BDE932E9-8559-FDF2-D5AA-6F1383C26518}"/>
               </a:ext>
             </a:extLst>
           </p:cNvPr>
@@ -23713,8 +26025,8 @@
         </p:nvSpPr>
         <p:spPr>
           <a:xfrm>
-            <a:off x="5464019" y="0"/>
-            <a:ext cx="1670650" cy="461665"/>
+            <a:off x="7871216" y="1650059"/>
+            <a:ext cx="1114408" cy="276999"/>
           </a:xfrm>
           <a:prstGeom prst="rect">
             <a:avLst/>
@@ -23722,110 +26034,17 @@
           <a:noFill/>
         </p:spPr>
         <p:txBody>
-          <a:bodyPr wrap="none" rtlCol="0" anchor="ctr">
+          <a:bodyPr wrap="none" rtlCol="0">
             <a:spAutoFit/>
           </a:bodyPr>
           <a:lstStyle/>
           <a:p>
-            <a:pPr algn="ctr"/>
             <a:r>
-              <a:rPr lang="en-US" sz="1200" i="1" dirty="0">
+              <a:rPr lang="en-US" sz="1200" dirty="0">
                 <a:latin typeface="Calibri" panose="020F0502020204030204" pitchFamily="34" charset="0"/>
                 <a:cs typeface="Calibri" panose="020F0502020204030204" pitchFamily="34" charset="0"/>
               </a:rPr>
-              <a:t>Operators </a:t>
-            </a:r>
-          </a:p>
-          <a:p>
-            <a:pPr algn="ctr"/>
-            <a:r>
-              <a:rPr lang="en-US" sz="1200" i="1" dirty="0">
-                <a:latin typeface="Calibri" panose="020F0502020204030204" pitchFamily="34" charset="0"/>
-                <a:cs typeface="Calibri" panose="020F0502020204030204" pitchFamily="34" charset="0"/>
-              </a:rPr>
-              <a:t>(Configuration-as-Code)</a:t>
-            </a:r>
-          </a:p>
-        </p:txBody>
-      </p:sp>
-      <p:cxnSp>
-        <p:nvCxnSpPr>
-          <p:cNvPr id="19" name="Straight Arrow Connector 18">
-            <a:extLst>
-              <a:ext uri="{FF2B5EF4-FFF2-40B4-BE49-F238E27FC236}">
-                <a16:creationId xmlns:a16="http://schemas.microsoft.com/office/drawing/2014/main" id="{CDF47E2C-5573-2841-AF1A-6C488CDDB1A8}"/>
-              </a:ext>
-            </a:extLst>
-          </p:cNvPr>
-          <p:cNvCxnSpPr>
-            <a:cxnSpLocks/>
-            <a:stCxn id="17" idx="2"/>
-            <a:endCxn id="13" idx="1"/>
-          </p:cNvCxnSpPr>
-          <p:nvPr/>
-        </p:nvCxnSpPr>
-        <p:spPr>
-          <a:xfrm>
-            <a:off x="6299344" y="461665"/>
-            <a:ext cx="0" cy="405032"/>
-          </a:xfrm>
-          <a:prstGeom prst="straightConnector1">
-            <a:avLst/>
-          </a:prstGeom>
-          <a:ln>
-            <a:tailEnd type="triangle"/>
-          </a:ln>
-        </p:spPr>
-        <p:style>
-          <a:lnRef idx="1">
-            <a:schemeClr val="accent1"/>
-          </a:lnRef>
-          <a:fillRef idx="0">
-            <a:schemeClr val="accent1"/>
-          </a:fillRef>
-          <a:effectRef idx="0">
-            <a:schemeClr val="accent1"/>
-          </a:effectRef>
-          <a:fontRef idx="minor">
-            <a:schemeClr val="tx1"/>
-          </a:fontRef>
-        </p:style>
-      </p:cxnSp>
-      <p:sp>
-        <p:nvSpPr>
-          <p:cNvPr id="6" name="TextBox 5">
-            <a:extLst>
-              <a:ext uri="{FF2B5EF4-FFF2-40B4-BE49-F238E27FC236}">
-                <a16:creationId xmlns:a16="http://schemas.microsoft.com/office/drawing/2014/main" id="{B3E23762-41F0-A5C0-AA20-928C04575C4E}"/>
-              </a:ext>
-            </a:extLst>
-          </p:cNvPr>
-          <p:cNvSpPr txBox="1"/>
-          <p:nvPr/>
-        </p:nvSpPr>
-        <p:spPr>
-          <a:xfrm>
-            <a:off x="439275" y="2222957"/>
-            <a:ext cx="873957" cy="276999"/>
-          </a:xfrm>
-          <a:prstGeom prst="rect">
-            <a:avLst/>
-          </a:prstGeom>
-          <a:noFill/>
-        </p:spPr>
-        <p:txBody>
-          <a:bodyPr wrap="none" rtlCol="0" anchor="ctr">
-            <a:spAutoFit/>
-          </a:bodyPr>
-          <a:lstStyle/>
-          <a:p>
-            <a:pPr algn="ctr"/>
-            <a:r>
-              <a:rPr lang="en-US" sz="1200" i="1" dirty="0">
-                <a:latin typeface="Calibri" panose="020F0502020204030204" pitchFamily="34" charset="0"/>
-                <a:cs typeface="Calibri" panose="020F0502020204030204" pitchFamily="34" charset="0"/>
-              </a:rPr>
-              <a:t>Developers</a:t>
+              <a:t>Staging Cluster</a:t>
             </a:r>
           </a:p>
         </p:txBody>
@@ -23833,7 +26052,7 @@
     </p:spTree>
     <p:extLst>
       <p:ext uri="{BB962C8B-B14F-4D97-AF65-F5344CB8AC3E}">
-        <p14:creationId xmlns:p14="http://schemas.microsoft.com/office/powerpoint/2010/main" val="357200223"/>
+        <p14:creationId xmlns:p14="http://schemas.microsoft.com/office/powerpoint/2010/main" val="2255878051"/>
       </p:ext>
     </p:extLst>
   </p:cSld>

--- a/figures/ops/figures.pptx
+++ b/figures/ops/figures.pptx
@@ -2919,7 +2919,7 @@
           <a:p>
             <a:fld id="{BF4F8DC3-0006-B147-AA6D-FF436E850004}" type="datetimeFigureOut">
               <a:rPr lang="en-US" smtClean="0"/>
-              <a:t>7/29/22</a:t>
+              <a:t>8/16/22</a:t>
             </a:fld>
             <a:endParaRPr lang="en-US"/>
           </a:p>
@@ -10842,525 +10842,171 @@
           <a:chExt cx="0" cy="0"/>
         </a:xfrm>
       </p:grpSpPr>
+      <p:grpSp>
+        <p:nvGrpSpPr>
+          <p:cNvPr id="2" name="Group 1">
+            <a:extLst>
+              <a:ext uri="{FF2B5EF4-FFF2-40B4-BE49-F238E27FC236}">
+                <a16:creationId xmlns:a16="http://schemas.microsoft.com/office/drawing/2014/main" id="{02253DEA-E28B-C85C-0085-BFA7FEA3D83D}"/>
+              </a:ext>
+            </a:extLst>
+          </p:cNvPr>
+          <p:cNvGrpSpPr/>
+          <p:nvPr/>
+        </p:nvGrpSpPr>
+        <p:grpSpPr>
+          <a:xfrm>
+            <a:off x="4700074" y="2050919"/>
+            <a:ext cx="2718615" cy="1711816"/>
+            <a:chOff x="4680288" y="2251153"/>
+            <a:chExt cx="2718615" cy="1711816"/>
+          </a:xfrm>
+        </p:grpSpPr>
+        <p:sp>
+          <p:nvSpPr>
+            <p:cNvPr id="7" name="Cloud 6">
+              <a:extLst>
+                <a:ext uri="{FF2B5EF4-FFF2-40B4-BE49-F238E27FC236}">
+                  <a16:creationId xmlns:a16="http://schemas.microsoft.com/office/drawing/2014/main" id="{7024A5C5-5378-6361-E345-2EA3B206D4AC}"/>
+                </a:ext>
+              </a:extLst>
+            </p:cNvPr>
+            <p:cNvSpPr/>
+            <p:nvPr/>
+          </p:nvSpPr>
+          <p:spPr>
+            <a:xfrm>
+              <a:off x="4680288" y="3084872"/>
+              <a:ext cx="2718615" cy="878097"/>
+            </a:xfrm>
+            <a:prstGeom prst="cloud">
+              <a:avLst/>
+            </a:prstGeom>
+            <a:solidFill>
+              <a:schemeClr val="bg1">
+                <a:lumMod val="65000"/>
+              </a:schemeClr>
+            </a:solidFill>
+            <a:ln w="9525">
+              <a:solidFill>
+                <a:srgbClr val="6A99D0"/>
+              </a:solidFill>
+            </a:ln>
+          </p:spPr>
+          <p:style>
+            <a:lnRef idx="2">
+              <a:schemeClr val="accent1">
+                <a:shade val="50000"/>
+              </a:schemeClr>
+            </a:lnRef>
+            <a:fillRef idx="1">
+              <a:schemeClr val="accent1"/>
+            </a:fillRef>
+            <a:effectRef idx="0">
+              <a:schemeClr val="accent1"/>
+            </a:effectRef>
+            <a:fontRef idx="minor">
+              <a:schemeClr val="lt1"/>
+            </a:fontRef>
+          </p:style>
+          <p:txBody>
+            <a:bodyPr rtlCol="0" anchor="ctr"/>
+            <a:lstStyle/>
+            <a:p>
+              <a:pPr algn="ctr"/>
+              <a:r>
+                <a:rPr lang="en-US" sz="1600" dirty="0">
+                  <a:latin typeface="Calibri" charset="0"/>
+                  <a:ea typeface="Calibri" charset="0"/>
+                  <a:cs typeface="Calibri" charset="0"/>
+                </a:rPr>
+                <a:t>Physical Hardware</a:t>
+              </a:r>
+            </a:p>
+          </p:txBody>
+        </p:sp>
+        <p:sp>
+          <p:nvSpPr>
+            <p:cNvPr id="9" name="Rounded Rectangle 8">
+              <a:extLst>
+                <a:ext uri="{FF2B5EF4-FFF2-40B4-BE49-F238E27FC236}">
+                  <a16:creationId xmlns:a16="http://schemas.microsoft.com/office/drawing/2014/main" id="{AEC3C09B-E34C-A073-89E0-9F4DB68E3A83}"/>
+                </a:ext>
+              </a:extLst>
+            </p:cNvPr>
+            <p:cNvSpPr/>
+            <p:nvPr/>
+          </p:nvSpPr>
+          <p:spPr>
+            <a:xfrm>
+              <a:off x="4680288" y="2251153"/>
+              <a:ext cx="2718614" cy="1004048"/>
+            </a:xfrm>
+            <a:prstGeom prst="roundRect">
+              <a:avLst>
+                <a:gd name="adj" fmla="val 11093"/>
+              </a:avLst>
+            </a:prstGeom>
+            <a:solidFill>
+              <a:schemeClr val="accent1">
+                <a:lumMod val="20000"/>
+                <a:lumOff val="80000"/>
+              </a:schemeClr>
+            </a:solidFill>
+            <a:ln>
+              <a:noFill/>
+            </a:ln>
+          </p:spPr>
+          <p:style>
+            <a:lnRef idx="1">
+              <a:schemeClr val="accent1"/>
+            </a:lnRef>
+            <a:fillRef idx="2">
+              <a:schemeClr val="accent1"/>
+            </a:fillRef>
+            <a:effectRef idx="1">
+              <a:schemeClr val="accent1"/>
+            </a:effectRef>
+            <a:fontRef idx="minor">
+              <a:schemeClr val="dk1"/>
+            </a:fontRef>
+          </p:style>
+          <p:txBody>
+            <a:bodyPr rtlCol="0" anchor="ctr"/>
+            <a:lstStyle/>
+            <a:p>
+              <a:pPr algn="ctr"/>
+              <a:endParaRPr lang="en-US" dirty="0"/>
+            </a:p>
+            <a:p>
+              <a:pPr algn="ctr"/>
+              <a:r>
+                <a:rPr lang="en-US" i="1" dirty="0">
+                  <a:latin typeface="Calibri" panose="020F0502020204030204" pitchFamily="34" charset="0"/>
+                  <a:cs typeface="Calibri" panose="020F0502020204030204" pitchFamily="34" charset="0"/>
+                </a:rPr>
+                <a:t>Bootstrap tooling to bring a cluster into the “ready” state.</a:t>
+              </a:r>
+            </a:p>
+          </p:txBody>
+        </p:sp>
+      </p:grpSp>
       <p:sp>
         <p:nvSpPr>
-          <p:cNvPr id="91" name="Google Shape;282;p25"/>
+          <p:cNvPr id="12" name="Cloud 11">
+            <a:extLst>
+              <a:ext uri="{FF2B5EF4-FFF2-40B4-BE49-F238E27FC236}">
+                <a16:creationId xmlns:a16="http://schemas.microsoft.com/office/drawing/2014/main" id="{EB7DB971-0529-3A45-B191-9DCC3360A877}"/>
+              </a:ext>
+            </a:extLst>
+          </p:cNvPr>
           <p:cNvSpPr/>
           <p:nvPr/>
         </p:nvSpPr>
         <p:spPr>
           <a:xfrm>
-            <a:off x="2989375" y="1983757"/>
-            <a:ext cx="1101858" cy="755401"/>
-          </a:xfrm>
-          <a:prstGeom prst="roundRect">
-            <a:avLst>
-              <a:gd name="adj" fmla="val 16667"/>
-            </a:avLst>
-          </a:prstGeom>
-          <a:solidFill>
-            <a:schemeClr val="tx1">
-              <a:lumMod val="20000"/>
-              <a:lumOff val="80000"/>
-            </a:schemeClr>
-          </a:solidFill>
-          <a:ln w="9525" cap="flat" cmpd="sng">
-            <a:solidFill>
-              <a:srgbClr val="6A99D0"/>
-            </a:solidFill>
-            <a:prstDash val="solid"/>
-            <a:round/>
-            <a:headEnd type="none" w="sm" len="sm"/>
-            <a:tailEnd type="none" w="sm" len="sm"/>
-          </a:ln>
-          <a:effectLst>
-            <a:outerShdw blurRad="50800" dist="38100" dir="2700000" algn="tl" rotWithShape="0">
-              <a:prstClr val="black">
-                <a:alpha val="40000"/>
-              </a:prstClr>
-            </a:outerShdw>
-          </a:effectLst>
-        </p:spPr>
-        <p:txBody>
-          <a:bodyPr spcFirstLastPara="1" wrap="square" lIns="121900" tIns="121900" rIns="121900" bIns="121900" anchor="ctr" anchorCtr="0">
-            <a:noAutofit/>
-          </a:bodyPr>
-          <a:lstStyle/>
-          <a:p>
-            <a:pPr algn="ctr"/>
-            <a:r>
-              <a:rPr lang="en-US" sz="1200" dirty="0">
-                <a:latin typeface="Calibri" panose="020F0502020204030204" pitchFamily="34" charset="0"/>
-                <a:cs typeface="Calibri" panose="020F0502020204030204" pitchFamily="34" charset="0"/>
-              </a:rPr>
-              <a:t>Continuous Integration</a:t>
-            </a:r>
-            <a:endParaRPr sz="1200" dirty="0">
-              <a:solidFill>
-                <a:srgbClr val="000000"/>
-              </a:solidFill>
-              <a:latin typeface="Calibri" panose="020F0502020204030204" pitchFamily="34" charset="0"/>
-              <a:cs typeface="Calibri" panose="020F0502020204030204" pitchFamily="34" charset="0"/>
-            </a:endParaRPr>
-          </a:p>
-        </p:txBody>
-      </p:sp>
-      <p:sp>
-        <p:nvSpPr>
-          <p:cNvPr id="92" name="Google Shape;259;p25"/>
-          <p:cNvSpPr/>
-          <p:nvPr/>
-        </p:nvSpPr>
-        <p:spPr>
-          <a:xfrm>
-            <a:off x="4504077" y="1983757"/>
-            <a:ext cx="831494" cy="755402"/>
-          </a:xfrm>
-          <a:prstGeom prst="can">
-            <a:avLst>
-              <a:gd name="adj" fmla="val 25000"/>
-            </a:avLst>
-          </a:prstGeom>
-          <a:solidFill>
-            <a:schemeClr val="bg1">
-              <a:lumMod val="65000"/>
-            </a:schemeClr>
-          </a:solidFill>
-          <a:ln w="9525" cap="flat" cmpd="sng">
-            <a:solidFill>
-              <a:srgbClr val="6A99D0"/>
-            </a:solidFill>
-            <a:prstDash val="solid"/>
-            <a:round/>
-            <a:headEnd type="none" w="sm" len="sm"/>
-            <a:tailEnd type="none" w="sm" len="sm"/>
-          </a:ln>
-          <a:effectLst>
-            <a:outerShdw blurRad="50800" dist="38100" dir="2700000" algn="tl" rotWithShape="0">
-              <a:prstClr val="black">
-                <a:alpha val="40000"/>
-              </a:prstClr>
-            </a:outerShdw>
-          </a:effectLst>
-        </p:spPr>
-        <p:txBody>
-          <a:bodyPr spcFirstLastPara="1" wrap="square" lIns="121900" tIns="121900" rIns="121900" bIns="121900" anchor="ctr" anchorCtr="0">
-            <a:noAutofit/>
-          </a:bodyPr>
-          <a:lstStyle/>
-          <a:p>
-            <a:pPr algn="ctr">
-              <a:lnSpc>
-                <a:spcPct val="90000"/>
-              </a:lnSpc>
-            </a:pPr>
-            <a:r>
-              <a:rPr lang="en-US" sz="1200" dirty="0">
-                <a:solidFill>
-                  <a:schemeClr val="bg1"/>
-                </a:solidFill>
-                <a:latin typeface="Calibri" panose="020F0502020204030204" pitchFamily="34" charset="0"/>
-                <a:cs typeface="Calibri" panose="020F0502020204030204" pitchFamily="34" charset="0"/>
-              </a:rPr>
-              <a:t>Image</a:t>
-            </a:r>
-            <a:endParaRPr sz="1200" dirty="0">
-              <a:solidFill>
-                <a:schemeClr val="bg1"/>
-              </a:solidFill>
-              <a:latin typeface="Calibri" panose="020F0502020204030204" pitchFamily="34" charset="0"/>
-              <a:cs typeface="Calibri" panose="020F0502020204030204" pitchFamily="34" charset="0"/>
-            </a:endParaRPr>
-          </a:p>
-          <a:p>
-            <a:pPr algn="ctr">
-              <a:lnSpc>
-                <a:spcPct val="90000"/>
-              </a:lnSpc>
-            </a:pPr>
-            <a:r>
-              <a:rPr lang="en" sz="1200" dirty="0">
-                <a:solidFill>
-                  <a:schemeClr val="bg1"/>
-                </a:solidFill>
-                <a:latin typeface="Calibri" panose="020F0502020204030204" pitchFamily="34" charset="0"/>
-                <a:cs typeface="Calibri" panose="020F0502020204030204" pitchFamily="34" charset="0"/>
-              </a:rPr>
-              <a:t>Repo</a:t>
-            </a:r>
-            <a:endParaRPr sz="1200" dirty="0">
-              <a:solidFill>
-                <a:schemeClr val="bg1"/>
-              </a:solidFill>
-              <a:latin typeface="Calibri" panose="020F0502020204030204" pitchFamily="34" charset="0"/>
-              <a:cs typeface="Calibri" panose="020F0502020204030204" pitchFamily="34" charset="0"/>
-            </a:endParaRPr>
-          </a:p>
-        </p:txBody>
-      </p:sp>
-      <p:sp>
-        <p:nvSpPr>
-          <p:cNvPr id="93" name="Google Shape;259;p25"/>
-          <p:cNvSpPr/>
-          <p:nvPr/>
-        </p:nvSpPr>
-        <p:spPr>
-          <a:xfrm>
-            <a:off x="1745037" y="1983756"/>
-            <a:ext cx="831494" cy="755402"/>
-          </a:xfrm>
-          <a:prstGeom prst="can">
-            <a:avLst>
-              <a:gd name="adj" fmla="val 25000"/>
-            </a:avLst>
-          </a:prstGeom>
-          <a:solidFill>
-            <a:schemeClr val="bg1">
-              <a:lumMod val="65000"/>
-            </a:schemeClr>
-          </a:solidFill>
-          <a:ln w="9525" cap="flat" cmpd="sng">
-            <a:solidFill>
-              <a:srgbClr val="6A99D0"/>
-            </a:solidFill>
-            <a:prstDash val="solid"/>
-            <a:round/>
-            <a:headEnd type="none" w="sm" len="sm"/>
-            <a:tailEnd type="none" w="sm" len="sm"/>
-          </a:ln>
-          <a:effectLst>
-            <a:outerShdw blurRad="50800" dist="38100" dir="2700000" algn="tl" rotWithShape="0">
-              <a:prstClr val="black">
-                <a:alpha val="40000"/>
-              </a:prstClr>
-            </a:outerShdw>
-          </a:effectLst>
-        </p:spPr>
-        <p:txBody>
-          <a:bodyPr spcFirstLastPara="1" wrap="square" lIns="121900" tIns="121900" rIns="121900" bIns="121900" anchor="ctr" anchorCtr="0">
-            <a:noAutofit/>
-          </a:bodyPr>
-          <a:lstStyle/>
-          <a:p>
-            <a:pPr algn="ctr">
-              <a:lnSpc>
-                <a:spcPct val="90000"/>
-              </a:lnSpc>
-            </a:pPr>
-            <a:r>
-              <a:rPr lang="en-US" sz="1200" dirty="0">
-                <a:solidFill>
-                  <a:schemeClr val="bg1"/>
-                </a:solidFill>
-                <a:latin typeface="Calibri" panose="020F0502020204030204" pitchFamily="34" charset="0"/>
-                <a:cs typeface="Calibri" panose="020F0502020204030204" pitchFamily="34" charset="0"/>
-              </a:rPr>
-              <a:t>Code</a:t>
-            </a:r>
-            <a:endParaRPr sz="1200" dirty="0">
-              <a:solidFill>
-                <a:schemeClr val="bg1"/>
-              </a:solidFill>
-              <a:latin typeface="Calibri" panose="020F0502020204030204" pitchFamily="34" charset="0"/>
-              <a:cs typeface="Calibri" panose="020F0502020204030204" pitchFamily="34" charset="0"/>
-            </a:endParaRPr>
-          </a:p>
-          <a:p>
-            <a:pPr algn="ctr">
-              <a:lnSpc>
-                <a:spcPct val="90000"/>
-              </a:lnSpc>
-            </a:pPr>
-            <a:r>
-              <a:rPr lang="en" sz="1200" dirty="0">
-                <a:solidFill>
-                  <a:schemeClr val="bg1"/>
-                </a:solidFill>
-                <a:latin typeface="Calibri" panose="020F0502020204030204" pitchFamily="34" charset="0"/>
-                <a:cs typeface="Calibri" panose="020F0502020204030204" pitchFamily="34" charset="0"/>
-              </a:rPr>
-              <a:t>Repo</a:t>
-            </a:r>
-            <a:endParaRPr sz="1200" dirty="0">
-              <a:solidFill>
-                <a:schemeClr val="bg1"/>
-              </a:solidFill>
-              <a:latin typeface="Calibri" panose="020F0502020204030204" pitchFamily="34" charset="0"/>
-              <a:cs typeface="Calibri" panose="020F0502020204030204" pitchFamily="34" charset="0"/>
-            </a:endParaRPr>
-          </a:p>
-        </p:txBody>
-      </p:sp>
-      <p:sp>
-        <p:nvSpPr>
-          <p:cNvPr id="94" name="Google Shape;282;p25"/>
-          <p:cNvSpPr/>
-          <p:nvPr/>
-        </p:nvSpPr>
-        <p:spPr>
-          <a:xfrm>
-            <a:off x="5748415" y="1983757"/>
-            <a:ext cx="1101858" cy="755401"/>
-          </a:xfrm>
-          <a:prstGeom prst="roundRect">
-            <a:avLst>
-              <a:gd name="adj" fmla="val 16667"/>
-            </a:avLst>
-          </a:prstGeom>
-          <a:solidFill>
-            <a:schemeClr val="tx1">
-              <a:lumMod val="20000"/>
-              <a:lumOff val="80000"/>
-            </a:schemeClr>
-          </a:solidFill>
-          <a:ln w="9525" cap="flat" cmpd="sng">
-            <a:solidFill>
-              <a:srgbClr val="6A99D0"/>
-            </a:solidFill>
-            <a:prstDash val="solid"/>
-            <a:round/>
-            <a:headEnd type="none" w="sm" len="sm"/>
-            <a:tailEnd type="none" w="sm" len="sm"/>
-          </a:ln>
-          <a:effectLst>
-            <a:outerShdw blurRad="50800" dist="38100" dir="2700000" algn="tl" rotWithShape="0">
-              <a:prstClr val="black">
-                <a:alpha val="40000"/>
-              </a:prstClr>
-            </a:outerShdw>
-          </a:effectLst>
-        </p:spPr>
-        <p:txBody>
-          <a:bodyPr spcFirstLastPara="1" wrap="square" lIns="121900" tIns="121900" rIns="121900" bIns="121900" anchor="ctr" anchorCtr="0">
-            <a:noAutofit/>
-          </a:bodyPr>
-          <a:lstStyle/>
-          <a:p>
-            <a:pPr algn="ctr"/>
-            <a:r>
-              <a:rPr lang="en-US" sz="1200" dirty="0">
-                <a:latin typeface="Calibri" panose="020F0502020204030204" pitchFamily="34" charset="0"/>
-                <a:cs typeface="Calibri" panose="020F0502020204030204" pitchFamily="34" charset="0"/>
-              </a:rPr>
-              <a:t>Continuous Deployment</a:t>
-            </a:r>
-            <a:endParaRPr sz="1200" dirty="0">
-              <a:solidFill>
-                <a:srgbClr val="000000"/>
-              </a:solidFill>
-              <a:latin typeface="Calibri" panose="020F0502020204030204" pitchFamily="34" charset="0"/>
-              <a:cs typeface="Calibri" panose="020F0502020204030204" pitchFamily="34" charset="0"/>
-            </a:endParaRPr>
-          </a:p>
-        </p:txBody>
-      </p:sp>
-      <p:cxnSp>
-        <p:nvCxnSpPr>
-          <p:cNvPr id="3" name="Straight Arrow Connector 2"/>
-          <p:cNvCxnSpPr>
-            <a:cxnSpLocks/>
-            <a:stCxn id="6" idx="3"/>
-            <a:endCxn id="93" idx="2"/>
-          </p:cNvCxnSpPr>
-          <p:nvPr/>
-        </p:nvCxnSpPr>
-        <p:spPr>
-          <a:xfrm>
-            <a:off x="1313232" y="2361457"/>
-            <a:ext cx="431805" cy="0"/>
-          </a:xfrm>
-          <a:prstGeom prst="straightConnector1">
-            <a:avLst/>
-          </a:prstGeom>
-          <a:ln>
-            <a:solidFill>
-              <a:srgbClr val="6A99D0"/>
-            </a:solidFill>
-            <a:tailEnd type="triangle"/>
-          </a:ln>
-        </p:spPr>
-        <p:style>
-          <a:lnRef idx="1">
-            <a:schemeClr val="accent1"/>
-          </a:lnRef>
-          <a:fillRef idx="0">
-            <a:schemeClr val="accent1"/>
-          </a:fillRef>
-          <a:effectRef idx="0">
-            <a:schemeClr val="accent1"/>
-          </a:effectRef>
-          <a:fontRef idx="minor">
-            <a:schemeClr val="tx1"/>
-          </a:fontRef>
-        </p:style>
-      </p:cxnSp>
-      <p:cxnSp>
-        <p:nvCxnSpPr>
-          <p:cNvPr id="5" name="Straight Arrow Connector 4"/>
-          <p:cNvCxnSpPr>
-            <a:stCxn id="93" idx="4"/>
-            <a:endCxn id="91" idx="1"/>
-          </p:cNvCxnSpPr>
-          <p:nvPr/>
-        </p:nvCxnSpPr>
-        <p:spPr>
-          <a:xfrm>
-            <a:off x="2576531" y="2361457"/>
-            <a:ext cx="412844" cy="1"/>
-          </a:xfrm>
-          <a:prstGeom prst="straightConnector1">
-            <a:avLst/>
-          </a:prstGeom>
-          <a:ln>
-            <a:solidFill>
-              <a:srgbClr val="6A99D0"/>
-            </a:solidFill>
-            <a:tailEnd type="triangle"/>
-          </a:ln>
-        </p:spPr>
-        <p:style>
-          <a:lnRef idx="1">
-            <a:schemeClr val="accent1"/>
-          </a:lnRef>
-          <a:fillRef idx="0">
-            <a:schemeClr val="accent1"/>
-          </a:fillRef>
-          <a:effectRef idx="0">
-            <a:schemeClr val="accent1"/>
-          </a:effectRef>
-          <a:fontRef idx="minor">
-            <a:schemeClr val="tx1"/>
-          </a:fontRef>
-        </p:style>
-      </p:cxnSp>
-      <p:cxnSp>
-        <p:nvCxnSpPr>
-          <p:cNvPr id="8" name="Straight Arrow Connector 7"/>
-          <p:cNvCxnSpPr>
-            <a:stCxn id="91" idx="3"/>
-            <a:endCxn id="92" idx="2"/>
-          </p:cNvCxnSpPr>
-          <p:nvPr/>
-        </p:nvCxnSpPr>
-        <p:spPr>
-          <a:xfrm>
-            <a:off x="4091233" y="2361458"/>
-            <a:ext cx="412844" cy="0"/>
-          </a:xfrm>
-          <a:prstGeom prst="straightConnector1">
-            <a:avLst/>
-          </a:prstGeom>
-          <a:ln>
-            <a:solidFill>
-              <a:srgbClr val="6A99D0"/>
-            </a:solidFill>
-            <a:tailEnd type="triangle"/>
-          </a:ln>
-        </p:spPr>
-        <p:style>
-          <a:lnRef idx="1">
-            <a:schemeClr val="accent1"/>
-          </a:lnRef>
-          <a:fillRef idx="0">
-            <a:schemeClr val="accent1"/>
-          </a:fillRef>
-          <a:effectRef idx="0">
-            <a:schemeClr val="accent1"/>
-          </a:effectRef>
-          <a:fontRef idx="minor">
-            <a:schemeClr val="tx1"/>
-          </a:fontRef>
-        </p:style>
-      </p:cxnSp>
-      <p:cxnSp>
-        <p:nvCxnSpPr>
-          <p:cNvPr id="11" name="Straight Arrow Connector 10"/>
-          <p:cNvCxnSpPr>
-            <a:stCxn id="92" idx="4"/>
-            <a:endCxn id="94" idx="1"/>
-          </p:cNvCxnSpPr>
-          <p:nvPr/>
-        </p:nvCxnSpPr>
-        <p:spPr>
-          <a:xfrm>
-            <a:off x="5335571" y="2361458"/>
-            <a:ext cx="412844" cy="0"/>
-          </a:xfrm>
-          <a:prstGeom prst="straightConnector1">
-            <a:avLst/>
-          </a:prstGeom>
-          <a:ln>
-            <a:solidFill>
-              <a:srgbClr val="6A99D0"/>
-            </a:solidFill>
-            <a:tailEnd type="triangle"/>
-          </a:ln>
-        </p:spPr>
-        <p:style>
-          <a:lnRef idx="1">
-            <a:schemeClr val="accent1"/>
-          </a:lnRef>
-          <a:fillRef idx="0">
-            <a:schemeClr val="accent1"/>
-          </a:fillRef>
-          <a:effectRef idx="0">
-            <a:schemeClr val="accent1"/>
-          </a:effectRef>
-          <a:fontRef idx="minor">
-            <a:schemeClr val="tx1"/>
-          </a:fontRef>
-        </p:style>
-      </p:cxnSp>
-      <p:cxnSp>
-        <p:nvCxnSpPr>
-          <p:cNvPr id="108" name="Straight Arrow Connector 107"/>
-          <p:cNvCxnSpPr>
-            <a:cxnSpLocks/>
-            <a:stCxn id="94" idx="3"/>
-            <a:endCxn id="18" idx="2"/>
-          </p:cNvCxnSpPr>
-          <p:nvPr/>
-        </p:nvCxnSpPr>
-        <p:spPr>
-          <a:xfrm flipV="1">
-            <a:off x="6850273" y="2361457"/>
-            <a:ext cx="417315" cy="1"/>
-          </a:xfrm>
-          <a:prstGeom prst="straightConnector1">
-            <a:avLst/>
-          </a:prstGeom>
-          <a:ln>
-            <a:solidFill>
-              <a:srgbClr val="6A99D0"/>
-            </a:solidFill>
-            <a:tailEnd type="triangle"/>
-          </a:ln>
-        </p:spPr>
-        <p:style>
-          <a:lnRef idx="1">
-            <a:schemeClr val="accent1"/>
-          </a:lnRef>
-          <a:fillRef idx="0">
-            <a:schemeClr val="accent1"/>
-          </a:fillRef>
-          <a:effectRef idx="0">
-            <a:schemeClr val="accent1"/>
-          </a:effectRef>
-          <a:fontRef idx="minor">
-            <a:schemeClr val="tx1"/>
-          </a:fontRef>
-        </p:style>
-      </p:cxnSp>
-      <p:sp>
-        <p:nvSpPr>
-          <p:cNvPr id="18" name="Cloud 17"/>
-          <p:cNvSpPr/>
-          <p:nvPr/>
-        </p:nvSpPr>
-        <p:spPr>
-          <a:xfrm>
-            <a:off x="7263116" y="1983756"/>
-            <a:ext cx="1441609" cy="755402"/>
+            <a:off x="1493342" y="2048719"/>
+            <a:ext cx="2718615" cy="1651261"/>
           </a:xfrm>
           <a:prstGeom prst="cloud">
             <a:avLst/>
@@ -11398,22 +11044,22 @@
           <a:p>
             <a:pPr algn="ctr"/>
             <a:r>
-              <a:rPr lang="en-US" sz="1200" dirty="0">
+              <a:rPr lang="en-US" sz="1600" dirty="0">
                 <a:latin typeface="Calibri" charset="0"/>
                 <a:ea typeface="Calibri" charset="0"/>
                 <a:cs typeface="Calibri" charset="0"/>
               </a:rPr>
-              <a:t>Operational Cloud</a:t>
+              <a:t>Commercial Cloud</a:t>
             </a:r>
           </a:p>
         </p:txBody>
       </p:sp>
       <p:sp>
         <p:nvSpPr>
-          <p:cNvPr id="13" name="Google Shape;259;p25">
+          <p:cNvPr id="14" name="Rounded Rectangle 13">
             <a:extLst>
               <a:ext uri="{FF2B5EF4-FFF2-40B4-BE49-F238E27FC236}">
-                <a16:creationId xmlns:a16="http://schemas.microsoft.com/office/drawing/2014/main" id="{19828FBE-E5C6-E946-947D-274D11CC6069}"/>
+                <a16:creationId xmlns:a16="http://schemas.microsoft.com/office/drawing/2014/main" id="{26E472CD-FB1B-A057-C67E-D9A0D237E637}"/>
               </a:ext>
             </a:extLst>
           </p:cNvPr>
@@ -11422,115 +11068,75 @@
         </p:nvSpPr>
         <p:spPr>
           <a:xfrm>
-            <a:off x="5883597" y="866697"/>
-            <a:ext cx="831494" cy="755402"/>
+            <a:off x="1493342" y="2050918"/>
+            <a:ext cx="2718614" cy="320597"/>
           </a:xfrm>
-          <a:prstGeom prst="can">
-            <a:avLst>
-              <a:gd name="adj" fmla="val 25000"/>
-            </a:avLst>
+          <a:prstGeom prst="roundRect">
+            <a:avLst/>
           </a:prstGeom>
-          <a:solidFill>
-            <a:schemeClr val="bg1">
-              <a:lumMod val="65000"/>
-            </a:schemeClr>
-          </a:solidFill>
-          <a:ln w="9525" cap="flat" cmpd="sng">
-            <a:solidFill>
-              <a:srgbClr val="6A99D0"/>
-            </a:solidFill>
-            <a:prstDash val="solid"/>
-            <a:round/>
-            <a:headEnd type="none" w="sm" len="sm"/>
-            <a:tailEnd type="none" w="sm" len="sm"/>
+          <a:ln w="28575">
+            <a:noFill/>
           </a:ln>
-          <a:effectLst>
-            <a:outerShdw blurRad="50800" dist="38100" dir="2700000" algn="tl" rotWithShape="0">
-              <a:prstClr val="black">
-                <a:alpha val="40000"/>
-              </a:prstClr>
-            </a:outerShdw>
-          </a:effectLst>
         </p:spPr>
+        <p:style>
+          <a:lnRef idx="3">
+            <a:schemeClr val="lt1"/>
+          </a:lnRef>
+          <a:fillRef idx="1">
+            <a:schemeClr val="accent1"/>
+          </a:fillRef>
+          <a:effectRef idx="1">
+            <a:schemeClr val="accent1"/>
+          </a:effectRef>
+          <a:fontRef idx="minor">
+            <a:schemeClr val="lt1"/>
+          </a:fontRef>
+        </p:style>
         <p:txBody>
-          <a:bodyPr spcFirstLastPara="1" wrap="square" lIns="121900" tIns="121900" rIns="121900" bIns="121900" anchor="ctr" anchorCtr="0">
-            <a:noAutofit/>
-          </a:bodyPr>
+          <a:bodyPr rtlCol="0" anchor="ctr"/>
           <a:lstStyle/>
           <a:p>
-            <a:pPr algn="ctr">
-              <a:lnSpc>
-                <a:spcPct val="90000"/>
-              </a:lnSpc>
-            </a:pPr>
+            <a:pPr algn="ctr"/>
             <a:r>
-              <a:rPr lang="en-US" sz="1200" dirty="0">
+              <a:rPr lang="en-US" dirty="0">
                 <a:solidFill>
                   <a:schemeClr val="bg1"/>
                 </a:solidFill>
                 <a:latin typeface="Calibri" panose="020F0502020204030204" pitchFamily="34" charset="0"/>
                 <a:cs typeface="Calibri" panose="020F0502020204030204" pitchFamily="34" charset="0"/>
               </a:rPr>
-              <a:t>Config</a:t>
+              <a:t>Provisioning API</a:t>
             </a:r>
-            <a:endParaRPr sz="1200" dirty="0">
-              <a:solidFill>
-                <a:schemeClr val="bg1"/>
-              </a:solidFill>
-              <a:latin typeface="Calibri" panose="020F0502020204030204" pitchFamily="34" charset="0"/>
-              <a:cs typeface="Calibri" panose="020F0502020204030204" pitchFamily="34" charset="0"/>
-            </a:endParaRPr>
-          </a:p>
-          <a:p>
-            <a:pPr algn="ctr">
-              <a:lnSpc>
-                <a:spcPct val="90000"/>
-              </a:lnSpc>
-            </a:pPr>
-            <a:r>
-              <a:rPr lang="en" sz="1200" dirty="0">
-                <a:solidFill>
-                  <a:schemeClr val="bg1"/>
-                </a:solidFill>
-                <a:latin typeface="Calibri" panose="020F0502020204030204" pitchFamily="34" charset="0"/>
-                <a:cs typeface="Calibri" panose="020F0502020204030204" pitchFamily="34" charset="0"/>
-              </a:rPr>
-              <a:t>Repo</a:t>
-            </a:r>
-            <a:endParaRPr sz="1200" dirty="0">
-              <a:solidFill>
-                <a:schemeClr val="bg1"/>
-              </a:solidFill>
-              <a:latin typeface="Calibri" panose="020F0502020204030204" pitchFamily="34" charset="0"/>
-              <a:cs typeface="Calibri" panose="020F0502020204030204" pitchFamily="34" charset="0"/>
-            </a:endParaRPr>
           </a:p>
         </p:txBody>
       </p:sp>
       <p:cxnSp>
         <p:nvCxnSpPr>
-          <p:cNvPr id="10" name="Straight Arrow Connector 9">
+          <p:cNvPr id="15" name="Straight Arrow Connector 14">
             <a:extLst>
               <a:ext uri="{FF2B5EF4-FFF2-40B4-BE49-F238E27FC236}">
-                <a16:creationId xmlns:a16="http://schemas.microsoft.com/office/drawing/2014/main" id="{BEF284E5-2141-2645-9263-76DDEA89D627}"/>
+                <a16:creationId xmlns:a16="http://schemas.microsoft.com/office/drawing/2014/main" id="{3C152D43-C96F-3A7B-DD29-FE559F2D2E79}"/>
               </a:ext>
             </a:extLst>
           </p:cNvPr>
           <p:cNvCxnSpPr>
-            <a:stCxn id="13" idx="3"/>
-            <a:endCxn id="94" idx="0"/>
+            <a:cxnSpLocks/>
+            <a:endCxn id="14" idx="0"/>
           </p:cNvCxnSpPr>
           <p:nvPr/>
         </p:nvCxnSpPr>
         <p:spPr>
           <a:xfrm>
-            <a:off x="6299344" y="1622099"/>
-            <a:ext cx="0" cy="361658"/>
+            <a:off x="2852649" y="1002167"/>
+            <a:ext cx="0" cy="1048751"/>
           </a:xfrm>
           <a:prstGeom prst="straightConnector1">
             <a:avLst/>
           </a:prstGeom>
-          <a:ln>
+          <a:ln w="19050">
+            <a:solidFill>
+              <a:srgbClr val="6A99D0"/>
+            </a:solidFill>
             <a:tailEnd type="triangle"/>
           </a:ln>
         </p:spPr>
@@ -11551,28 +11157,32 @@
       </p:cxnSp>
       <p:cxnSp>
         <p:nvCxnSpPr>
-          <p:cNvPr id="4" name="Elbow Connector 3">
+          <p:cNvPr id="16" name="Straight Arrow Connector 15">
             <a:extLst>
               <a:ext uri="{FF2B5EF4-FFF2-40B4-BE49-F238E27FC236}">
-                <a16:creationId xmlns:a16="http://schemas.microsoft.com/office/drawing/2014/main" id="{B77E2DC3-8896-A944-AF2F-9F9E4B4576C1}"/>
+                <a16:creationId xmlns:a16="http://schemas.microsoft.com/office/drawing/2014/main" id="{3C3BE4B3-4FB8-C294-5543-E564D884E06E}"/>
               </a:ext>
             </a:extLst>
           </p:cNvPr>
           <p:cNvCxnSpPr>
-            <a:stCxn id="91" idx="0"/>
-            <a:endCxn id="13" idx="2"/>
+            <a:cxnSpLocks/>
+            <a:endCxn id="9" idx="0"/>
           </p:cNvCxnSpPr>
           <p:nvPr/>
         </p:nvCxnSpPr>
         <p:spPr>
-          <a:xfrm rot="5400000" flipH="1" flipV="1">
-            <a:off x="4342271" y="442432"/>
-            <a:ext cx="739359" cy="2343293"/>
+          <a:xfrm>
+            <a:off x="6059381" y="1002167"/>
+            <a:ext cx="0" cy="1048752"/>
           </a:xfrm>
-          <a:prstGeom prst="bentConnector2">
+          <a:prstGeom prst="straightConnector1">
             <a:avLst/>
           </a:prstGeom>
-          <a:ln>
+          <a:ln w="19050">
+            <a:solidFill>
+              <a:srgbClr val="6A99D0"/>
+            </a:solidFill>
+            <a:prstDash val="solid"/>
             <a:tailEnd type="triangle"/>
           </a:ln>
         </p:spPr>
@@ -11593,131 +11203,130 @@
       </p:cxnSp>
       <p:sp>
         <p:nvSpPr>
-          <p:cNvPr id="17" name="TextBox 16">
+          <p:cNvPr id="20" name="Rounded Rectangle 19">
             <a:extLst>
               <a:ext uri="{FF2B5EF4-FFF2-40B4-BE49-F238E27FC236}">
-                <a16:creationId xmlns:a16="http://schemas.microsoft.com/office/drawing/2014/main" id="{ED56DA91-F74E-D441-8A3B-EB7FBEFD07FB}"/>
+                <a16:creationId xmlns:a16="http://schemas.microsoft.com/office/drawing/2014/main" id="{D35EE114-ED26-98F2-9D39-6457820E4BF8}"/>
               </a:ext>
             </a:extLst>
           </p:cNvPr>
-          <p:cNvSpPr txBox="1"/>
+          <p:cNvSpPr/>
           <p:nvPr/>
         </p:nvSpPr>
         <p:spPr>
           <a:xfrm>
-            <a:off x="5464019" y="0"/>
-            <a:ext cx="1670650" cy="461665"/>
+            <a:off x="1493341" y="980297"/>
+            <a:ext cx="5925347" cy="743179"/>
           </a:xfrm>
-          <a:prstGeom prst="rect">
-            <a:avLst/>
+          <a:prstGeom prst="roundRect">
+            <a:avLst>
+              <a:gd name="adj" fmla="val 11093"/>
+            </a:avLst>
           </a:prstGeom>
-          <a:noFill/>
-        </p:spPr>
-        <p:txBody>
-          <a:bodyPr wrap="none" rtlCol="0" anchor="ctr">
-            <a:spAutoFit/>
-          </a:bodyPr>
-          <a:lstStyle/>
-          <a:p>
-            <a:pPr algn="ctr"/>
-            <a:r>
-              <a:rPr lang="en-US" sz="1200" i="1" dirty="0">
-                <a:latin typeface="Calibri" panose="020F0502020204030204" pitchFamily="34" charset="0"/>
-                <a:cs typeface="Calibri" panose="020F0502020204030204" pitchFamily="34" charset="0"/>
-              </a:rPr>
-              <a:t>Operators </a:t>
-            </a:r>
-          </a:p>
-          <a:p>
-            <a:pPr algn="ctr"/>
-            <a:r>
-              <a:rPr lang="en-US" sz="1200" i="1" dirty="0">
-                <a:latin typeface="Calibri" panose="020F0502020204030204" pitchFamily="34" charset="0"/>
-                <a:cs typeface="Calibri" panose="020F0502020204030204" pitchFamily="34" charset="0"/>
-              </a:rPr>
-              <a:t>(Configuration-as-Code)</a:t>
-            </a:r>
-          </a:p>
-        </p:txBody>
-      </p:sp>
-      <p:cxnSp>
-        <p:nvCxnSpPr>
-          <p:cNvPr id="19" name="Straight Arrow Connector 18">
-            <a:extLst>
-              <a:ext uri="{FF2B5EF4-FFF2-40B4-BE49-F238E27FC236}">
-                <a16:creationId xmlns:a16="http://schemas.microsoft.com/office/drawing/2014/main" id="{CDF47E2C-5573-2841-AF1A-6C488CDDB1A8}"/>
-              </a:ext>
-            </a:extLst>
-          </p:cNvPr>
-          <p:cNvCxnSpPr>
-            <a:cxnSpLocks/>
-            <a:stCxn id="17" idx="2"/>
-            <a:endCxn id="13" idx="1"/>
-          </p:cNvCxnSpPr>
-          <p:nvPr/>
-        </p:nvCxnSpPr>
-        <p:spPr>
-          <a:xfrm>
-            <a:off x="6299344" y="461665"/>
-            <a:ext cx="0" cy="405032"/>
-          </a:xfrm>
-          <a:prstGeom prst="straightConnector1">
-            <a:avLst/>
-          </a:prstGeom>
+          <a:solidFill>
+            <a:schemeClr val="accent1">
+              <a:lumMod val="20000"/>
+              <a:lumOff val="80000"/>
+            </a:schemeClr>
+          </a:solidFill>
           <a:ln>
-            <a:tailEnd type="triangle"/>
+            <a:solidFill>
+              <a:srgbClr val="C2D6EC"/>
+            </a:solidFill>
           </a:ln>
         </p:spPr>
         <p:style>
           <a:lnRef idx="1">
             <a:schemeClr val="accent1"/>
           </a:lnRef>
-          <a:fillRef idx="0">
+          <a:fillRef idx="2">
             <a:schemeClr val="accent1"/>
           </a:fillRef>
-          <a:effectRef idx="0">
+          <a:effectRef idx="1">
             <a:schemeClr val="accent1"/>
           </a:effectRef>
           <a:fontRef idx="minor">
-            <a:schemeClr val="tx1"/>
+            <a:schemeClr val="dk1"/>
           </a:fontRef>
         </p:style>
-      </p:cxnSp>
+        <p:txBody>
+          <a:bodyPr rtlCol="0" anchor="ctr"/>
+          <a:lstStyle/>
+          <a:p>
+            <a:pPr algn="ctr"/>
+            <a:r>
+              <a:rPr lang="en-US" sz="1600" dirty="0">
+                <a:latin typeface="Calibri" panose="020F0502020204030204" pitchFamily="34" charset="0"/>
+                <a:cs typeface="Calibri" panose="020F0502020204030204" pitchFamily="34" charset="0"/>
+              </a:rPr>
+              <a:t>Infrastructure-as-Code</a:t>
+            </a:r>
+          </a:p>
+          <a:p>
+            <a:pPr algn="ctr"/>
+            <a:r>
+              <a:rPr lang="en-US" sz="1600" dirty="0">
+                <a:latin typeface="Calibri" panose="020F0502020204030204" pitchFamily="34" charset="0"/>
+                <a:cs typeface="Calibri" panose="020F0502020204030204" pitchFamily="34" charset="0"/>
+              </a:rPr>
+              <a:t>(Terraform)</a:t>
+            </a:r>
+          </a:p>
+        </p:txBody>
+      </p:sp>
       <p:sp>
         <p:nvSpPr>
-          <p:cNvPr id="6" name="TextBox 5">
+          <p:cNvPr id="21" name="Rounded Rectangle 20">
             <a:extLst>
               <a:ext uri="{FF2B5EF4-FFF2-40B4-BE49-F238E27FC236}">
-                <a16:creationId xmlns:a16="http://schemas.microsoft.com/office/drawing/2014/main" id="{B3E23762-41F0-A5C0-AA20-928C04575C4E}"/>
+                <a16:creationId xmlns:a16="http://schemas.microsoft.com/office/drawing/2014/main" id="{6BC03806-8D7E-E5B0-9855-5B466E8A27B8}"/>
               </a:ext>
             </a:extLst>
           </p:cNvPr>
-          <p:cNvSpPr txBox="1"/>
+          <p:cNvSpPr/>
           <p:nvPr/>
         </p:nvSpPr>
         <p:spPr>
           <a:xfrm>
-            <a:off x="439275" y="2222957"/>
-            <a:ext cx="873957" cy="276999"/>
+            <a:off x="4700074" y="2054859"/>
+            <a:ext cx="2718614" cy="320597"/>
           </a:xfrm>
-          <a:prstGeom prst="rect">
+          <a:prstGeom prst="roundRect">
             <a:avLst/>
           </a:prstGeom>
-          <a:noFill/>
+          <a:ln w="19050">
+            <a:noFill/>
+            <a:prstDash val="sysDash"/>
+          </a:ln>
         </p:spPr>
+        <p:style>
+          <a:lnRef idx="3">
+            <a:schemeClr val="lt1"/>
+          </a:lnRef>
+          <a:fillRef idx="1">
+            <a:schemeClr val="accent1"/>
+          </a:fillRef>
+          <a:effectRef idx="1">
+            <a:schemeClr val="accent1"/>
+          </a:effectRef>
+          <a:fontRef idx="minor">
+            <a:schemeClr val="lt1"/>
+          </a:fontRef>
+        </p:style>
         <p:txBody>
-          <a:bodyPr wrap="none" rtlCol="0" anchor="ctr">
-            <a:spAutoFit/>
-          </a:bodyPr>
+          <a:bodyPr rtlCol="0" anchor="ctr"/>
           <a:lstStyle/>
           <a:p>
             <a:pPr algn="ctr"/>
             <a:r>
-              <a:rPr lang="en-US" sz="1200" i="1" dirty="0">
+              <a:rPr lang="en-US" dirty="0">
+                <a:solidFill>
+                  <a:schemeClr val="bg1"/>
+                </a:solidFill>
                 <a:latin typeface="Calibri" panose="020F0502020204030204" pitchFamily="34" charset="0"/>
                 <a:cs typeface="Calibri" panose="020F0502020204030204" pitchFamily="34" charset="0"/>
               </a:rPr>
-              <a:t>Developers</a:t>
+              <a:t>Provisioning API</a:t>
             </a:r>
           </a:p>
         </p:txBody>
@@ -26394,8 +26003,8 @@
         </p:nvSpPr>
         <p:spPr>
           <a:xfrm>
-            <a:off x="2112210" y="1132124"/>
-            <a:ext cx="4301067" cy="675001"/>
+            <a:off x="2112210" y="881178"/>
+            <a:ext cx="4301067" cy="925948"/>
           </a:xfrm>
           <a:prstGeom prst="roundRect">
             <a:avLst/>
@@ -26443,6 +26052,18 @@
               <a:t>Runtime Control</a:t>
             </a:r>
           </a:p>
+          <a:p>
+            <a:pPr algn="ctr">
+              <a:lnSpc>
+                <a:spcPct val="90000"/>
+              </a:lnSpc>
+            </a:pPr>
+            <a:endParaRPr lang="en-US" sz="800" dirty="0">
+              <a:latin typeface="Calibri" charset="0"/>
+              <a:ea typeface="Calibri" charset="0"/>
+              <a:cs typeface="Calibri" charset="0"/>
+            </a:endParaRPr>
+          </a:p>
         </p:txBody>
       </p:sp>
       <p:cxnSp>
@@ -26463,8 +26084,8 @@
         </p:nvCxnSpPr>
         <p:spPr>
           <a:xfrm flipH="1">
-            <a:off x="2533294" y="1807125"/>
-            <a:ext cx="1729450" cy="452721"/>
+            <a:off x="2533294" y="1807126"/>
+            <a:ext cx="1729450" cy="452720"/>
           </a:xfrm>
           <a:prstGeom prst="straightConnector1">
             <a:avLst/>
@@ -26507,8 +26128,8 @@
         </p:nvCxnSpPr>
         <p:spPr>
           <a:xfrm flipH="1">
-            <a:off x="3507528" y="1807125"/>
-            <a:ext cx="755216" cy="453809"/>
+            <a:off x="3507528" y="1807126"/>
+            <a:ext cx="755216" cy="453808"/>
           </a:xfrm>
           <a:prstGeom prst="straightConnector1">
             <a:avLst/>
@@ -26551,8 +26172,8 @@
         </p:nvCxnSpPr>
         <p:spPr>
           <a:xfrm>
-            <a:off x="4262744" y="1807125"/>
-            <a:ext cx="229352" cy="452721"/>
+            <a:off x="4262744" y="1807126"/>
+            <a:ext cx="229352" cy="452720"/>
           </a:xfrm>
           <a:prstGeom prst="straightConnector1">
             <a:avLst/>
@@ -26595,8 +26216,8 @@
         </p:nvCxnSpPr>
         <p:spPr>
           <a:xfrm>
-            <a:off x="4262744" y="1807125"/>
-            <a:ext cx="1731052" cy="453088"/>
+            <a:off x="4262744" y="1807126"/>
+            <a:ext cx="1731052" cy="453087"/>
           </a:xfrm>
           <a:prstGeom prst="straightConnector1">
             <a:avLst/>
@@ -26764,7 +26385,7 @@
         </p:nvSpPr>
         <p:spPr>
           <a:xfrm>
-            <a:off x="2096927" y="554268"/>
+            <a:off x="2096926" y="380955"/>
             <a:ext cx="4331635" cy="276999"/>
           </a:xfrm>
           <a:prstGeom prst="rect">
@@ -26807,8 +26428,8 @@
         </p:nvCxnSpPr>
         <p:spPr>
           <a:xfrm flipH="1">
-            <a:off x="4262743" y="831267"/>
-            <a:ext cx="2" cy="368765"/>
+            <a:off x="4262743" y="657954"/>
+            <a:ext cx="1" cy="305407"/>
           </a:xfrm>
           <a:prstGeom prst="straightConnector1">
             <a:avLst/>
@@ -26849,7 +26470,7 @@
         </p:nvSpPr>
         <p:spPr>
           <a:xfrm>
-            <a:off x="2203173" y="1200032"/>
+            <a:off x="2203173" y="963361"/>
             <a:ext cx="4119140" cy="218327"/>
           </a:xfrm>
           <a:prstGeom prst="roundRect">
@@ -26949,6 +26570,120 @@
           </a:fontRef>
         </p:style>
       </p:cxnSp>
+      <p:sp>
+        <p:nvSpPr>
+          <p:cNvPr id="7" name="Can 6">
+            <a:extLst>
+              <a:ext uri="{FF2B5EF4-FFF2-40B4-BE49-F238E27FC236}">
+                <a16:creationId xmlns:a16="http://schemas.microsoft.com/office/drawing/2014/main" id="{46B4C416-A274-B463-E83D-770BA2D05C9A}"/>
+              </a:ext>
+            </a:extLst>
+          </p:cNvPr>
+          <p:cNvSpPr/>
+          <p:nvPr/>
+        </p:nvSpPr>
+        <p:spPr>
+          <a:xfrm>
+            <a:off x="5776411" y="1274066"/>
+            <a:ext cx="434766" cy="441063"/>
+          </a:xfrm>
+          <a:prstGeom prst="can">
+            <a:avLst/>
+          </a:prstGeom>
+          <a:solidFill>
+            <a:srgbClr val="6A99D0"/>
+          </a:solidFill>
+        </p:spPr>
+        <p:style>
+          <a:lnRef idx="2">
+            <a:schemeClr val="accent1">
+              <a:shade val="50000"/>
+            </a:schemeClr>
+          </a:lnRef>
+          <a:fillRef idx="1">
+            <a:schemeClr val="accent1"/>
+          </a:fillRef>
+          <a:effectRef idx="0">
+            <a:schemeClr val="accent1"/>
+          </a:effectRef>
+          <a:fontRef idx="minor">
+            <a:schemeClr val="lt1"/>
+          </a:fontRef>
+        </p:style>
+        <p:txBody>
+          <a:bodyPr rtlCol="0" anchor="ctr"/>
+          <a:lstStyle/>
+          <a:p>
+            <a:pPr algn="ctr"/>
+            <a:r>
+              <a:rPr lang="en-US" sz="1200" dirty="0">
+                <a:latin typeface="Calibri" panose="020F0502020204030204" pitchFamily="34" charset="0"/>
+                <a:cs typeface="Calibri" panose="020F0502020204030204" pitchFamily="34" charset="0"/>
+              </a:rPr>
+              <a:t>K/V</a:t>
+            </a:r>
+          </a:p>
+        </p:txBody>
+      </p:sp>
+      <p:sp>
+        <p:nvSpPr>
+          <p:cNvPr id="2" name="Oval 1">
+            <a:extLst>
+              <a:ext uri="{FF2B5EF4-FFF2-40B4-BE49-F238E27FC236}">
+                <a16:creationId xmlns:a16="http://schemas.microsoft.com/office/drawing/2014/main" id="{EA12A306-8FF0-A52D-05A2-D9FD8F008F46}"/>
+              </a:ext>
+            </a:extLst>
+          </p:cNvPr>
+          <p:cNvSpPr/>
+          <p:nvPr/>
+        </p:nvSpPr>
+        <p:spPr>
+          <a:xfrm>
+            <a:off x="2299062" y="1279495"/>
+            <a:ext cx="852930" cy="393258"/>
+          </a:xfrm>
+          <a:prstGeom prst="ellipse">
+            <a:avLst/>
+          </a:prstGeom>
+          <a:solidFill>
+            <a:srgbClr val="6A99D0"/>
+          </a:solidFill>
+        </p:spPr>
+        <p:style>
+          <a:lnRef idx="2">
+            <a:schemeClr val="accent1">
+              <a:shade val="50000"/>
+            </a:schemeClr>
+          </a:lnRef>
+          <a:fillRef idx="1">
+            <a:schemeClr val="accent1"/>
+          </a:fillRef>
+          <a:effectRef idx="0">
+            <a:schemeClr val="accent1"/>
+          </a:effectRef>
+          <a:fontRef idx="minor">
+            <a:schemeClr val="lt1"/>
+          </a:fontRef>
+        </p:style>
+        <p:txBody>
+          <a:bodyPr rtlCol="0" anchor="ctr"/>
+          <a:lstStyle/>
+          <a:p>
+            <a:pPr algn="ctr">
+              <a:lnSpc>
+                <a:spcPct val="80000"/>
+              </a:lnSpc>
+            </a:pPr>
+            <a:r>
+              <a:rPr lang="en-US" sz="1200" dirty="0">
+                <a:latin typeface="Calibri" panose="020F0502020204030204" pitchFamily="34" charset="0"/>
+                <a:cs typeface="Calibri" panose="020F0502020204030204" pitchFamily="34" charset="0"/>
+              </a:rPr>
+              <a:t>Data Model</a:t>
+            </a:r>
+          </a:p>
+        </p:txBody>
+      </p:sp>
     </p:spTree>
     <p:extLst>
       <p:ext uri="{BB962C8B-B14F-4D97-AF65-F5344CB8AC3E}">

--- a/figures/ops/figures.pptx
+++ b/figures/ops/figures.pptx
@@ -8330,7 +8330,7 @@
                 <a:latin typeface="Calibri" panose="020F0502020204030204" pitchFamily="34" charset="0"/>
                 <a:cs typeface="Calibri" panose="020F0502020204030204" pitchFamily="34" charset="0"/>
               </a:rPr>
-              <a:t>Runtime Control</a:t>
+              <a:t>Service Orchestration</a:t>
             </a:r>
           </a:p>
           <a:p>
@@ -10857,9 +10857,9 @@
         <p:grpSpPr>
           <a:xfrm>
             <a:off x="4700074" y="2050919"/>
-            <a:ext cx="2718615" cy="1711816"/>
+            <a:ext cx="2718615" cy="1668784"/>
             <a:chOff x="4680288" y="2251153"/>
-            <a:chExt cx="2718615" cy="1711816"/>
+            <a:chExt cx="2718615" cy="1668784"/>
           </a:xfrm>
         </p:grpSpPr>
         <p:sp>
@@ -10876,7 +10876,7 @@
           </p:nvSpPr>
           <p:spPr>
             <a:xfrm>
-              <a:off x="4680288" y="3084872"/>
+              <a:off x="4680288" y="3041840"/>
               <a:ext cx="2718615" cy="878097"/>
             </a:xfrm>
             <a:prstGeom prst="cloud">
@@ -10985,7 +10985,7 @@
                   <a:latin typeface="Calibri" panose="020F0502020204030204" pitchFamily="34" charset="0"/>
                   <a:cs typeface="Calibri" panose="020F0502020204030204" pitchFamily="34" charset="0"/>
                 </a:rPr>
-                <a:t>Bootstrap tooling to bring a cluster into the “ready” state.</a:t>
+                <a:t>Bootstrap tooling to prep a cluster for Kubernetes workloads.</a:t>
               </a:r>
             </a:p>
           </p:txBody>
@@ -11005,7 +11005,7 @@
         </p:nvSpPr>
         <p:spPr>
           <a:xfrm>
-            <a:off x="1493342" y="2048719"/>
+            <a:off x="1493342" y="2070235"/>
             <a:ext cx="2718615" cy="1651261"/>
           </a:xfrm>
           <a:prstGeom prst="cloud">
@@ -14707,8 +14707,8 @@
         </p:nvSpPr>
         <p:spPr>
           <a:xfrm>
-            <a:off x="5772152" y="3038115"/>
-            <a:ext cx="902554" cy="511157"/>
+            <a:off x="5780841" y="3081147"/>
+            <a:ext cx="885179" cy="507831"/>
           </a:xfrm>
           <a:prstGeom prst="rect">
             <a:avLst/>
@@ -14722,6 +14722,9 @@
           <a:lstStyle/>
           <a:p>
             <a:pPr algn="ctr" defTabSz="457178">
+              <a:lnSpc>
+                <a:spcPct val="90000"/>
+              </a:lnSpc>
               <a:defRPr/>
             </a:pPr>
             <a:r>
@@ -14733,11 +14736,14 @@
                 </a:solidFill>
                 <a:latin typeface="Calibri" panose="020F0502020204030204"/>
               </a:rPr>
-              <a:t>Control and</a:t>
+              <a:t>Cloud</a:t>
             </a:r>
           </a:p>
           <a:p>
             <a:pPr algn="ctr" defTabSz="457178">
+              <a:lnSpc>
+                <a:spcPct val="90000"/>
+              </a:lnSpc>
               <a:defRPr/>
             </a:pPr>
             <a:r>
@@ -14754,6 +14760,9 @@
           </a:p>
           <a:p>
             <a:pPr algn="ctr" defTabSz="457178">
+              <a:lnSpc>
+                <a:spcPct val="90000"/>
+              </a:lnSpc>
               <a:defRPr/>
             </a:pPr>
             <a:r>
@@ -21392,12 +21401,28 @@
                 </a:lnSpc>
               </a:pPr>
               <a:r>
+                <a:rPr lang="en-US" sz="1150" dirty="0">
+                  <a:latin typeface="Calibri" charset="0"/>
+                  <a:ea typeface="Calibri" charset="0"/>
+                  <a:cs typeface="Calibri" charset="0"/>
+                </a:rPr>
+                <a:t>Service</a:t>
+              </a:r>
+              <a:r>
                 <a:rPr lang="en-US" sz="1200" dirty="0">
                   <a:latin typeface="Calibri" charset="0"/>
                   <a:ea typeface="Calibri" charset="0"/>
                   <a:cs typeface="Calibri" charset="0"/>
                 </a:rPr>
-                <a:t>Runtime Control</a:t>
+                <a:t> </a:t>
+              </a:r>
+              <a:r>
+                <a:rPr lang="en-US" sz="1150" dirty="0">
+                  <a:latin typeface="Calibri" charset="0"/>
+                  <a:ea typeface="Calibri" charset="0"/>
+                  <a:cs typeface="Calibri" charset="0"/>
+                </a:rPr>
+                <a:t>Orchestration</a:t>
               </a:r>
             </a:p>
           </p:txBody>
@@ -25186,8 +25211,8 @@
         </p:nvSpPr>
         <p:spPr>
           <a:xfrm>
-            <a:off x="3222506" y="3976658"/>
-            <a:ext cx="2395207" cy="276999"/>
+            <a:off x="3628067" y="3976658"/>
+            <a:ext cx="1584088" cy="276999"/>
           </a:xfrm>
           <a:prstGeom prst="rect">
             <a:avLst/>
@@ -25206,7 +25231,7 @@
                 <a:latin typeface="Calibri" panose="020F0502020204030204" pitchFamily="34" charset="0"/>
                 <a:cs typeface="Calibri" panose="020F0502020204030204" pitchFamily="34" charset="0"/>
               </a:rPr>
-              <a:t>Populated by Resource Provisioning</a:t>
+              <a:t>Infrastructure-as-Code</a:t>
             </a:r>
           </a:p>
         </p:txBody>
@@ -25229,8 +25254,8 @@
         </p:nvCxnSpPr>
         <p:spPr>
           <a:xfrm flipV="1">
-            <a:off x="4420110" y="3739630"/>
-            <a:ext cx="4446" cy="237028"/>
+            <a:off x="4420111" y="3739630"/>
+            <a:ext cx="4445" cy="237028"/>
           </a:xfrm>
           <a:prstGeom prst="straightConnector1">
             <a:avLst/>
@@ -26049,7 +26074,7 @@
                 <a:ea typeface="Calibri" charset="0"/>
                 <a:cs typeface="Calibri" charset="0"/>
               </a:rPr>
-              <a:t>Runtime Control</a:t>
+              <a:t>Service Orchestration</a:t>
             </a:r>
           </a:p>
           <a:p>
@@ -26684,6 +26709,86 @@
           </a:p>
         </p:txBody>
       </p:sp>
+      <p:sp>
+        <p:nvSpPr>
+          <p:cNvPr id="5" name="Right Brace 4">
+            <a:extLst>
+              <a:ext uri="{FF2B5EF4-FFF2-40B4-BE49-F238E27FC236}">
+                <a16:creationId xmlns:a16="http://schemas.microsoft.com/office/drawing/2014/main" id="{B83DF0B9-B6E0-CD73-FC3F-95D0944CF18C}"/>
+              </a:ext>
+            </a:extLst>
+          </p:cNvPr>
+          <p:cNvSpPr/>
+          <p:nvPr/>
+        </p:nvSpPr>
+        <p:spPr>
+          <a:xfrm>
+            <a:off x="6350568" y="1839400"/>
+            <a:ext cx="45719" cy="376676"/>
+          </a:xfrm>
+          <a:prstGeom prst="rightBrace">
+            <a:avLst/>
+          </a:prstGeom>
+          <a:ln w="12700"/>
+        </p:spPr>
+        <p:style>
+          <a:lnRef idx="1">
+            <a:schemeClr val="dk1"/>
+          </a:lnRef>
+          <a:fillRef idx="0">
+            <a:schemeClr val="dk1"/>
+          </a:fillRef>
+          <a:effectRef idx="0">
+            <a:schemeClr val="dk1"/>
+          </a:effectRef>
+          <a:fontRef idx="minor">
+            <a:schemeClr val="tx1"/>
+          </a:fontRef>
+        </p:style>
+        <p:txBody>
+          <a:bodyPr rtlCol="0" anchor="ctr"/>
+          <a:lstStyle/>
+          <a:p>
+            <a:pPr algn="ctr"/>
+            <a:endParaRPr lang="en-US"/>
+          </a:p>
+        </p:txBody>
+      </p:sp>
+      <p:sp>
+        <p:nvSpPr>
+          <p:cNvPr id="6" name="TextBox 5">
+            <a:extLst>
+              <a:ext uri="{FF2B5EF4-FFF2-40B4-BE49-F238E27FC236}">
+                <a16:creationId xmlns:a16="http://schemas.microsoft.com/office/drawing/2014/main" id="{22FBBC95-633F-F8C6-D295-880B7A6BFCE5}"/>
+              </a:ext>
+            </a:extLst>
+          </p:cNvPr>
+          <p:cNvSpPr txBox="1"/>
+          <p:nvPr/>
+        </p:nvSpPr>
+        <p:spPr>
+          <a:xfrm>
+            <a:off x="6373427" y="1889239"/>
+            <a:ext cx="551754" cy="276999"/>
+          </a:xfrm>
+          <a:prstGeom prst="rect">
+            <a:avLst/>
+          </a:prstGeom>
+          <a:noFill/>
+        </p:spPr>
+        <p:txBody>
+          <a:bodyPr wrap="none" rtlCol="0">
+            <a:spAutoFit/>
+          </a:bodyPr>
+          <a:lstStyle/>
+          <a:p>
+            <a:r>
+              <a:rPr lang="en-US" sz="1200" dirty="0"/>
+              <a:t>gNMI</a:t>
+            </a:r>
+          </a:p>
+        </p:txBody>
+      </p:sp>
     </p:spTree>
     <p:extLst>
       <p:ext uri="{BB962C8B-B14F-4D97-AF65-F5344CB8AC3E}">

--- a/figures/ops/figures.pptx
+++ b/figures/ops/figures.pptx
@@ -308,7 +308,7 @@
       </p15:sldGuideLst>
     </p:ext>
     <p:ext uri="http://customooxmlschemas.google.com/">
-      <go:slidesCustomData xmlns="" xmlns:mc="http://schemas.openxmlformats.org/markup-compatibility/2006" xmlns:mv="urn:schemas-microsoft-com:mac:vml" xmlns:c="http://schemas.openxmlformats.org/drawingml/2006/chart" xmlns:dgm="http://schemas.openxmlformats.org/drawingml/2006/diagram" xmlns:o="urn:schemas-microsoft-com:office:office" xmlns:v="urn:schemas-microsoft-com:vml" xmlns:pvml="urn:schemas-microsoft-com:office:powerpoint" xmlns:com="http://schemas.openxmlformats.org/drawingml/2006/compatibility" xmlns:p14="http://schemas.microsoft.com/office/powerpoint/2010/main" xmlns:p15="http://schemas.microsoft.com/office/powerpoint/2012/main" xmlns:go="http://customooxmlschemas.google.com/" r:id="rId30" roundtripDataSignature="AMtx7mjYSJr9dBhpBi3R8tFsPF3I3gzuVA=="/>
+      <go:slidesCustomData xmlns:go="http://customooxmlschemas.google.com/" xmlns:p15="http://schemas.microsoft.com/office/powerpoint/2012/main" xmlns:p14="http://schemas.microsoft.com/office/powerpoint/2010/main" xmlns:com="http://schemas.openxmlformats.org/drawingml/2006/compatibility" xmlns:pvml="urn:schemas-microsoft-com:office:powerpoint" xmlns:v="urn:schemas-microsoft-com:vml" xmlns:o="urn:schemas-microsoft-com:office:office" xmlns:dgm="http://schemas.openxmlformats.org/drawingml/2006/diagram" xmlns:c="http://schemas.openxmlformats.org/drawingml/2006/chart" xmlns:mv="urn:schemas-microsoft-com:mac:vml" xmlns:mc="http://schemas.openxmlformats.org/markup-compatibility/2006" xmlns="" r:id="rId30" roundtripDataSignature="AMtx7mjYSJr9dBhpBi3R8tFsPF3I3gzuVA=="/>
     </p:ext>
   </p:extLst>
 </p:presentation>
@@ -2919,7 +2919,7 @@
           <a:p>
             <a:fld id="{BF4F8DC3-0006-B147-AA6D-FF436E850004}" type="datetimeFigureOut">
               <a:rPr lang="en-US" smtClean="0"/>
-              <a:t>8/16/22</a:t>
+              <a:t>1/30/23</a:t>
             </a:fld>
             <a:endParaRPr lang="en-US"/>
           </a:p>
@@ -8359,8 +8359,8 @@
         </p:nvSpPr>
         <p:spPr>
           <a:xfrm rot="5400000">
-            <a:off x="4921167" y="3008001"/>
-            <a:ext cx="2158104" cy="566057"/>
+            <a:off x="4469130" y="2555964"/>
+            <a:ext cx="3062178" cy="566057"/>
           </a:xfrm>
           <a:prstGeom prst="roundRect">
             <a:avLst/>
@@ -8508,7 +8508,7 @@
         </p:nvSpPr>
         <p:spPr>
           <a:xfrm>
-            <a:off x="6779524" y="2579096"/>
+            <a:off x="6779524" y="2116515"/>
             <a:ext cx="895272" cy="502279"/>
           </a:xfrm>
           <a:prstGeom prst="ellipse">
@@ -8558,7 +8558,7 @@
         </p:nvSpPr>
         <p:spPr>
           <a:xfrm>
-            <a:off x="6779523" y="3479252"/>
+            <a:off x="6779523" y="3016671"/>
             <a:ext cx="895273" cy="502279"/>
           </a:xfrm>
           <a:prstGeom prst="ellipse">
@@ -8611,7 +8611,7 @@
         </p:nvCxnSpPr>
         <p:spPr>
           <a:xfrm flipH="1">
-            <a:off x="6289746" y="2830236"/>
+            <a:off x="6289746" y="2367655"/>
             <a:ext cx="489778" cy="8273"/>
           </a:xfrm>
           <a:prstGeom prst="straightConnector1">
@@ -8653,7 +8653,7 @@
         </p:nvCxnSpPr>
         <p:spPr>
           <a:xfrm flipH="1">
-            <a:off x="6289746" y="3730392"/>
+            <a:off x="6289746" y="3267811"/>
             <a:ext cx="489777" cy="0"/>
           </a:xfrm>
           <a:prstGeom prst="straightConnector1">
@@ -8904,21 +8904,20 @@
           </p:cNvPr>
           <p:cNvCxnSpPr>
             <a:cxnSpLocks/>
-            <a:stCxn id="189" idx="2"/>
           </p:cNvCxnSpPr>
           <p:nvPr/>
         </p:nvCxnSpPr>
         <p:spPr>
           <a:xfrm flipH="1">
-            <a:off x="5390607" y="3291030"/>
-            <a:ext cx="326584" cy="599"/>
+            <a:off x="5390607" y="3291628"/>
+            <a:ext cx="326583" cy="1"/>
           </a:xfrm>
           <a:prstGeom prst="straightConnector1">
             <a:avLst/>
           </a:prstGeom>
           <a:ln w="38100">
-            <a:headEnd type="triangle"/>
-            <a:tailEnd type="triangle"/>
+            <a:headEnd type="none" w="med" len="med"/>
+            <a:tailEnd type="triangle" w="med" len="med"/>
           </a:ln>
         </p:spPr>
         <p:style>
@@ -8950,7 +8949,7 @@
         </p:nvSpPr>
         <p:spPr>
           <a:xfrm>
-            <a:off x="6282435" y="3164325"/>
+            <a:off x="6282435" y="2701744"/>
             <a:ext cx="1899879" cy="268920"/>
           </a:xfrm>
           <a:prstGeom prst="rect">
@@ -8995,7 +8994,7 @@
         </p:nvCxnSpPr>
         <p:spPr>
           <a:xfrm flipH="1" flipV="1">
-            <a:off x="6533590" y="2838509"/>
+            <a:off x="6533590" y="2375928"/>
             <a:ext cx="76241" cy="330371"/>
           </a:xfrm>
           <a:prstGeom prst="straightConnector1">
@@ -9040,7 +9039,7 @@
         </p:nvCxnSpPr>
         <p:spPr>
           <a:xfrm flipH="1">
-            <a:off x="6533590" y="3391960"/>
+            <a:off x="6533590" y="2929379"/>
             <a:ext cx="76241" cy="338108"/>
           </a:xfrm>
           <a:prstGeom prst="straightConnector1">
@@ -10696,7 +10695,11 @@
           <a:bodyPr rtlCol="0" anchor="ctr"/>
           <a:lstStyle/>
           <a:p>
-            <a:pPr algn="ctr"/>
+            <a:pPr algn="ctr">
+              <a:lnSpc>
+                <a:spcPct val="90000"/>
+              </a:lnSpc>
+            </a:pPr>
             <a:r>
               <a:rPr lang="en-US" sz="1300" dirty="0">
                 <a:latin typeface="Calibri" panose="020F0502020204030204" pitchFamily="34" charset="0"/>
@@ -10706,7 +10709,11 @@
             </a:r>
           </a:p>
           <a:p>
-            <a:pPr algn="ctr"/>
+            <a:pPr algn="ctr">
+              <a:lnSpc>
+                <a:spcPct val="90000"/>
+              </a:lnSpc>
+            </a:pPr>
             <a:r>
               <a:rPr lang="en-US" sz="1300" dirty="0">
                 <a:latin typeface="Calibri" panose="020F0502020204030204" pitchFamily="34" charset="0"/>
@@ -10812,6 +10819,48 @@
           </a:p>
         </p:txBody>
       </p:sp>
+      <p:cxnSp>
+        <p:nvCxnSpPr>
+          <p:cNvPr id="5" name="Straight Arrow Connector 4">
+            <a:extLst>
+              <a:ext uri="{FF2B5EF4-FFF2-40B4-BE49-F238E27FC236}">
+                <a16:creationId xmlns:a16="http://schemas.microsoft.com/office/drawing/2014/main" id="{43BD357D-3955-1883-F137-841509C1FA6C}"/>
+              </a:ext>
+            </a:extLst>
+          </p:cNvPr>
+          <p:cNvCxnSpPr>
+            <a:cxnSpLocks/>
+          </p:cNvCxnSpPr>
+          <p:nvPr/>
+        </p:nvCxnSpPr>
+        <p:spPr>
+          <a:xfrm flipH="1">
+            <a:off x="5390607" y="1585724"/>
+            <a:ext cx="326583" cy="1"/>
+          </a:xfrm>
+          <a:prstGeom prst="straightConnector1">
+            <a:avLst/>
+          </a:prstGeom>
+          <a:ln w="38100">
+            <a:headEnd type="none" w="med" len="med"/>
+            <a:tailEnd type="triangle" w="med" len="med"/>
+          </a:ln>
+        </p:spPr>
+        <p:style>
+          <a:lnRef idx="1">
+            <a:schemeClr val="accent1"/>
+          </a:lnRef>
+          <a:fillRef idx="0">
+            <a:schemeClr val="accent1"/>
+          </a:fillRef>
+          <a:effectRef idx="0">
+            <a:schemeClr val="accent1"/>
+          </a:effectRef>
+          <a:fontRef idx="minor">
+            <a:schemeClr val="tx1"/>
+          </a:fontRef>
+        </p:style>
+      </p:cxnSp>
     </p:spTree>
     <p:extLst>
       <p:ext uri="{BB962C8B-B14F-4D97-AF65-F5344CB8AC3E}">

--- a/figures/ops/figures.pptx
+++ b/figures/ops/figures.pptx
@@ -308,7 +308,7 @@
       </p15:sldGuideLst>
     </p:ext>
     <p:ext uri="http://customooxmlschemas.google.com/">
-      <go:slidesCustomData xmlns:go="http://customooxmlschemas.google.com/" xmlns:p15="http://schemas.microsoft.com/office/powerpoint/2012/main" xmlns:p14="http://schemas.microsoft.com/office/powerpoint/2010/main" xmlns:com="http://schemas.openxmlformats.org/drawingml/2006/compatibility" xmlns:pvml="urn:schemas-microsoft-com:office:powerpoint" xmlns:v="urn:schemas-microsoft-com:vml" xmlns:o="urn:schemas-microsoft-com:office:office" xmlns:dgm="http://schemas.openxmlformats.org/drawingml/2006/diagram" xmlns:c="http://schemas.openxmlformats.org/drawingml/2006/chart" xmlns:mv="urn:schemas-microsoft-com:mac:vml" xmlns:mc="http://schemas.openxmlformats.org/markup-compatibility/2006" xmlns="" r:id="rId30" roundtripDataSignature="AMtx7mjYSJr9dBhpBi3R8tFsPF3I3gzuVA=="/>
+      <go:slidesCustomData xmlns="" xmlns:mc="http://schemas.openxmlformats.org/markup-compatibility/2006" xmlns:mv="urn:schemas-microsoft-com:mac:vml" xmlns:c="http://schemas.openxmlformats.org/drawingml/2006/chart" xmlns:dgm="http://schemas.openxmlformats.org/drawingml/2006/diagram" xmlns:o="urn:schemas-microsoft-com:office:office" xmlns:v="urn:schemas-microsoft-com:vml" xmlns:pvml="urn:schemas-microsoft-com:office:powerpoint" xmlns:com="http://schemas.openxmlformats.org/drawingml/2006/compatibility" xmlns:p14="http://schemas.microsoft.com/office/powerpoint/2010/main" xmlns:p15="http://schemas.microsoft.com/office/powerpoint/2012/main" xmlns:go="http://customooxmlschemas.google.com/" r:id="rId30" roundtripDataSignature="AMtx7mjYSJr9dBhpBi3R8tFsPF3I3gzuVA=="/>
     </p:ext>
   </p:extLst>
 </p:presentation>
@@ -2919,7 +2919,7 @@
           <a:p>
             <a:fld id="{BF4F8DC3-0006-B147-AA6D-FF436E850004}" type="datetimeFigureOut">
               <a:rPr lang="en-US" smtClean="0"/>
-              <a:t>1/30/23</a:t>
+              <a:t>2/26/23</a:t>
             </a:fld>
             <a:endParaRPr lang="en-US"/>
           </a:p>
@@ -16340,7 +16340,7 @@
           <p:nvPr/>
         </p:nvSpPr>
         <p:spPr>
-          <a:xfrm rot="16200000">
+          <a:xfrm rot="5400000" flipH="1">
             <a:off x="5434062" y="1714698"/>
             <a:ext cx="1264242" cy="333234"/>
           </a:xfrm>
@@ -16406,8 +16406,8 @@
           <p:nvPr/>
         </p:nvSpPr>
         <p:spPr>
-          <a:xfrm rot="16200000">
-            <a:off x="5437710" y="3067680"/>
+          <a:xfrm rot="5400000" flipH="1">
+            <a:off x="6138335" y="3065285"/>
             <a:ext cx="1264242" cy="333234"/>
           </a:xfrm>
           <a:prstGeom prst="roundRect">
@@ -16470,7 +16470,7 @@
           </p:cNvPr>
           <p:cNvCxnSpPr>
             <a:cxnSpLocks/>
-            <a:endCxn id="40" idx="0"/>
+            <a:endCxn id="40" idx="2"/>
           </p:cNvCxnSpPr>
           <p:nvPr/>
         </p:nvCxnSpPr>
@@ -16516,14 +16516,14 @@
           </p:cNvPr>
           <p:cNvCxnSpPr>
             <a:cxnSpLocks/>
-            <a:endCxn id="41" idx="0"/>
+            <a:endCxn id="41" idx="2"/>
           </p:cNvCxnSpPr>
           <p:nvPr/>
         </p:nvCxnSpPr>
         <p:spPr>
           <a:xfrm>
-            <a:off x="5550291" y="3234297"/>
-            <a:ext cx="352923" cy="0"/>
+            <a:off x="5552115" y="3231902"/>
+            <a:ext cx="1051724" cy="0"/>
           </a:xfrm>
           <a:prstGeom prst="line">
             <a:avLst/>
@@ -16702,7 +16702,7 @@
           <p:nvPr/>
         </p:nvSpPr>
         <p:spPr>
-          <a:xfrm rot="16200000">
+          <a:xfrm rot="5400000" flipH="1">
             <a:off x="3975133" y="2285883"/>
             <a:ext cx="2617224" cy="536740"/>
           </a:xfrm>
@@ -16771,6 +16771,119 @@
           </a:p>
         </p:txBody>
       </p:sp>
+      <p:sp>
+        <p:nvSpPr>
+          <p:cNvPr id="2" name="Rounded Rectangle 1">
+            <a:extLst>
+              <a:ext uri="{FF2B5EF4-FFF2-40B4-BE49-F238E27FC236}">
+                <a16:creationId xmlns:a16="http://schemas.microsoft.com/office/drawing/2014/main" id="{027E202E-7B16-78D8-4B7E-61613D19837D}"/>
+              </a:ext>
+            </a:extLst>
+          </p:cNvPr>
+          <p:cNvSpPr/>
+          <p:nvPr/>
+        </p:nvSpPr>
+        <p:spPr>
+          <a:xfrm rot="5400000" flipH="1">
+            <a:off x="6144970" y="1714698"/>
+            <a:ext cx="1264242" cy="333234"/>
+          </a:xfrm>
+          <a:prstGeom prst="roundRect">
+            <a:avLst/>
+          </a:prstGeom>
+          <a:solidFill>
+            <a:schemeClr val="bg1">
+              <a:lumMod val="65000"/>
+            </a:schemeClr>
+          </a:solidFill>
+          <a:ln w="19050">
+            <a:solidFill>
+              <a:srgbClr val="4472C4"/>
+            </a:solidFill>
+          </a:ln>
+        </p:spPr>
+        <p:style>
+          <a:lnRef idx="1">
+            <a:schemeClr val="dk1"/>
+          </a:lnRef>
+          <a:fillRef idx="2">
+            <a:schemeClr val="dk1"/>
+          </a:fillRef>
+          <a:effectRef idx="1">
+            <a:schemeClr val="dk1"/>
+          </a:effectRef>
+          <a:fontRef idx="minor">
+            <a:schemeClr val="dk1"/>
+          </a:fontRef>
+        </p:style>
+        <p:txBody>
+          <a:bodyPr rtlCol="0" anchor="ctr"/>
+          <a:lstStyle/>
+          <a:p>
+            <a:pPr algn="ctr" defTabSz="514355">
+              <a:defRPr/>
+            </a:pPr>
+            <a:r>
+              <a:rPr lang="en-US" dirty="0">
+                <a:solidFill>
+                  <a:schemeClr val="bg1"/>
+                </a:solidFill>
+                <a:latin typeface="Calibri" panose="020F0502020204030204" pitchFamily="34" charset="0"/>
+                <a:ea typeface="Open Sans" panose="020B0606030504020204" pitchFamily="34" charset="0"/>
+                <a:cs typeface="Calibri" panose="020F0502020204030204" pitchFamily="34" charset="0"/>
+              </a:rPr>
+              <a:t>Fleet</a:t>
+            </a:r>
+          </a:p>
+        </p:txBody>
+      </p:sp>
+      <p:cxnSp>
+        <p:nvCxnSpPr>
+          <p:cNvPr id="3" name="Straight Connector 2">
+            <a:extLst>
+              <a:ext uri="{FF2B5EF4-FFF2-40B4-BE49-F238E27FC236}">
+                <a16:creationId xmlns:a16="http://schemas.microsoft.com/office/drawing/2014/main" id="{49ED1200-5DD6-5BD6-7A4E-9486C3190023}"/>
+              </a:ext>
+            </a:extLst>
+          </p:cNvPr>
+          <p:cNvCxnSpPr>
+            <a:cxnSpLocks/>
+            <a:stCxn id="40" idx="0"/>
+            <a:endCxn id="2" idx="2"/>
+          </p:cNvCxnSpPr>
+          <p:nvPr/>
+        </p:nvCxnSpPr>
+        <p:spPr>
+          <a:xfrm>
+            <a:off x="6232800" y="1881315"/>
+            <a:ext cx="377674" cy="0"/>
+          </a:xfrm>
+          <a:prstGeom prst="line">
+            <a:avLst/>
+          </a:prstGeom>
+          <a:ln w="19050">
+            <a:solidFill>
+              <a:srgbClr val="4472C4"/>
+            </a:solidFill>
+            <a:headEnd type="triangle" w="med" len="med"/>
+            <a:tailEnd type="none" w="med" len="med"/>
+          </a:ln>
+        </p:spPr>
+        <p:style>
+          <a:lnRef idx="1">
+            <a:schemeClr val="dk1"/>
+          </a:lnRef>
+          <a:fillRef idx="0">
+            <a:schemeClr val="dk1"/>
+          </a:fillRef>
+          <a:effectRef idx="0">
+            <a:schemeClr val="dk1"/>
+          </a:effectRef>
+          <a:fontRef idx="minor">
+            <a:schemeClr val="tx1"/>
+          </a:fontRef>
+        </p:style>
+      </p:cxnSp>
     </p:spTree>
     <p:extLst>
       <p:ext uri="{BB962C8B-B14F-4D97-AF65-F5344CB8AC3E}">
